--- a/08-customSOrt-OperatorOverloading/Overloading.pptx
+++ b/08-customSOrt-OperatorOverloading/Overloading.pptx
@@ -4,21 +4,26 @@
   <p:sldMasterIdLst>
     <p:sldMasterId id="2147483648" r:id="rId1"/>
   </p:sldMasterIdLst>
+  <p:notesMasterIdLst>
+    <p:notesMasterId r:id="rId18"/>
+  </p:notesMasterIdLst>
   <p:sldIdLst>
     <p:sldId id="258" r:id="rId2"/>
     <p:sldId id="259" r:id="rId3"/>
     <p:sldId id="260" r:id="rId4"/>
     <p:sldId id="256" r:id="rId5"/>
-    <p:sldId id="270" r:id="rId6"/>
-    <p:sldId id="261" r:id="rId7"/>
-    <p:sldId id="268" r:id="rId8"/>
-    <p:sldId id="262" r:id="rId9"/>
-    <p:sldId id="263" r:id="rId10"/>
-    <p:sldId id="264" r:id="rId11"/>
-    <p:sldId id="265" r:id="rId12"/>
-    <p:sldId id="266" r:id="rId13"/>
-    <p:sldId id="267" r:id="rId14"/>
-    <p:sldId id="269" r:id="rId15"/>
+    <p:sldId id="271" r:id="rId6"/>
+    <p:sldId id="272" r:id="rId7"/>
+    <p:sldId id="270" r:id="rId8"/>
+    <p:sldId id="261" r:id="rId9"/>
+    <p:sldId id="268" r:id="rId10"/>
+    <p:sldId id="262" r:id="rId11"/>
+    <p:sldId id="263" r:id="rId12"/>
+    <p:sldId id="264" r:id="rId13"/>
+    <p:sldId id="265" r:id="rId14"/>
+    <p:sldId id="266" r:id="rId15"/>
+    <p:sldId id="267" r:id="rId16"/>
+    <p:sldId id="269" r:id="rId17"/>
   </p:sldIdLst>
   <p:sldSz cx="9144000" cy="6858000" type="screen4x3"/>
   <p:notesSz cx="6858000" cy="9144000"/>
@@ -136,8 +141,1585 @@
 </p:presentation>
 </file>
 
-<file path=ppt/revisionInfo.xml><?xml version="1.0" encoding="utf-8"?>
-<p1510:revInfo xmlns:a="http://schemas.openxmlformats.org/drawingml/2006/main" xmlns:r="http://schemas.openxmlformats.org/officeDocument/2006/relationships" xmlns:p1510="http://schemas.microsoft.com/office/powerpoint/2015/10/main"/>
+<file path=ppt/ink/ink1.xml><?xml version="1.0" encoding="utf-8"?>
+<inkml:ink xmlns:inkml="http://www.w3.org/2003/InkML">
+  <inkml:definitions>
+    <inkml:context xml:id="ctx0">
+      <inkml:inkSource xml:id="inkSrc0">
+        <inkml:traceFormat>
+          <inkml:channel name="X" type="integer" min="-2.14748E9" max="2.14748E9" units="cm"/>
+          <inkml:channel name="Y" type="integer" min="-2.14748E9" max="2.14748E9" units="cm"/>
+          <inkml:channel name="F" type="integer" max="32767" units="dev"/>
+        </inkml:traceFormat>
+        <inkml:channelProperties>
+          <inkml:channelProperty channel="X" name="resolution" value="1000" units="1/cm"/>
+          <inkml:channelProperty channel="Y" name="resolution" value="1000" units="1/cm"/>
+          <inkml:channelProperty channel="F" name="resolution" value="0" units="1/dev"/>
+        </inkml:channelProperties>
+      </inkml:inkSource>
+      <inkml:timestamp xml:id="ts0" timeString="2025-09-01T02:12:27.981"/>
+    </inkml:context>
+    <inkml:brush xml:id="br0">
+      <inkml:brushProperty name="width" value="0.2" units="cm"/>
+      <inkml:brushProperty name="height" value="0.2" units="cm"/>
+      <inkml:brushProperty name="color" value="#E71224"/>
+    </inkml:brush>
+  </inkml:definitions>
+  <inkml:trace contextRef="#ctx0" brushRef="#br0">1 0 24575,'11'1'0,"0"1"0,0 0 0,-1 0 0,1 1 0,0 0 0,-1 1 0,0 0 0,0 1 0,0 0 0,9 7 0,14 10 0,41 35 0,-54-40 0,-1 1 0,-1 1 0,0 1 0,-2 1 0,0 0 0,-2 1 0,14 27 0,4 19 0,28 83 0,-4-5 0,13 30 0,-44-105 0,4-1 0,2-1 0,52 83 0,-53-110 0,-20-30 0,-1 0 0,-1 1 0,0 0 0,0 1 0,6 18 0,-13-32 0,-1 1 0,1 0 0,-1 0 0,0 0 0,1 0 0,-1 0 0,0 0 0,0 0 0,0 0 0,0 0 0,0 0 0,0 0 0,0-1 0,0 1 0,0 0 0,0 0 0,0 0 0,-1 0 0,1 0 0,0 0 0,-1 0 0,0 1 0,0-1 0,1-1 0,-1 1 0,0-1 0,0 0 0,1 1 0,-1-1 0,0 0 0,0 0 0,0 0 0,0 0 0,1 1 0,-1-1 0,0 0 0,0 0 0,0-1 0,0 1 0,0 0 0,1 0 0,-3-1 0,-40-18 0,7-5 0,-54-47 0,63 47 0,-2 2 0,-55-34 0,66 50 0,15 12 0,22 20 0,48 30 0,2-2 0,2-4 0,84 44 0,-153-93 0,9 7 0,0-2 0,1 0 0,0 0 0,24 7 0,-34-13 0,0 1 0,0-1 0,-1 1 0,1-1 0,0 0 0,0 0 0,0 0 0,0 0 0,0 0 0,0 0 0,0 0 0,0-1 0,0 1 0,-1-1 0,1 1 0,0-1 0,0 0 0,0 0 0,-1 0 0,1 0 0,0 0 0,-1 0 0,1 0 0,-1 0 0,1-1 0,-1 1 0,0-1 0,0 1 0,0-1 0,1 1 0,-1-1 0,-1 0 0,1 1 0,0-1 0,0 0 0,-1 0 0,1 0 0,-1 1 0,1-1 0,-1-3 0,4-22 0,-2 0 0,-1-1 0,-1 1 0,-7-51 0,2 17 0,5 51 0,-1-2 0,0 1 0,0-1 0,-1 1 0,-4-14 0,6 23 0,0 1 0,-1 0 0,1-1 0,0 1 0,-1 0 0,0-1 0,1 1 0,-1 0 0,0-1 0,1 1 0,-1 0 0,0 0 0,0 0 0,0 0 0,0 0 0,0 0 0,0 0 0,-1 0 0,1 1 0,0-1 0,0 0 0,0 0 0,-1 1 0,1-1 0,0 1 0,-1 0 0,1-1 0,-1 1 0,1 0 0,0 0 0,-1 0 0,1 0 0,-1 0 0,1 0 0,-1 0 0,1 0 0,0 0 0,-1 1 0,1-1 0,-1 1 0,1-1 0,-3 2 0,-236 128 0,214-113-174,0 2 1,-23 22-1,35-29-670</inkml:trace>
+</inkml:ink>
+</file>
+
+<file path=ppt/ink/ink10.xml><?xml version="1.0" encoding="utf-8"?>
+<inkml:ink xmlns:inkml="http://www.w3.org/2003/InkML">
+  <inkml:definitions>
+    <inkml:context xml:id="ctx0">
+      <inkml:inkSource xml:id="inkSrc0">
+        <inkml:traceFormat>
+          <inkml:channel name="X" type="integer" min="-2.14748E9" max="2.14748E9" units="cm"/>
+          <inkml:channel name="Y" type="integer" min="-2.14748E9" max="2.14748E9" units="cm"/>
+          <inkml:channel name="F" type="integer" max="32767" units="dev"/>
+        </inkml:traceFormat>
+        <inkml:channelProperties>
+          <inkml:channelProperty channel="X" name="resolution" value="1000" units="1/cm"/>
+          <inkml:channelProperty channel="Y" name="resolution" value="1000" units="1/cm"/>
+          <inkml:channelProperty channel="F" name="resolution" value="0" units="1/dev"/>
+        </inkml:channelProperties>
+      </inkml:inkSource>
+      <inkml:timestamp xml:id="ts0" timeString="2025-09-01T01:54:39.674"/>
+    </inkml:context>
+    <inkml:brush xml:id="br0">
+      <inkml:brushProperty name="width" value="0.2" units="cm"/>
+      <inkml:brushProperty name="height" value="0.2" units="cm"/>
+      <inkml:brushProperty name="color" value="#E71224"/>
+    </inkml:brush>
+  </inkml:definitions>
+  <inkml:trace contextRef="#ctx0" brushRef="#br0">0 963 24575,'7'-7'0,"3"-9"0,14-10 0,24-15 0,33-14 0,45-19 0,46-20 0,42-14 0,29-12 0,2 9-580,-12 7 580,-17 16 0,-37 21 0,-50 31 0,-47 20-7611</inkml:trace>
+</inkml:ink>
+</file>
+
+<file path=ppt/ink/ink11.xml><?xml version="1.0" encoding="utf-8"?>
+<inkml:ink xmlns:inkml="http://www.w3.org/2003/InkML">
+  <inkml:definitions>
+    <inkml:context xml:id="ctx0">
+      <inkml:inkSource xml:id="inkSrc0">
+        <inkml:traceFormat>
+          <inkml:channel name="X" type="integer" min="-2.14748E9" max="2.14748E9" units="cm"/>
+          <inkml:channel name="Y" type="integer" min="-2.14748E9" max="2.14748E9" units="cm"/>
+          <inkml:channel name="F" type="integer" max="32767" units="dev"/>
+        </inkml:traceFormat>
+        <inkml:channelProperties>
+          <inkml:channelProperty channel="X" name="resolution" value="1000" units="1/cm"/>
+          <inkml:channelProperty channel="Y" name="resolution" value="1000" units="1/cm"/>
+          <inkml:channelProperty channel="F" name="resolution" value="0" units="1/dev"/>
+        </inkml:channelProperties>
+      </inkml:inkSource>
+      <inkml:timestamp xml:id="ts0" timeString="2025-09-01T01:54:40.773"/>
+    </inkml:context>
+    <inkml:brush xml:id="br0">
+      <inkml:brushProperty name="width" value="0.2" units="cm"/>
+      <inkml:brushProperty name="height" value="0.2" units="cm"/>
+      <inkml:brushProperty name="color" value="#E71224"/>
+    </inkml:brush>
+  </inkml:definitions>
+  <inkml:trace contextRef="#ctx0" brushRef="#br0">220 968 24575,'25'0'0,"17"1"0,69-9 0,-96 5 0,1 0 0,-1-1 0,0 0 0,0-2 0,-1 1 0,0-2 0,0 0 0,14-10 0,8-9 0,-1-1 0,-2-2 0,-1-2 0,-1-1 0,52-70 0,-53 59 0,-2-1 0,-2-2 0,-2 0 0,34-92 0,-49 112 0,-2 0 0,0-1 0,-2 0 0,-1 0 0,-2 0 0,0 0 0,-4-51 0,2 74 0,-1 1 0,1-1 0,0 1 0,-1 0 0,0-1 0,0 1 0,0 0 0,0 0 0,0-1 0,-1 1 0,0 0 0,1 0 0,-1 1 0,0-1 0,0 0 0,-1 1 0,1-1 0,0 1 0,-1-1 0,1 1 0,-1 0 0,0 0 0,0 1 0,-5-4 0,3 4 0,0 1 0,0-1 0,0 1 0,1-1 0,-1 2 0,0-1 0,0 0 0,0 1 0,0 0 0,1 0 0,-1 0 0,0 1 0,1 0 0,-1 0 0,1 0 0,-8 5 0,-16 12 0,2 0 0,0 2 0,2 1 0,-41 47 0,2-4 0,-105 90 0,83-79 0,-146 167 0,213-219 0,1 1 0,2 0 0,0 1 0,2 1 0,1 0 0,1 1 0,1 0 0,2 1 0,-6 31 0,10-41 0,2 1 0,0 0 0,1 0 0,1 1 0,0-1 0,2 0 0,1 0 0,0 0 0,1-1 0,1 1 0,1-1 0,1 0 0,1 0 0,11 20 0,-8-21 0,0 0 0,2-2 0,0 1 0,0-2 0,1 0 0,1 0 0,1-1 0,0-1 0,1-1 0,20 12 0,-15-13 0,1 0 0,0-2 0,1 0 0,0-2 0,0 0 0,1-2 0,-1-1 0,30 2 0,115 1 0,297-26 0,-363 6 0,182-46 0,91-61 0,-335 106-227,0-2-1,-1-1 1,0-2-1,-2-2 1,70-50-1,-55 23-6598</inkml:trace>
+</inkml:ink>
+</file>
+
+<file path=ppt/ink/ink12.xml><?xml version="1.0" encoding="utf-8"?>
+<inkml:ink xmlns:inkml="http://www.w3.org/2003/InkML">
+  <inkml:definitions>
+    <inkml:context xml:id="ctx0">
+      <inkml:inkSource xml:id="inkSrc0">
+        <inkml:traceFormat>
+          <inkml:channel name="X" type="integer" min="-2.14748E9" max="2.14748E9" units="cm"/>
+          <inkml:channel name="Y" type="integer" min="-2.14748E9" max="2.14748E9" units="cm"/>
+          <inkml:channel name="F" type="integer" max="32767" units="dev"/>
+        </inkml:traceFormat>
+        <inkml:channelProperties>
+          <inkml:channelProperty channel="X" name="resolution" value="1000" units="1/cm"/>
+          <inkml:channelProperty channel="Y" name="resolution" value="1000" units="1/cm"/>
+          <inkml:channelProperty channel="F" name="resolution" value="0" units="1/dev"/>
+        </inkml:channelProperties>
+      </inkml:inkSource>
+      <inkml:timestamp xml:id="ts0" timeString="2025-09-01T01:54:41.592"/>
+    </inkml:context>
+    <inkml:brush xml:id="br0">
+      <inkml:brushProperty name="width" value="0.2" units="cm"/>
+      <inkml:brushProperty name="height" value="0.2" units="cm"/>
+      <inkml:brushProperty name="color" value="#E71224"/>
+    </inkml:brush>
+  </inkml:definitions>
+  <inkml:trace contextRef="#ctx0" brushRef="#br0">1 268 24575,'1'15'0,"0"1"0,1 0 0,1-1 0,1 1 0,0-1 0,12 28 0,49 87 0,-34-73 0,59 116 0,258 565 0,-259-459 0,-120-402 0,5-2 0,6-1 0,5 0 0,4-249 0,16 300 0,3 0 0,4 1 0,27-92 0,-22 110 0,2 0 0,3 1 0,2 1 0,55-89 0,-71 129-136,1 0-1,0 0 1,1 1-1,1 0 1,0 1-1,1 0 1,0 1-1,1 0 0,16-10 1,5 5-6690</inkml:trace>
+</inkml:ink>
+</file>
+
+<file path=ppt/ink/ink13.xml><?xml version="1.0" encoding="utf-8"?>
+<inkml:ink xmlns:inkml="http://www.w3.org/2003/InkML">
+  <inkml:definitions>
+    <inkml:context xml:id="ctx0">
+      <inkml:inkSource xml:id="inkSrc0">
+        <inkml:traceFormat>
+          <inkml:channel name="X" type="integer" min="-2.14748E9" max="2.14748E9" units="cm"/>
+          <inkml:channel name="Y" type="integer" min="-2.14748E9" max="2.14748E9" units="cm"/>
+          <inkml:channel name="F" type="integer" max="32767" units="dev"/>
+        </inkml:traceFormat>
+        <inkml:channelProperties>
+          <inkml:channelProperty channel="X" name="resolution" value="1000" units="1/cm"/>
+          <inkml:channelProperty channel="Y" name="resolution" value="1000" units="1/cm"/>
+          <inkml:channelProperty channel="F" name="resolution" value="0" units="1/dev"/>
+        </inkml:channelProperties>
+      </inkml:inkSource>
+      <inkml:timestamp xml:id="ts0" timeString="2025-09-01T01:54:45.393"/>
+    </inkml:context>
+    <inkml:brush xml:id="br0">
+      <inkml:brushProperty name="width" value="0.2" units="cm"/>
+      <inkml:brushProperty name="height" value="0.2" units="cm"/>
+      <inkml:brushProperty name="color" value="#E71224"/>
+    </inkml:brush>
+  </inkml:definitions>
+  <inkml:trace contextRef="#ctx0" brushRef="#br0">685 25 24575,'0'-1'0,"1"0"0,-1 0 0,0-1 0,1 1 0,-1 0 0,1 0 0,-1 0 0,1 0 0,0 0 0,-1 0 0,1-1 0,0 1 0,0 1 0,0-1 0,-1 0 0,1 0 0,0 0 0,0 0 0,0 1 0,1-1 0,-1 0 0,0 1 0,0-1 0,0 1 0,0-1 0,1 1 0,-1 0 0,0 0 0,0-1 0,1 1 0,-1 0 0,0 0 0,0 0 0,1 0 0,0 1 0,47 4 0,-41-3 0,-1 0 0,0 0 0,-1 1 0,1 0 0,0 0 0,-1 1 0,1 0 0,-1 0 0,0 0 0,-1 1 0,1 0 0,-1 0 0,0 1 0,0-1 0,0 1 0,-1 0 0,0 0 0,0 1 0,-1-1 0,1 1 0,-1-1 0,-1 1 0,1 0 0,-1 1 0,-1-1 0,1 0 0,0 8 0,-1 3 0,-1 0 0,0-1 0,-1 1 0,-1-1 0,-1 1 0,0-1 0,-1 0 0,-1 0 0,-1 0 0,-12 25 0,9-23 0,-46 108 0,51-116 0,1 1 0,-1 0 0,2 0 0,0 0 0,0 0 0,1 0 0,1 0 0,1 24 0,0-31 0,0-1 0,1 1 0,0-1 0,-1 1 0,2-1 0,-1 1 0,0-1 0,1 0 0,0 0 0,0 0 0,6 6 0,11 16 0,-19-25 0,-1-1 0,0 1 0,1 0 0,-1-1 0,0 1 0,0 0 0,0-1 0,0 1 0,0-1 0,0 1 0,0 0 0,0-1 0,0 1 0,0 0 0,0-1 0,0 1 0,0 0 0,0-1 0,0 1 0,-1 0 0,1-1 0,0 1 0,-1-1 0,1 1 0,0-1 0,-1 1 0,1-1 0,-1 1 0,1-1 0,0 1 0,-1-1 0,1 1 0,-1-1 0,0 0 0,0 1 0,-24 13 0,18-11 0,-8 8 0,0 0 0,1 1 0,0 0 0,1 1 0,1 1 0,-18 23 0,-4 5 0,7-10 0,10-12 0,0-1 0,-32 28 0,42-42 0,0 0 0,0 0 0,-1 0 0,1-1 0,-1 0 0,0-1 0,0 0 0,-1 0 0,1-1 0,-1 0 0,-15 2 0,-229-4 37,142-3-1439,50 2-5424</inkml:trace>
+</inkml:ink>
+</file>
+
+<file path=ppt/ink/ink14.xml><?xml version="1.0" encoding="utf-8"?>
+<inkml:ink xmlns:inkml="http://www.w3.org/2003/InkML">
+  <inkml:definitions>
+    <inkml:context xml:id="ctx0">
+      <inkml:inkSource xml:id="inkSrc0">
+        <inkml:traceFormat>
+          <inkml:channel name="X" type="integer" min="-2.14748E9" max="2.14748E9" units="cm"/>
+          <inkml:channel name="Y" type="integer" min="-2.14748E9" max="2.14748E9" units="cm"/>
+          <inkml:channel name="F" type="integer" max="32767" units="dev"/>
+        </inkml:traceFormat>
+        <inkml:channelProperties>
+          <inkml:channelProperty channel="X" name="resolution" value="1000" units="1/cm"/>
+          <inkml:channelProperty channel="Y" name="resolution" value="1000" units="1/cm"/>
+          <inkml:channelProperty channel="F" name="resolution" value="0" units="1/dev"/>
+        </inkml:channelProperties>
+      </inkml:inkSource>
+      <inkml:timestamp xml:id="ts0" timeString="2025-09-01T01:54:47.096"/>
+    </inkml:context>
+    <inkml:brush xml:id="br0">
+      <inkml:brushProperty name="width" value="0.2" units="cm"/>
+      <inkml:brushProperty name="height" value="0.2" units="cm"/>
+      <inkml:brushProperty name="color" value="#E71224"/>
+    </inkml:brush>
+  </inkml:definitions>
+  <inkml:trace contextRef="#ctx0" brushRef="#br0">0 1 24575,'16'1'0,"0"0"0,-1 2 0,1 0 0,-1 0 0,0 1 0,0 1 0,22 11 0,101 59 0,-96-50 0,73 46 0,143 117 0,92 109 0,-253-212 0,382 356 0,-378-336 0,-5 3 0,122 180 0,-205-267 0,68 110 0,-74-117 0,-1 0 0,0 0 0,0 1 0,-2-1 0,0 1 0,0 0 0,1 22 0,-4-34 0,-1-1 0,0 1 0,0 0 0,0 0 0,0 0 0,-1-1 0,1 1 0,-1 0 0,0 0 0,0-1 0,0 1 0,0-1 0,0 1 0,0-1 0,-1 1 0,1-1 0,-1 1 0,0-1 0,1 0 0,-1 0 0,0 0 0,0 0 0,-1 0 0,1-1 0,0 1 0,0-1 0,-1 1 0,1-1 0,-1 0 0,0 0 0,1 0 0,-1 0 0,0 0 0,1-1 0,-1 1 0,0-1 0,0 0 0,1 0 0,-5 0 0,-11 0 0,0-1 0,0-1 0,0 0 0,-30-8 0,45 9 0,-210-64 0,57 14 0,-163-24 0,275 71 0,43 4 0,1 0 0,0 0 0,-1 0 0,1 0 0,-1 0 0,1 0 0,0 0 0,-1 0 0,1 0 0,-1 0 0,1 0 0,0 0 0,-1 0 0,1 1 0,0-1 0,-1 0 0,1 0 0,0 0 0,-1 0 0,1 1 0,0-1 0,-1 0 0,1 0 0,0 1 0,0-1 0,-1 0 0,1 1 0,0-1 0,0 0 0,-1 1 0,1-1 0,0 0 0,0 1 0,0-1 0,0 0 0,0 1 0,0-1 0,0 1 0,-1-1 0,1 0 0,0 1 0,0-1 0,0 1 0,1-1 0,-1 0 0,0 1 0,0-1 0,0 1 0,0-1 0,0 0 0,0 1 0,0-1 0,1 0 0,-1 1 0,0-1 0,1 1 0,17 19 0,-16-19 0,73 61 0,99 61 0,-32-25 0,-95-62 0,251 175 0,-228-166 0,3-3 0,98 42 0,-161-79 0,0-1 0,1 0 0,-1-1 0,1 0 0,0-1 0,0 0 0,0-1 0,0 0 0,15-1 0,-22-1 0,0 1 0,0-1 0,0-1 0,-1 1 0,1 0 0,0-1 0,-1 0 0,1 0 0,-1 0 0,0 0 0,0 0 0,0-1 0,0 1 0,0-1 0,0 0 0,-1 0 0,1 0 0,-1 0 0,0-1 0,0 1 0,0-1 0,0 1 0,-1-1 0,1 1 0,-1-1 0,0 0 0,0 0 0,1-5 0,3-32 0,-1 1 0,-2-1 0,-1 0 0,-8-63 0,1 20 0,0-37 0,-36-188 0,41 304 0,0 0 0,0 0 0,0 0 0,-1 0 0,0 0 0,0 0 0,0 1 0,-1-1 0,1 1 0,-1-1 0,0 1 0,-6-6 0,6 8 0,0-1 0,-1 1 0,1 0 0,-1 1 0,1-1 0,-1 1 0,0-1 0,1 1 0,-1 0 0,0 0 0,0 1 0,0-1 0,0 1 0,0 0 0,0 0 0,0 0 0,-5 1 0,-98 13 39,0 5 1,-166 51-1,-195 94-1445,460-161 1329,-132 50-6749</inkml:trace>
+</inkml:ink>
+</file>
+
+<file path=ppt/ink/ink15.xml><?xml version="1.0" encoding="utf-8"?>
+<inkml:ink xmlns:inkml="http://www.w3.org/2003/InkML">
+  <inkml:definitions>
+    <inkml:context xml:id="ctx0">
+      <inkml:inkSource xml:id="inkSrc0">
+        <inkml:traceFormat>
+          <inkml:channel name="X" type="integer" min="-2.14748E9" max="2.14748E9" units="cm"/>
+          <inkml:channel name="Y" type="integer" min="-2.14748E9" max="2.14748E9" units="cm"/>
+          <inkml:channel name="F" type="integer" max="32767" units="dev"/>
+        </inkml:traceFormat>
+        <inkml:channelProperties>
+          <inkml:channelProperty channel="X" name="resolution" value="1000" units="1/cm"/>
+          <inkml:channelProperty channel="Y" name="resolution" value="1000" units="1/cm"/>
+          <inkml:channelProperty channel="F" name="resolution" value="0" units="1/dev"/>
+        </inkml:channelProperties>
+      </inkml:inkSource>
+      <inkml:timestamp xml:id="ts0" timeString="2025-09-01T01:54:51.143"/>
+    </inkml:context>
+    <inkml:brush xml:id="br0">
+      <inkml:brushProperty name="width" value="0.2" units="cm"/>
+      <inkml:brushProperty name="height" value="0.2" units="cm"/>
+      <inkml:brushProperty name="color" value="#E71224"/>
+    </inkml:brush>
+  </inkml:definitions>
+  <inkml:trace contextRef="#ctx0" brushRef="#br0">1 318 24575,'1'10'0,"1"1"0,0-1 0,0 1 0,1-1 0,1 0 0,-1 0 0,7 11 0,5 14 0,5 18 0,84 241 0,-80-212 0,25 139 0,8 141 0,-54-336 0,-13-55 0,6 16 0,-34-121 0,-36-221 0,63 274 0,-5-15 0,5-1 0,3 0 0,7-113 0,2 204 0,-1 1 0,1 0 0,0 0 0,0 0 0,0-1 0,1 1 0,0 0 0,0 1 0,0-1 0,1 0 0,3-5 0,-4 8 0,-1 1 0,1-1 0,-1 1 0,1 0 0,0-1 0,-1 1 0,1 0 0,0 0 0,0 0 0,0 0 0,0 1 0,0-1 0,0 0 0,0 1 0,0 0 0,0-1 0,0 1 0,0 0 0,1 0 0,-1 0 0,0 0 0,0 0 0,0 1 0,0-1 0,0 1 0,0-1 0,0 1 0,0 0 0,0 0 0,0 0 0,2 1 0,26 15 0,0 2 0,0 2 0,-2 0 0,50 50 0,-8-7 0,638 466 0,-666-500 0,-12-7 0,0-1 0,2-2 0,0-1 0,2-1 0,-1-2 0,38 12 0,-70-28 0,1 1 0,-1-1 0,1 1 0,0-1 0,-1 0 0,1 1 0,0-1 0,0 0 0,-1 0 0,1 0 0,0-1 0,-1 1 0,1 0 0,0-1 0,-1 1 0,1-1 0,0 1 0,1-2 0,-2 1 0,0 1 0,-1-1 0,1 0 0,0 0 0,0 0 0,-1 0 0,1 0 0,-1 0 0,1 0 0,-1 0 0,1-1 0,-1 1 0,1 0 0,-1 0 0,0 0 0,0 0 0,0-1 0,0 1 0,0-2 0,-1-8 0,-1 0 0,0 1 0,-1-1 0,-6-18 0,1 5 0,-4-35 0,-7-116 0,4 23 0,9 107-89,-55-556-1187,60 539-5550</inkml:trace>
+</inkml:ink>
+</file>
+
+<file path=ppt/ink/ink16.xml><?xml version="1.0" encoding="utf-8"?>
+<inkml:ink xmlns:inkml="http://www.w3.org/2003/InkML">
+  <inkml:definitions>
+    <inkml:context xml:id="ctx0">
+      <inkml:inkSource xml:id="inkSrc0">
+        <inkml:traceFormat>
+          <inkml:channel name="X" type="integer" min="-2.14748E9" max="2.14748E9" units="cm"/>
+          <inkml:channel name="Y" type="integer" min="-2.14748E9" max="2.14748E9" units="cm"/>
+          <inkml:channel name="F" type="integer" max="32767" units="dev"/>
+        </inkml:traceFormat>
+        <inkml:channelProperties>
+          <inkml:channelProperty channel="X" name="resolution" value="1000" units="1/cm"/>
+          <inkml:channelProperty channel="Y" name="resolution" value="1000" units="1/cm"/>
+          <inkml:channelProperty channel="F" name="resolution" value="0" units="1/dev"/>
+        </inkml:channelProperties>
+      </inkml:inkSource>
+      <inkml:timestamp xml:id="ts0" timeString="2025-09-01T01:54:52.149"/>
+    </inkml:context>
+    <inkml:brush xml:id="br0">
+      <inkml:brushProperty name="width" value="0.2" units="cm"/>
+      <inkml:brushProperty name="height" value="0.2" units="cm"/>
+      <inkml:brushProperty name="color" value="#E71224"/>
+    </inkml:brush>
+  </inkml:definitions>
+  <inkml:trace contextRef="#ctx0" brushRef="#br0">0 271 24575,'32'0'0,"-11"1"0,0-1 0,-1 0 0,1-2 0,27-6 0,-43 7 0,-1 0 0,1-1 0,0 1 0,-1-1 0,1 0 0,-1-1 0,1 1 0,-1-1 0,0 0 0,0 0 0,0 0 0,0-1 0,-1 1 0,0-1 0,1 0 0,-1 0 0,0 0 0,-1 0 0,1-1 0,-1 1 0,0-1 0,0 1 0,1-6 0,1-3 0,-1 1 0,-1-1 0,0 0 0,-1 0 0,0-16 0,-1 25 0,0 0 0,-1 0 0,1 0 0,-1 0 0,1 0 0,-1 0 0,0 0 0,-1 0 0,1 0 0,-1 1 0,1-1 0,-1 0 0,0 1 0,0 0 0,-1-1 0,1 1 0,-1 0 0,0 0 0,1 0 0,-7-4 0,7 6 0,1 0 0,-1 0 0,1 1 0,-1-1 0,1 0 0,-1 1 0,1-1 0,-1 1 0,0-1 0,1 1 0,-1 0 0,0 0 0,1 0 0,-1 0 0,0 0 0,1 0 0,-1 0 0,0 0 0,1 1 0,-1-1 0,0 1 0,1-1 0,-1 1 0,-2 1 0,1 1 0,0-1 0,0 0 0,1 1 0,-1 0 0,1 0 0,0 0 0,0 0 0,0 0 0,0 0 0,1 0 0,-2 4 0,-3 9 0,1 0 0,1 0 0,0 0 0,-1 19 0,0 3 0,1 1 0,2-1 0,2 1 0,2-1 0,9 57 0,-9-88 0,0-1 0,0 1 0,0-1 0,1 1 0,0-1 0,0 0 0,1 0 0,0 0 0,0-1 0,0 0 0,1 1 0,-1-1 0,1 0 0,1-1 0,-1 0 0,0 1 0,1-2 0,0 1 0,0-1 0,0 0 0,1 0 0,-1 0 0,9 2 0,-2-2 0,1-1 0,-1 0 0,1 0 0,-1-1 0,1-1 0,0-1 0,-1 0 0,1 0 0,-1-1 0,26-8 0,50-19-227,-1-3-1,-1-4 1,-3-5-1,-1-2 1,84-60-1,-120 69-6598</inkml:trace>
+</inkml:ink>
+</file>
+
+<file path=ppt/ink/ink17.xml><?xml version="1.0" encoding="utf-8"?>
+<inkml:ink xmlns:inkml="http://www.w3.org/2003/InkML">
+  <inkml:definitions>
+    <inkml:context xml:id="ctx0">
+      <inkml:inkSource xml:id="inkSrc0">
+        <inkml:traceFormat>
+          <inkml:channel name="X" type="integer" min="-2.14748E9" max="2.14748E9" units="cm"/>
+          <inkml:channel name="Y" type="integer" min="-2.14748E9" max="2.14748E9" units="cm"/>
+          <inkml:channel name="F" type="integer" max="32767" units="dev"/>
+        </inkml:traceFormat>
+        <inkml:channelProperties>
+          <inkml:channelProperty channel="X" name="resolution" value="1000" units="1/cm"/>
+          <inkml:channelProperty channel="Y" name="resolution" value="1000" units="1/cm"/>
+          <inkml:channelProperty channel="F" name="resolution" value="0" units="1/dev"/>
+        </inkml:channelProperties>
+      </inkml:inkSource>
+      <inkml:timestamp xml:id="ts0" timeString="2025-09-01T01:54:53.035"/>
+    </inkml:context>
+    <inkml:brush xml:id="br0">
+      <inkml:brushProperty name="width" value="0.2" units="cm"/>
+      <inkml:brushProperty name="height" value="0.2" units="cm"/>
+      <inkml:brushProperty name="color" value="#E71224"/>
+    </inkml:brush>
+  </inkml:definitions>
+  <inkml:trace contextRef="#ctx0" brushRef="#br0">1 192 24575,'3'1'0,"1"0"0,-1-1 0,0 1 0,0 1 0,0-1 0,0 0 0,1 1 0,4 3 0,17 7 0,-10-7 0,0-1 0,0-1 0,1 0 0,0-1 0,-1-1 0,1 0 0,17-2 0,-29 1 0,1 0 0,-1-1 0,1 0 0,-1 0 0,0 0 0,0 0 0,1-1 0,-1 0 0,0 0 0,0 0 0,-1 0 0,1 0 0,0-1 0,-1 0 0,1 1 0,-1-1 0,0-1 0,0 1 0,0 0 0,-1-1 0,1 0 0,-1 1 0,0-1 0,0 0 0,0 0 0,0 0 0,-1 0 0,1-1 0,0-4 0,0-5 0,0 1 0,-1 0 0,0-1 0,-2-21 0,1 33 0,0-1 0,0 0 0,0 1 0,-1-1 0,1 1 0,-1-1 0,1 0 0,-1 1 0,0-1 0,0 1 0,0-1 0,0 1 0,0 0 0,-1-1 0,1 1 0,-1 0 0,0 0 0,1 0 0,-1 0 0,0 0 0,0 0 0,0 1 0,0-1 0,-1 1 0,1-1 0,0 1 0,-1 0 0,1 0 0,-1 0 0,-2-1 0,2 2 0,0 1 0,0-1 0,0 1 0,1-1 0,-1 1 0,0 0 0,0 0 0,0 0 0,1 0 0,-1 1 0,1-1 0,-1 1 0,1 0 0,-1-1 0,1 1 0,0 0 0,0 1 0,0-1 0,0 0 0,0 0 0,1 1 0,-1-1 0,1 1 0,-1 0 0,1-1 0,0 1 0,-1 4 0,-4 7 0,2-1 0,0 1 0,0 1 0,-2 18 0,1 4 0,2 0 0,1 0 0,2 0 0,1 0 0,13 72 0,-12-103 0,0 0 0,0 0 0,1 0 0,0 0 0,0 0 0,0-1 0,1 0 0,-1 1 0,1-1 0,1-1 0,-1 1 0,1-1 0,0 1 0,0-1 0,0 0 0,0-1 0,1 0 0,-1 1 0,1-2 0,0 1 0,0-1 0,10 3 0,-10-3 0,-1-1 0,1-1 0,-1 1 0,1-1 0,-1 1 0,1-2 0,0 1 0,-1-1 0,1 1 0,-1-2 0,1 1 0,-1-1 0,0 1 0,1-1 0,-1-1 0,0 1 0,0-1 0,-1 0 0,1 0 0,-1 0 0,1-1 0,-1 1 0,0-1 0,0 0 0,0-1 0,3-4 0,-1 0-227,-1-1-1,1 0 1,-2-1-1,1 1 1,3-14-1,2-13-6598</inkml:trace>
+</inkml:ink>
+</file>
+
+<file path=ppt/ink/ink18.xml><?xml version="1.0" encoding="utf-8"?>
+<inkml:ink xmlns:inkml="http://www.w3.org/2003/InkML">
+  <inkml:definitions>
+    <inkml:context xml:id="ctx0">
+      <inkml:inkSource xml:id="inkSrc0">
+        <inkml:traceFormat>
+          <inkml:channel name="X" type="integer" min="-2.14748E9" max="2.14748E9" units="cm"/>
+          <inkml:channel name="Y" type="integer" min="-2.14748E9" max="2.14748E9" units="cm"/>
+          <inkml:channel name="F" type="integer" max="32767" units="dev"/>
+        </inkml:traceFormat>
+        <inkml:channelProperties>
+          <inkml:channelProperty channel="X" name="resolution" value="1000" units="1/cm"/>
+          <inkml:channelProperty channel="Y" name="resolution" value="1000" units="1/cm"/>
+          <inkml:channelProperty channel="F" name="resolution" value="0" units="1/dev"/>
+        </inkml:channelProperties>
+      </inkml:inkSource>
+      <inkml:timestamp xml:id="ts0" timeString="2025-09-01T01:54:54.335"/>
+    </inkml:context>
+    <inkml:brush xml:id="br0">
+      <inkml:brushProperty name="width" value="0.2" units="cm"/>
+      <inkml:brushProperty name="height" value="0.2" units="cm"/>
+      <inkml:brushProperty name="color" value="#E71224"/>
+    </inkml:brush>
+  </inkml:definitions>
+  <inkml:trace contextRef="#ctx0" brushRef="#br0">224 1665 24575,'-3'-20'0,"-1"0"0,-1 0 0,0 0 0,-2 0 0,0 1 0,-2 0 0,-15-27 0,16 32 0,-1-1 0,0 2 0,-1-1 0,-14-15 0,22 27 0,0 0 0,0 0 0,-1 0 0,1 0 0,-1 0 0,1 1 0,-1-1 0,1 1 0,-1-1 0,0 1 0,0 0 0,0 0 0,-5-1 0,6 2 0,1 1 0,-1-1 0,0 0 0,1 1 0,-1-1 0,0 1 0,1-1 0,-1 1 0,1 0 0,-1-1 0,1 1 0,-1 0 0,1 0 0,-1 0 0,1 1 0,0-1 0,0 0 0,0 0 0,0 1 0,0-1 0,0 1 0,0-1 0,0 0 0,0 1 0,0 0 0,0 2 0,-4 7 0,1 1 0,1-1 0,0 1 0,0 0 0,1 0 0,0 23 0,4 80 0,0-60 0,-2-5 0,-1-32 0,0-1 0,2 0 0,0 0 0,0 1 0,2-1 0,7 27 0,-9-42 0,-1 0 0,1 0 0,0 0 0,0 1 0,0-1 0,0 0 0,0 0 0,0-1 0,1 1 0,-1 0 0,0 0 0,1-1 0,0 1 0,-1 0 0,1-1 0,0 0 0,0 1 0,0-1 0,0 0 0,0 0 0,0 0 0,0 0 0,0 0 0,0-1 0,0 1 0,1-1 0,-1 1 0,0-1 0,0 0 0,1 0 0,-1 0 0,3 0 0,0-2 0,-1 1 0,0-1 0,1 0 0,-1 0 0,0 0 0,0 0 0,0-1 0,-1 0 0,1 0 0,0 0 0,-1 0 0,0 0 0,0-1 0,0 1 0,2-5 0,8-12 0,-1-1 0,-2-1 0,15-40 0,3-8 0,39-86 0,-8-3 0,-6-2 0,-7-3 0,-8-1 0,-7-2 0,-7-1 0,4-310 0,-30 421 0,-5 232 0,10-60 0,5 0 0,5-1 0,31 124 0,108 332 0,-135-511 0,-11-37 0,0 2 0,1 0 0,1-1 0,1 0 0,1 0 0,18 28 0,-25-46 0,0 0 0,1 0 0,0-1 0,0 0 0,0 1 0,1-2 0,-1 1 0,1 0 0,0-1 0,0 0 0,0 0 0,0 0 0,1-1 0,-1 0 0,1 0 0,-1 0 0,1-1 0,0 0 0,0 0 0,0 0 0,0-1 0,-1 0 0,1 0 0,0 0 0,0-1 0,0 1 0,10-4 0,243-65-1365,-179 45-5461</inkml:trace>
+</inkml:ink>
+</file>
+
+<file path=ppt/ink/ink19.xml><?xml version="1.0" encoding="utf-8"?>
+<inkml:ink xmlns:inkml="http://www.w3.org/2003/InkML">
+  <inkml:definitions>
+    <inkml:context xml:id="ctx0">
+      <inkml:inkSource xml:id="inkSrc0">
+        <inkml:traceFormat>
+          <inkml:channel name="X" type="integer" min="-2.14748E9" max="2.14748E9" units="cm"/>
+          <inkml:channel name="Y" type="integer" min="-2.14748E9" max="2.14748E9" units="cm"/>
+          <inkml:channel name="F" type="integer" max="32767" units="dev"/>
+        </inkml:traceFormat>
+        <inkml:channelProperties>
+          <inkml:channelProperty channel="X" name="resolution" value="1000" units="1/cm"/>
+          <inkml:channelProperty channel="Y" name="resolution" value="1000" units="1/cm"/>
+          <inkml:channelProperty channel="F" name="resolution" value="0" units="1/dev"/>
+        </inkml:channelProperties>
+      </inkml:inkSource>
+      <inkml:timestamp xml:id="ts0" timeString="2025-09-01T02:25:54.741"/>
+    </inkml:context>
+    <inkml:brush xml:id="br0">
+      <inkml:brushProperty name="width" value="0.05" units="cm"/>
+      <inkml:brushProperty name="height" value="0.05" units="cm"/>
+      <inkml:brushProperty name="color" value="#E71224"/>
+    </inkml:brush>
+  </inkml:definitions>
+  <inkml:trace contextRef="#ctx0" brushRef="#br0">1 0 24575,'0'0'-8191</inkml:trace>
+</inkml:ink>
+</file>
+
+<file path=ppt/ink/ink2.xml><?xml version="1.0" encoding="utf-8"?>
+<inkml:ink xmlns:inkml="http://www.w3.org/2003/InkML">
+  <inkml:definitions>
+    <inkml:context xml:id="ctx0">
+      <inkml:inkSource xml:id="inkSrc0">
+        <inkml:traceFormat>
+          <inkml:channel name="X" type="integer" min="-2.14748E9" max="2.14748E9" units="cm"/>
+          <inkml:channel name="Y" type="integer" min="-2.14748E9" max="2.14748E9" units="cm"/>
+          <inkml:channel name="F" type="integer" max="32767" units="dev"/>
+        </inkml:traceFormat>
+        <inkml:channelProperties>
+          <inkml:channelProperty channel="X" name="resolution" value="1000" units="1/cm"/>
+          <inkml:channelProperty channel="Y" name="resolution" value="1000" units="1/cm"/>
+          <inkml:channelProperty channel="F" name="resolution" value="0" units="1/dev"/>
+        </inkml:channelProperties>
+      </inkml:inkSource>
+      <inkml:timestamp xml:id="ts0" timeString="2025-09-01T01:56:09.604"/>
+    </inkml:context>
+    <inkml:brush xml:id="br0">
+      <inkml:brushProperty name="width" value="0.2" units="cm"/>
+      <inkml:brushProperty name="height" value="0.2" units="cm"/>
+      <inkml:brushProperty name="color" value="#E71224"/>
+    </inkml:brush>
+  </inkml:definitions>
+  <inkml:trace contextRef="#ctx0" brushRef="#br0">0 1 24575,'0'7'0</inkml:trace>
+</inkml:ink>
+</file>
+
+<file path=ppt/ink/ink20.xml><?xml version="1.0" encoding="utf-8"?>
+<inkml:ink xmlns:inkml="http://www.w3.org/2003/InkML">
+  <inkml:definitions>
+    <inkml:context xml:id="ctx0">
+      <inkml:inkSource xml:id="inkSrc0">
+        <inkml:traceFormat>
+          <inkml:channel name="X" type="integer" min="-2.14748E9" max="2.14748E9" units="cm"/>
+          <inkml:channel name="Y" type="integer" min="-2.14748E9" max="2.14748E9" units="cm"/>
+          <inkml:channel name="F" type="integer" max="32767" units="dev"/>
+        </inkml:traceFormat>
+        <inkml:channelProperties>
+          <inkml:channelProperty channel="X" name="resolution" value="1000" units="1/cm"/>
+          <inkml:channelProperty channel="Y" name="resolution" value="1000" units="1/cm"/>
+          <inkml:channelProperty channel="F" name="resolution" value="0" units="1/dev"/>
+        </inkml:channelProperties>
+      </inkml:inkSource>
+      <inkml:timestamp xml:id="ts0" timeString="2025-09-01T02:26:11.325"/>
+    </inkml:context>
+    <inkml:brush xml:id="br0">
+      <inkml:brushProperty name="width" value="0.05" units="cm"/>
+      <inkml:brushProperty name="height" value="0.05" units="cm"/>
+      <inkml:brushProperty name="color" value="#E71224"/>
+    </inkml:brush>
+  </inkml:definitions>
+  <inkml:trace contextRef="#ctx0" brushRef="#br0">220 197 24575,'0'-5'0,"-1"1"0,0 0 0,0 0 0,-1 0 0,1 0 0,-1 0 0,0 1 0,0-1 0,0 0 0,0 1 0,-1-1 0,1 1 0,-1 0 0,0 0 0,0 0 0,0 0 0,0 0 0,-6-3 0,4 2 0,-1 1 0,1-1 0,-1 1 0,0 0 0,0 0 0,0 1 0,0-1 0,-1 1 0,1 1 0,-12-2 0,14 3 0,0 0 0,0 1 0,-1 0 0,1 0 0,0 0 0,0 1 0,0 0 0,0-1 0,1 1 0,-1 0 0,0 1 0,1-1 0,-1 1 0,1-1 0,0 1 0,0 0 0,0 0 0,0 1 0,1-1 0,-1 1 0,1-1 0,0 1 0,0 0 0,0-1 0,0 1 0,1 0 0,-2 8 0,1-7 0,0 0 0,1 0 0,0 1 0,0-1 0,0 1 0,1-1 0,-1 1 0,1-1 0,1 1 0,-1-1 0,1 1 0,0-1 0,0 0 0,0 1 0,1-1 0,0 0 0,0 0 0,0 0 0,1 0 0,-1 0 0,6 5 0,-7-8 0,0-1 0,0 1 0,0-1 0,1 0 0,-1 1 0,1-1 0,-1 0 0,1 0 0,-1 0 0,1 0 0,0 0 0,0 0 0,-1-1 0,1 1 0,0-1 0,0 1 0,0-1 0,0 0 0,-1 1 0,1-1 0,0 0 0,0 0 0,0 0 0,0-1 0,3 1 0,-2-2 0,0 0 0,0 1 0,0-1 0,-1 0 0,1 0 0,0 0 0,-1-1 0,1 1 0,-1-1 0,0 1 0,0-1 0,0 0 0,2-3 0,5-11 0,0-1 0,-1-1 0,10-33 0,-6-18 0,-11 58 0,0 1 0,1-1 0,0 1 0,1 0 0,0 0 0,8-16 0,-11 27 0,0-1 0,0 1 0,0 0 0,0 0 0,0-1 0,1 1 0,-1 0 0,0 0 0,0-1 0,0 1 0,1 0 0,-1 0 0,0-1 0,0 1 0,1 0 0,-1 0 0,0 0 0,1 0 0,-1 0 0,0-1 0,1 1 0,-1 0 0,0 0 0,1 0 0,-1 0 0,0 0 0,0 0 0,1 0 0,-1 0 0,0 0 0,1 0 0,-1 0 0,0 0 0,1 0 0,-1 1 0,0-1 0,1 0 0,-1 0 0,0 0 0,1 1 0,12 13 0,4 21 0,-11-20 0,1 9 0,2 0 0,0 0 0,2-1 0,1-1 0,0 0 0,24 30 0,-35-50-50,0 0-1,1 0 1,-1 0-1,0 0 0,1-1 1,0 1-1,-1 0 1,1-1-1,0 0 1,0 1-1,0-1 0,0 0 1,0 0-1,0 0 1,0 0-1,0 0 1,0-1-1,0 1 0,1 0 1,-1-1-1,0 0 1,0 0-1,1 1 1,-1-1-1,0 0 1,4-1-1,16-12-6775</inkml:trace>
+</inkml:ink>
+</file>
+
+<file path=ppt/ink/ink21.xml><?xml version="1.0" encoding="utf-8"?>
+<inkml:ink xmlns:inkml="http://www.w3.org/2003/InkML">
+  <inkml:definitions>
+    <inkml:context xml:id="ctx0">
+      <inkml:inkSource xml:id="inkSrc0">
+        <inkml:traceFormat>
+          <inkml:channel name="X" type="integer" min="-2.14748E9" max="2.14748E9" units="cm"/>
+          <inkml:channel name="Y" type="integer" min="-2.14748E9" max="2.14748E9" units="cm"/>
+          <inkml:channel name="F" type="integer" max="32767" units="dev"/>
+        </inkml:traceFormat>
+        <inkml:channelProperties>
+          <inkml:channelProperty channel="X" name="resolution" value="1000" units="1/cm"/>
+          <inkml:channelProperty channel="Y" name="resolution" value="1000" units="1/cm"/>
+          <inkml:channelProperty channel="F" name="resolution" value="0" units="1/dev"/>
+        </inkml:channelProperties>
+      </inkml:inkSource>
+      <inkml:timestamp xml:id="ts0" timeString="2025-09-01T02:26:12.113"/>
+    </inkml:context>
+    <inkml:brush xml:id="br0">
+      <inkml:brushProperty name="width" value="0.05" units="cm"/>
+      <inkml:brushProperty name="height" value="0.05" units="cm"/>
+      <inkml:brushProperty name="color" value="#E71224"/>
+    </inkml:brush>
+  </inkml:definitions>
+  <inkml:trace contextRef="#ctx0" brushRef="#br0">371 41 24575,'-5'0'0,"0"-1"0,1 0 0,-1 0 0,0 0 0,1-1 0,-1 0 0,-6-3 0,-20-8 0,12 9 0,1 0 0,-1 1 0,1 1 0,-1 1 0,-22 1 0,37 0 0,1 0 0,-1 0 0,0 1 0,0 0 0,1-1 0,-1 1 0,0 1 0,1-1 0,-1 0 0,1 1 0,0 0 0,-1 0 0,1 0 0,0 0 0,0 0 0,0 1 0,0-1 0,1 1 0,-1 0 0,1 0 0,-1 0 0,1 0 0,0 0 0,0 1 0,1-1 0,-1 0 0,1 1 0,-1 0 0,1-1 0,0 1 0,1 0 0,-2 7 0,2-4 0,-1 1 0,1-1 0,1 1 0,-1 0 0,1-1 0,1 1 0,-1-1 0,1 0 0,1 1 0,-1-1 0,1 0 0,0 0 0,1-1 0,0 1 0,0-1 0,0 1 0,6 5 0,1 0 0,1-1 0,1 0 0,-1-1 0,1 0 0,1-1 0,0 0 0,16 7 0,-18-10 0,0 1 0,-1 0 0,0 1 0,0 0 0,0 1 0,-1 0 0,-1 1 0,1 0 0,7 11 0,-14-17 0,0 1 0,0-1 0,-1 0 0,0 1 0,0-1 0,0 1 0,0 0 0,0-1 0,-1 1 0,0 0 0,0 0 0,-1 0 0,1 0 0,-1 0 0,0 0 0,0 0 0,-1 0 0,1 0 0,-1 0 0,0 0 0,-1 0 0,1 0 0,-1-1 0,0 1 0,0 0 0,0-1 0,-5 7 0,2-5 4,0-1 1,0 0-1,0 0 0,-1-1 0,0 0 0,0 0 1,0 0-1,0 0 0,-1-1 0,1 0 0,-1 0 1,0-1-1,0 0 0,0 0 0,0-1 0,0 0 1,-9 1-1,-18 0-190,-1-1 1,-45-4 0,40 1-700,-3 0-5941</inkml:trace>
+</inkml:ink>
+</file>
+
+<file path=ppt/ink/ink22.xml><?xml version="1.0" encoding="utf-8"?>
+<inkml:ink xmlns:inkml="http://www.w3.org/2003/InkML">
+  <inkml:definitions>
+    <inkml:context xml:id="ctx0">
+      <inkml:inkSource xml:id="inkSrc0">
+        <inkml:traceFormat>
+          <inkml:channel name="X" type="integer" min="-2.14748E9" max="2.14748E9" units="cm"/>
+          <inkml:channel name="Y" type="integer" min="-2.14748E9" max="2.14748E9" units="cm"/>
+          <inkml:channel name="F" type="integer" max="32767" units="dev"/>
+        </inkml:traceFormat>
+        <inkml:channelProperties>
+          <inkml:channelProperty channel="X" name="resolution" value="1000" units="1/cm"/>
+          <inkml:channelProperty channel="Y" name="resolution" value="1000" units="1/cm"/>
+          <inkml:channelProperty channel="F" name="resolution" value="0" units="1/dev"/>
+        </inkml:channelProperties>
+      </inkml:inkSource>
+      <inkml:timestamp xml:id="ts0" timeString="2025-09-01T02:26:01.081"/>
+    </inkml:context>
+    <inkml:brush xml:id="br0">
+      <inkml:brushProperty name="width" value="0.05" units="cm"/>
+      <inkml:brushProperty name="height" value="0.05" units="cm"/>
+      <inkml:brushProperty name="color" value="#E71224"/>
+    </inkml:brush>
+  </inkml:definitions>
+  <inkml:trace contextRef="#ctx0" brushRef="#br0">1 171 24575,'1135'0'0,"-1124"0"0,-1 0 0,0-1 0,0 0 0,0 0 0,0-1 0,17-5 0,-24 6 0,-1 0 0,0 0 0,0-1 0,0 1 0,0 0 0,0-1 0,0 1 0,0-1 0,0 0 0,-1 1 0,1-1 0,0 0 0,-1 0 0,0 0 0,1 0 0,-1-1 0,0 1 0,0 0 0,0 0 0,-1-1 0,1 1 0,0 0 0,-1-1 0,0 1 0,1-1 0,-1 1 0,0-1 0,0 1 0,0 0 0,-1-1 0,1 1 0,-1-1 0,0-3 0,-12-23 0,11 26 0,0 0 0,1 1 0,-1-1 0,1 0 0,0 0 0,0 0 0,0 1 0,0-1 0,0-1 0,1 1 0,-1 0 0,1 0 0,0 0 0,0 0 0,0-5 0,0 7 0,1 1 0,-1 0 0,0-1 0,1 1 0,-1 0 0,1-1 0,-1 1 0,1 0 0,-1 0 0,0-1 0,1 1 0,-1 0 0,1 0 0,-1 0 0,1-1 0,-1 1 0,1 0 0,-1 0 0,1 0 0,-1 0 0,1 0 0,-1 0 0,1 0 0,-1 0 0,1 0 0,-1 0 0,1 1 0,-1-1 0,1 0 0,-1 0 0,1 0 0,0 1 0,19 9 0,-17-8 0,69 42 0,84 69 0,-151-110 0,0 1 0,-1 0 0,1 0 0,-1 0 0,0 1 0,0 0 0,-1-1 0,1 1 0,-1 1 0,0-1 0,0 0 0,3 10 0,-5-11 0,-1 1 0,1-1 0,-1 0 0,0 1 0,0-1 0,-1 1 0,1-1 0,-1 0 0,0 1 0,0-1 0,0 0 0,-1 0 0,1 0 0,-1 0 0,0 0 0,0 0 0,-1 0 0,-2 3 0,-99 125 0,0 2 0,79-94 0,11-17 0,-1-1 0,-19 23 0,33-44 0,1 0 0,-1 0 0,0 1 0,0-1 0,-1 0 0,1 0 0,0 0 0,0 0 0,0 0 0,-1-1 0,1 1 0,0 0 0,-1-1 0,1 1 0,-1 0 0,1-1 0,-1 0 0,1 1 0,-1-1 0,1 0 0,-2 0 0,2 0 0,0-1 0,0 1 0,0-1 0,0 1 0,0-1 0,0 0 0,0 1 0,0-1 0,1 0 0,-1 0 0,0 0 0,0 0 0,1 0 0,-1 1 0,1-1 0,-1 0 0,1-1 0,-1 1 0,1 0 0,-1 0 0,1-1 0,-3-9 0,1 0 0,1 0 0,-1-1 0,2-11 0,1-341 128,3 118-1621,-4 207-5333</inkml:trace>
+</inkml:ink>
+</file>
+
+<file path=ppt/ink/ink23.xml><?xml version="1.0" encoding="utf-8"?>
+<inkml:ink xmlns:inkml="http://www.w3.org/2003/InkML">
+  <inkml:definitions>
+    <inkml:context xml:id="ctx0">
+      <inkml:inkSource xml:id="inkSrc0">
+        <inkml:traceFormat>
+          <inkml:channel name="X" type="integer" min="-2.14748E9" max="2.14748E9" units="cm"/>
+          <inkml:channel name="Y" type="integer" min="-2.14748E9" max="2.14748E9" units="cm"/>
+          <inkml:channel name="F" type="integer" max="32767" units="dev"/>
+        </inkml:traceFormat>
+        <inkml:channelProperties>
+          <inkml:channelProperty channel="X" name="resolution" value="1000" units="1/cm"/>
+          <inkml:channelProperty channel="Y" name="resolution" value="1000" units="1/cm"/>
+          <inkml:channelProperty channel="F" name="resolution" value="0" units="1/dev"/>
+        </inkml:channelProperties>
+      </inkml:inkSource>
+      <inkml:timestamp xml:id="ts0" timeString="2025-09-01T02:26:02.350"/>
+    </inkml:context>
+    <inkml:brush xml:id="br0">
+      <inkml:brushProperty name="width" value="0.05" units="cm"/>
+      <inkml:brushProperty name="height" value="0.05" units="cm"/>
+      <inkml:brushProperty name="color" value="#E71224"/>
+    </inkml:brush>
+  </inkml:definitions>
+  <inkml:trace contextRef="#ctx0" brushRef="#br0">1 214 24575,'0'713'0,"-1"-702"0,1 1 0,1 0 0,0-1 0,0 1 0,1-1 0,5 15 0,-6-23 0,1 0 0,-1 0 0,1 0 0,0 0 0,0 0 0,0 0 0,0-1 0,1 1 0,-1-1 0,1 1 0,-1-1 0,1 0 0,0 0 0,0 0 0,0 0 0,0-1 0,0 1 0,0-1 0,1 0 0,-1 0 0,0 0 0,1 0 0,-1-1 0,1 1 0,3-1 0,14 3 0,-1-2 0,0-1 0,1 0 0,-1-1 0,40-8 0,-51 6 0,0 1 0,0-2 0,0 1 0,0-1 0,-1 0 0,0-1 0,0 0 0,0 0 0,0-1 0,-1 0 0,0 0 0,0-1 0,-1 0 0,0 0 0,7-10 0,5-13 0,-1 0 0,-1-2 0,22-64 0,-17 30 0,12-73 0,-16 26-455,-5-1 0,-5-191 0,-8 255-6371</inkml:trace>
+</inkml:ink>
+</file>
+
+<file path=ppt/ink/ink24.xml><?xml version="1.0" encoding="utf-8"?>
+<inkml:ink xmlns:inkml="http://www.w3.org/2003/InkML">
+  <inkml:definitions>
+    <inkml:context xml:id="ctx0">
+      <inkml:inkSource xml:id="inkSrc0">
+        <inkml:traceFormat>
+          <inkml:channel name="X" type="integer" min="-2.14748E9" max="2.14748E9" units="cm"/>
+          <inkml:channel name="Y" type="integer" min="-2.14748E9" max="2.14748E9" units="cm"/>
+          <inkml:channel name="F" type="integer" max="32767" units="dev"/>
+        </inkml:traceFormat>
+        <inkml:channelProperties>
+          <inkml:channelProperty channel="X" name="resolution" value="1000" units="1/cm"/>
+          <inkml:channelProperty channel="Y" name="resolution" value="1000" units="1/cm"/>
+          <inkml:channelProperty channel="F" name="resolution" value="0" units="1/dev"/>
+        </inkml:channelProperties>
+      </inkml:inkSource>
+      <inkml:timestamp xml:id="ts0" timeString="2025-09-01T02:26:03.290"/>
+    </inkml:context>
+    <inkml:brush xml:id="br0">
+      <inkml:brushProperty name="width" value="0.05" units="cm"/>
+      <inkml:brushProperty name="height" value="0.05" units="cm"/>
+      <inkml:brushProperty name="color" value="#E71224"/>
+    </inkml:brush>
+  </inkml:definitions>
+  <inkml:trace contextRef="#ctx0" brushRef="#br0">137 70 24575,'0'-3'0,"0"0"0,0 0 0,-1 0 0,1 0 0,-1 0 0,0 0 0,0 0 0,0 0 0,0 0 0,0 1 0,0-1 0,-1 0 0,0 1 0,1-1 0,-1 1 0,0-1 0,0 1 0,0 0 0,-1 0 0,1 0 0,0 0 0,-1 0 0,1 1 0,-1-1 0,0 1 0,-4-3 0,5 4 0,-1-1 0,1 1 0,0-1 0,0 1 0,-1 0 0,1 0 0,0 0 0,0 0 0,-1 1 0,1-1 0,0 0 0,0 1 0,-1 0 0,1-1 0,0 1 0,0 0 0,0 0 0,0 0 0,0 0 0,0 1 0,0-1 0,1 0 0,-1 1 0,0 0 0,1-1 0,-1 1 0,1 0 0,0-1 0,-1 1 0,1 0 0,0 0 0,0 0 0,0 0 0,0 1 0,1-1 0,-2 2 0,-3 15 0,0-1 0,0 1 0,2 0 0,0 0 0,2 0 0,0 0 0,1 0 0,4 34 0,-2-40 0,0 0 0,0 0 0,2-1 0,-1 1 0,2-1 0,0 0 0,0 0 0,1-1 0,1 1 0,-1-1 0,2 0 0,0-1 0,15 16 0,15 3 0,-24-20 0,-1 1 0,-1 0 0,14 14 0,-24-22 0,0 0 0,0 1 0,0-1 0,0 1 0,-1-1 0,1 1 0,-1-1 0,1 1 0,-1 0 0,0 0 0,0 0 0,0 0 0,-1 0 0,1 0 0,-1 0 0,1 0 0,-1 0 0,0 0 0,0 0 0,0 0 0,-1 0 0,0 3 0,-1-3-59,1 0 0,-1 0-1,0 0 1,-1 0-1,1-1 1,-1 1 0,1-1-1,-1 1 1,0-1 0,1 0-1,-1 0 1,0 0 0,0 0-1,-1-1 1,1 1-1,0-1 1,-1 0 0,1 0-1,0 0 1,-1 0 0,1-1-1,-6 1 1,-23 4-6767</inkml:trace>
+</inkml:ink>
+</file>
+
+<file path=ppt/ink/ink25.xml><?xml version="1.0" encoding="utf-8"?>
+<inkml:ink xmlns:inkml="http://www.w3.org/2003/InkML">
+  <inkml:definitions>
+    <inkml:context xml:id="ctx0">
+      <inkml:inkSource xml:id="inkSrc0">
+        <inkml:traceFormat>
+          <inkml:channel name="X" type="integer" min="-2.14748E9" max="2.14748E9" units="cm"/>
+          <inkml:channel name="Y" type="integer" min="-2.14748E9" max="2.14748E9" units="cm"/>
+          <inkml:channel name="F" type="integer" max="32767" units="dev"/>
+        </inkml:traceFormat>
+        <inkml:channelProperties>
+          <inkml:channelProperty channel="X" name="resolution" value="1000" units="1/cm"/>
+          <inkml:channelProperty channel="Y" name="resolution" value="1000" units="1/cm"/>
+          <inkml:channelProperty channel="F" name="resolution" value="0" units="1/dev"/>
+        </inkml:channelProperties>
+      </inkml:inkSource>
+      <inkml:timestamp xml:id="ts0" timeString="2025-09-01T02:26:04.927"/>
+    </inkml:context>
+    <inkml:brush xml:id="br0">
+      <inkml:brushProperty name="width" value="0.05" units="cm"/>
+      <inkml:brushProperty name="height" value="0.05" units="cm"/>
+      <inkml:brushProperty name="color" value="#E71224"/>
+    </inkml:brush>
+  </inkml:definitions>
+  <inkml:trace contextRef="#ctx0" brushRef="#br0">1 248 24575,'37'1'0,"-12"0"0,-1 0 0,1-2 0,0-1 0,41-8 0,-62 9 0,0 0 0,1 0 0,-1-1 0,0 1 0,0-1 0,0 0 0,0 0 0,0 0 0,-1-1 0,1 1 0,-1-1 0,1 0 0,-1 0 0,0 0 0,0 0 0,0-1 0,-1 1 0,1-1 0,-1 0 0,0 1 0,0-1 0,0 0 0,0 0 0,-1-1 0,0 1 0,0 0 0,0 0 0,0-1 0,0 1 0,-1-1 0,0 1 0,-1-8 0,0 6 0,0-1 0,0 1 0,-1 0 0,0 0 0,0 1 0,-1-1 0,1 0 0,-1 1 0,0 0 0,-1-1 0,1 1 0,-1 0 0,0 1 0,-1-1 0,1 1 0,-1 0 0,0 0 0,0 0 0,0 1 0,0-1 0,0 1 0,-1 1 0,0-1 0,1 1 0,-10-3 0,11 4 0,0 0 0,-1 0 0,1 0 0,0 0 0,0 1 0,-1-1 0,1 1 0,0 0 0,-1 1 0,1-1 0,0 1 0,-1 0 0,1 0 0,0 0 0,0 0 0,0 1 0,0-1 0,0 1 0,0 0 0,0 1 0,1-1 0,-1 1 0,1-1 0,0 1 0,0 0 0,0 0 0,0 1 0,0-1 0,0 1 0,1-1 0,0 1 0,0 0 0,0 0 0,0-1 0,0 2 0,1-1 0,-1 4 0,-3 13 0,1 0 0,1 0 0,1 0 0,1 0 0,0 1 0,2-1 0,1 0 0,5 29 0,-1-21 0,1 0 0,2 0 0,1 0 0,1-1 0,19 36 0,-24-53 17,1-1 0,0 0 1,0 0-1,1-1 0,0 1 0,15 12 0,-19-19-104,0 1-1,1-1 1,0 0 0,-1 0-1,1-1 1,0 0 0,0 1-1,1-2 1,-1 1-1,0-1 1,1 1 0,-1-1-1,1-1 1,-1 1 0,1-1-1,9-1 1,13-4-6739</inkml:trace>
+</inkml:ink>
+</file>
+
+<file path=ppt/ink/ink26.xml><?xml version="1.0" encoding="utf-8"?>
+<inkml:ink xmlns:inkml="http://www.w3.org/2003/InkML">
+  <inkml:definitions>
+    <inkml:context xml:id="ctx0">
+      <inkml:inkSource xml:id="inkSrc0">
+        <inkml:traceFormat>
+          <inkml:channel name="X" type="integer" min="-2.14748E9" max="2.14748E9" units="cm"/>
+          <inkml:channel name="Y" type="integer" min="-2.14748E9" max="2.14748E9" units="cm"/>
+          <inkml:channel name="F" type="integer" max="32767" units="dev"/>
+        </inkml:traceFormat>
+        <inkml:channelProperties>
+          <inkml:channelProperty channel="X" name="resolution" value="1000" units="1/cm"/>
+          <inkml:channelProperty channel="Y" name="resolution" value="1000" units="1/cm"/>
+          <inkml:channelProperty channel="F" name="resolution" value="0" units="1/dev"/>
+        </inkml:channelProperties>
+      </inkml:inkSource>
+      <inkml:timestamp xml:id="ts0" timeString="2025-09-01T02:26:05.824"/>
+    </inkml:context>
+    <inkml:brush xml:id="br0">
+      <inkml:brushProperty name="width" value="0.05" units="cm"/>
+      <inkml:brushProperty name="height" value="0.05" units="cm"/>
+      <inkml:brushProperty name="color" value="#E71224"/>
+    </inkml:brush>
+  </inkml:definitions>
+  <inkml:trace contextRef="#ctx0" brushRef="#br0">306 307 24575,'0'11'0,"1"1"0,-1 1 0,-1 0 0,0 0 0,-1-1 0,-5 23 0,6-32 0,-1 1 0,1-1 0,-1 0 0,0 0 0,0 0 0,0 0 0,0 0 0,-1 0 0,1-1 0,-1 1 0,1-1 0,-1 1 0,0-1 0,0 0 0,0 0 0,0 0 0,-1-1 0,1 1 0,0-1 0,-1 0 0,1 0 0,-1 0 0,1 0 0,-1 0 0,-4-1 0,1 1 0,-1 0 0,0-1 0,0 1 0,0-2 0,0 1 0,1-1 0,-1-1 0,0 1 0,1-1 0,-1-1 0,1 1 0,-1-1 0,1-1 0,0 1 0,0-1 0,1 0 0,-1-1 0,1 1 0,-9-10 0,8 7 0,1-1 0,-1 0 0,1-1 0,1 1 0,0-1 0,0 0 0,1-1 0,0 1 0,0-1 0,1 0 0,1 0 0,0 0 0,0 0 0,-1-15 0,3 13 0,-1 0 0,1 0 0,1 0 0,0 0 0,1 0 0,0 0 0,1 0 0,0 0 0,1 1 0,0 0 0,11-21 0,-10 25 0,0 0 0,0 0 0,1 0 0,0 1 0,0-1 0,1 2 0,-1-1 0,1 1 0,1 0 0,-1 0 0,1 1 0,0 0 0,0 0 0,0 1 0,0 0 0,1 1 0,9-3 0,5 0 0,0 1 0,0 1 0,0 1 0,0 1 0,0 1 0,0 1 0,34 6 0,-43-4 0,0 1 0,1 0 0,-1 1 0,-1 1 0,1 0 0,-1 0 0,0 2 0,-1 0 0,0 0 0,0 1 0,0 0 0,17 20 0,-21-21 0,-1 1 0,0 0 0,-1 0 0,0 1 0,0-1 0,-1 1 0,0 1 0,-1-1 0,4 14 0,-3-4 0,-2-1 0,-1 1 0,0 0 0,-1 28 0,-1-29-119,0-11 36,1 0 0,-1 0 0,0 0 0,-1 0 0,1 0 0,-2 0 0,1 0-1,-1 0 1,0-1 0,-1 1 0,0-1 0,0 1 0,0-1 0,-7 10 0,-10 1-6743</inkml:trace>
+</inkml:ink>
+</file>
+
+<file path=ppt/ink/ink27.xml><?xml version="1.0" encoding="utf-8"?>
+<inkml:ink xmlns:inkml="http://www.w3.org/2003/InkML">
+  <inkml:definitions>
+    <inkml:context xml:id="ctx0">
+      <inkml:inkSource xml:id="inkSrc0">
+        <inkml:traceFormat>
+          <inkml:channel name="X" type="integer" min="-2.14748E9" max="2.14748E9" units="cm"/>
+          <inkml:channel name="Y" type="integer" min="-2.14748E9" max="2.14748E9" units="cm"/>
+          <inkml:channel name="F" type="integer" max="32767" units="dev"/>
+        </inkml:traceFormat>
+        <inkml:channelProperties>
+          <inkml:channelProperty channel="X" name="resolution" value="1000" units="1/cm"/>
+          <inkml:channelProperty channel="Y" name="resolution" value="1000" units="1/cm"/>
+          <inkml:channelProperty channel="F" name="resolution" value="0" units="1/dev"/>
+        </inkml:channelProperties>
+      </inkml:inkSource>
+      <inkml:timestamp xml:id="ts0" timeString="2025-09-01T02:26:06.841"/>
+    </inkml:context>
+    <inkml:brush xml:id="br0">
+      <inkml:brushProperty name="width" value="0.05" units="cm"/>
+      <inkml:brushProperty name="height" value="0.05" units="cm"/>
+      <inkml:brushProperty name="color" value="#E71224"/>
+    </inkml:brush>
+  </inkml:definitions>
+  <inkml:trace contextRef="#ctx0" brushRef="#br0">1 0 24575,'1'0'0,"0"0"0,0 0 0,0 1 0,0-1 0,0 0 0,0 1 0,0-1 0,0 0 0,0 1 0,0 0 0,0-1 0,0 1 0,0-1 0,0 1 0,0 0 0,0 0 0,-1-1 0,1 1 0,0 0 0,-1 0 0,1 0 0,0 0 0,-1 0 0,1 0 0,0 1 0,8 32 0,-7-25 0,101 578 0,-43 5 0,-54-473 0,-5-70 0,2 0 0,12 61 0,-6-86 0,-8-24 0,-1 0 0,0 1 0,0-1 0,0 0 0,1 0 0,-1 0 0,0 0 0,0 0 0,1 0 0,-1 0 0,0 0 0,0 0 0,1 0 0,-1 0 0,0 0 0,0 0 0,1 0 0,-1 0 0,0 0 0,0 0 0,1 0 0,-1 0 0,0-1 0,0 1 0,1 0 0,-1 0 0,0 0 0,0 0 0,0 0 0,0-1 0,1 1 0,-1 0 0,0 0 0,0 0 0,0-1 0,0 1 0,1 0 0,-1 0 0,0-1 0,0 1 0,0 0 0,0 0 0,0-1 0,11-42 0,-8-142 0,-1 11 0,-2 170 0,0 0 0,1 0 0,-1 1 0,1-1 0,0 0 0,0 0 0,1 1 0,-1-1 0,1 1 0,0-1 0,-1 1 0,2 0 0,-1 0 0,0-1 0,1 1 0,-1 1 0,1-1 0,0 0 0,0 1 0,0 0 0,0-1 0,0 1 0,1 0 0,-1 1 0,1-1 0,-1 0 0,1 1 0,-1 0 0,1 0 0,0 0 0,5 0 0,-1 0 0,1 1 0,-1 0 0,1 0 0,-1 1 0,0 0 0,1 0 0,-1 1 0,0 0 0,0 0 0,0 1 0,0 0 0,0 1 0,10 6 0,-8-4 0,0 1 0,0 0 0,0 1 0,-1 0 0,0 0 0,-1 1 0,0 0 0,0 0 0,-1 1 0,0 0 0,-1 0 0,0 1 0,-1 0 0,0 0 0,0 0 0,-1 1 0,-1-1 0,0 1 0,0 0 0,-2 0 0,1 0 0,-1 0 0,-1 0 0,-1 18 0,0-26 4,0 1 1,0-1-1,-1 1 0,1-1 0,-1 0 0,0 0 0,0 0 0,0 1 0,-1-2 1,0 1-1,1 0 0,-1-1 0,0 1 0,-1-1 0,1 0 0,-1 0 0,1 0 1,-1 0-1,0-1 0,0 1 0,0-1 0,0 0 0,0 0 0,-1-1 0,1 1 1,-1-1-1,1 0 0,-10 1 0,0 0-190,-1 0 1,0-1-1,0-1 0,0 0 1,0-1-1,0 0 1,-26-7-1,8-3-6640</inkml:trace>
+</inkml:ink>
+</file>
+
+<file path=ppt/ink/ink28.xml><?xml version="1.0" encoding="utf-8"?>
+<inkml:ink xmlns:inkml="http://www.w3.org/2003/InkML">
+  <inkml:definitions>
+    <inkml:context xml:id="ctx0">
+      <inkml:inkSource xml:id="inkSrc0">
+        <inkml:traceFormat>
+          <inkml:channel name="X" type="integer" min="-2.14748E9" max="2.14748E9" units="cm"/>
+          <inkml:channel name="Y" type="integer" min="-2.14748E9" max="2.14748E9" units="cm"/>
+          <inkml:channel name="F" type="integer" max="32767" units="dev"/>
+        </inkml:traceFormat>
+        <inkml:channelProperties>
+          <inkml:channelProperty channel="X" name="resolution" value="1000" units="1/cm"/>
+          <inkml:channelProperty channel="Y" name="resolution" value="1000" units="1/cm"/>
+          <inkml:channelProperty channel="F" name="resolution" value="0" units="1/dev"/>
+        </inkml:channelProperties>
+      </inkml:inkSource>
+      <inkml:timestamp xml:id="ts0" timeString="2025-09-01T02:26:07.443"/>
+    </inkml:context>
+    <inkml:brush xml:id="br0">
+      <inkml:brushProperty name="width" value="0.05" units="cm"/>
+      <inkml:brushProperty name="height" value="0.05" units="cm"/>
+      <inkml:brushProperty name="color" value="#E71224"/>
+    </inkml:brush>
+  </inkml:definitions>
+  <inkml:trace contextRef="#ctx0" brushRef="#br0">560 0 24575,'20'254'0,"-1"-54"0,-15 556 0,-15-600 0,8-134 0,-2 0 0,0-1 0,-1 1 0,-15 36 0,19-54 0,1 0 0,-1 0 0,0 0 0,0-1 0,-1 1 0,1-1 0,-1 1 0,1-1 0,-1 0 0,0 0 0,0 0 0,0-1 0,-1 1 0,1-1 0,-1 1 0,1-1 0,-1 0 0,0-1 0,0 1 0,0-1 0,0 1 0,0-1 0,0 0 0,0-1 0,0 1 0,0-1 0,-1 0 0,1 0 0,0 0 0,0 0 0,0-1 0,0 0 0,-1 1 0,1-2 0,0 1 0,0 0 0,-4-3 0,-7-3 0,1-1 0,-1 0 0,2-1 0,-1 0 0,1-1 0,1-1 0,0 0 0,-15-18 0,-40-48-682,-106-162-1,131 165-6143</inkml:trace>
+</inkml:ink>
+</file>
+
+<file path=ppt/ink/ink29.xml><?xml version="1.0" encoding="utf-8"?>
+<inkml:ink xmlns:inkml="http://www.w3.org/2003/InkML">
+  <inkml:definitions>
+    <inkml:context xml:id="ctx0">
+      <inkml:inkSource xml:id="inkSrc0">
+        <inkml:traceFormat>
+          <inkml:channel name="X" type="integer" min="-2.14748E9" max="2.14748E9" units="cm"/>
+          <inkml:channel name="Y" type="integer" min="-2.14748E9" max="2.14748E9" units="cm"/>
+          <inkml:channel name="F" type="integer" max="32767" units="dev"/>
+        </inkml:traceFormat>
+        <inkml:channelProperties>
+          <inkml:channelProperty channel="X" name="resolution" value="1000" units="1/cm"/>
+          <inkml:channelProperty channel="Y" name="resolution" value="1000" units="1/cm"/>
+          <inkml:channelProperty channel="F" name="resolution" value="0" units="1/dev"/>
+        </inkml:channelProperties>
+      </inkml:inkSource>
+      <inkml:timestamp xml:id="ts0" timeString="2025-09-01T02:26:07.935"/>
+    </inkml:context>
+    <inkml:brush xml:id="br0">
+      <inkml:brushProperty name="width" value="0.05" units="cm"/>
+      <inkml:brushProperty name="height" value="0.05" units="cm"/>
+      <inkml:brushProperty name="color" value="#E71224"/>
+    </inkml:brush>
+  </inkml:definitions>
+  <inkml:trace contextRef="#ctx0" brushRef="#br0">1 0 24575,'7'0'0,"10"14"0,2 5-8191</inkml:trace>
+</inkml:ink>
+</file>
+
+<file path=ppt/ink/ink3.xml><?xml version="1.0" encoding="utf-8"?>
+<inkml:ink xmlns:inkml="http://www.w3.org/2003/InkML">
+  <inkml:definitions>
+    <inkml:context xml:id="ctx0">
+      <inkml:inkSource xml:id="inkSrc0">
+        <inkml:traceFormat>
+          <inkml:channel name="X" type="integer" min="-2.14748E9" max="2.14748E9" units="cm"/>
+          <inkml:channel name="Y" type="integer" min="-2.14748E9" max="2.14748E9" units="cm"/>
+          <inkml:channel name="F" type="integer" max="32767" units="dev"/>
+        </inkml:traceFormat>
+        <inkml:channelProperties>
+          <inkml:channelProperty channel="X" name="resolution" value="1000" units="1/cm"/>
+          <inkml:channelProperty channel="Y" name="resolution" value="1000" units="1/cm"/>
+          <inkml:channelProperty channel="F" name="resolution" value="0" units="1/dev"/>
+        </inkml:channelProperties>
+      </inkml:inkSource>
+      <inkml:timestamp xml:id="ts0" timeString="2025-09-01T01:54:32.822"/>
+    </inkml:context>
+    <inkml:brush xml:id="br0">
+      <inkml:brushProperty name="width" value="0.2" units="cm"/>
+      <inkml:brushProperty name="height" value="0.2" units="cm"/>
+      <inkml:brushProperty name="color" value="#E71224"/>
+    </inkml:brush>
+  </inkml:definitions>
+  <inkml:trace contextRef="#ctx0" brushRef="#br0">965 0 24575,'1'38'0,"-3"0"0,-1 0 0,-2 0 0,-1 0 0,-2-1 0,-2 0 0,-2 0 0,-27 60 0,6-37 0,-3-2 0,-2-2 0,-73 84 0,-7 9 0,-14 9 0,130-156 0,-7 10 0,-1 1 0,2 0 0,0 1 0,1 0 0,0 0 0,-6 20 0,6-17 0,0 0 0,-1 0 0,0-1 0,-13 18 0,7-14 0,1 2 0,1 0 0,-13 32 0,16-32 0,-1 0 0,-1-1 0,-23 32 0,32-50 0,0 0 0,-1-1 0,1 1 0,-1 0 0,0-1 0,0 1 0,0-1 0,0 0 0,0 0 0,0 0 0,-1-1 0,-4 3 0,7-4 0,-1 0 0,0 0 0,1 0 0,-1 0 0,1 0 0,-1 0 0,1 0 0,-1 0 0,0-1 0,1 1 0,-1-1 0,1 1 0,0-1 0,-1 1 0,1-1 0,-1 0 0,1 0 0,0 0 0,-1 0 0,1 0 0,0 0 0,0 0 0,0 0 0,0 0 0,0 0 0,0-1 0,0 1 0,1 0 0,-1-1 0,0 1 0,1-1 0,-2-1 0,-6-19 0,0 0 0,2 0 0,0-1 0,-2-22 0,-15-52 0,12 75 0,11 21 0,0 1 0,0 0 0,0 0 0,0 0 0,-1-1 0,1 1 0,0 0 0,0 0 0,0 0 0,-1 0 0,1-1 0,0 1 0,0 0 0,-1 0 0,1 0 0,0 0 0,0 0 0,-1 0 0,1 0 0,0 0 0,0 0 0,-1 0 0,1 0 0,0 0 0,0 0 0,-1 0 0,1 0 0,0 0 0,0 0 0,-1 0 0,1 0 0,0 0 0,0 0 0,-1 0 0,1 0 0,0 0 0,0 0 0,-1 1 0,0 1 0,0 0 0,1 0 0,-1 0 0,0 0 0,1 0 0,-1 0 0,1 0 0,-1 0 0,1 0 0,0 0 0,0 0 0,0 0 0,0 1 0,0-1 0,2 3 0,-2 2 0,1-1 0,1 1 0,-1-1 0,1 1 0,0-1 0,0 0 0,1 0 0,0 0 0,0 0 0,0-1 0,1 1 0,0-1 0,0 0 0,10 9 0,-10-10 0,1-1 0,0 0 0,0 0 0,1 0 0,-1-1 0,1 0 0,-1 0 0,1 0 0,0-1 0,0 0 0,-1 0 0,1 0 0,0-1 0,0 1 0,0-1 0,0-1 0,6 0 0,20-5 27,0-2 1,-1 0-1,39-17 0,22-6-1501,-27 14-5352</inkml:trace>
+</inkml:ink>
+</file>
+
+<file path=ppt/ink/ink30.xml><?xml version="1.0" encoding="utf-8"?>
+<inkml:ink xmlns:inkml="http://www.w3.org/2003/InkML">
+  <inkml:definitions>
+    <inkml:context xml:id="ctx0">
+      <inkml:inkSource xml:id="inkSrc0">
+        <inkml:traceFormat>
+          <inkml:channel name="X" type="integer" min="-2.14748E9" max="2.14748E9" units="cm"/>
+          <inkml:channel name="Y" type="integer" min="-2.14748E9" max="2.14748E9" units="cm"/>
+          <inkml:channel name="F" type="integer" max="32767" units="dev"/>
+        </inkml:traceFormat>
+        <inkml:channelProperties>
+          <inkml:channelProperty channel="X" name="resolution" value="1000" units="1/cm"/>
+          <inkml:channelProperty channel="Y" name="resolution" value="1000" units="1/cm"/>
+          <inkml:channelProperty channel="F" name="resolution" value="0" units="1/dev"/>
+        </inkml:channelProperties>
+      </inkml:inkSource>
+      <inkml:timestamp xml:id="ts0" timeString="2025-09-01T02:26:08.643"/>
+    </inkml:context>
+    <inkml:brush xml:id="br0">
+      <inkml:brushProperty name="width" value="0.05" units="cm"/>
+      <inkml:brushProperty name="height" value="0.05" units="cm"/>
+      <inkml:brushProperty name="color" value="#E71224"/>
+    </inkml:brush>
+  </inkml:definitions>
+  <inkml:trace contextRef="#ctx0" brushRef="#br0">1 170 24575,'63'2'0,"54"-1"0,-107-2 0,0 0 0,0 0 0,0-1 0,0 0 0,0-1 0,-1 0 0,0-1 0,17-8 0,-24 11 0,1-1 0,0 1 0,-1-1 0,1 0 0,-1 0 0,0 0 0,1 0 0,-1-1 0,0 1 0,0 0 0,-1-1 0,1 0 0,0 1 0,-1-1 0,0 0 0,2-5 0,-2 6 0,-1-1 0,0 1 0,0 0 0,0 0 0,0-1 0,-1 1 0,1 0 0,0 0 0,-1-1 0,0 1 0,1 0 0,-1 0 0,0 0 0,0 0 0,-1 0 0,1 0 0,0 0 0,-2-1 0,-2-3 0,0 1 0,-1 0 0,0 0 0,0 1 0,0-1 0,0 1 0,0 1 0,-1-1 0,0 1 0,0 0 0,0 1 0,-13-3 0,15 3 0,1 1 0,-1 1 0,0-1 0,0 1 0,0 0 0,0 0 0,0 0 0,0 1 0,0-1 0,0 1 0,1 0 0,-1 1 0,-7 2 0,9-2 0,-1 0 0,1 1 0,0-1 0,0 1 0,0 0 0,0 0 0,0 0 0,1 0 0,-1 1 0,1-1 0,0 0 0,0 1 0,0 0 0,0-1 0,1 1 0,-3 8 0,-4 23 0,1 1 0,-3 38 0,1-4 0,7-59 0,1 0 0,0 1 0,0-1 0,1 0 0,3 23 0,-2-30 0,0 0 0,0 0 0,0 0 0,1 0 0,0-1 0,-1 1 0,2 0 0,-1-1 0,0 1 0,1-1 0,-1 0 0,1 1 0,0-1 0,0-1 0,0 1 0,0 0 0,1-1 0,-1 1 0,7 2 0,6 1-80,1 0 0,0-1-1,0 0 1,0-2 0,0 0-1,1-1 1,-1-1 0,1 0-1,-1-1 1,1-1 0,-1-1 0,1-1-1,-1 0 1,0-1 0,0-1-1,18-7 1,6-8-6746</inkml:trace>
+</inkml:ink>
+</file>
+
+<file path=ppt/ink/ink31.xml><?xml version="1.0" encoding="utf-8"?>
+<inkml:ink xmlns:inkml="http://www.w3.org/2003/InkML">
+  <inkml:definitions>
+    <inkml:context xml:id="ctx0">
+      <inkml:inkSource xml:id="inkSrc0">
+        <inkml:traceFormat>
+          <inkml:channel name="X" type="integer" min="-2.14748E9" max="2.14748E9" units="cm"/>
+          <inkml:channel name="Y" type="integer" min="-2.14748E9" max="2.14748E9" units="cm"/>
+          <inkml:channel name="F" type="integer" max="32767" units="dev"/>
+        </inkml:traceFormat>
+        <inkml:channelProperties>
+          <inkml:channelProperty channel="X" name="resolution" value="1000" units="1/cm"/>
+          <inkml:channelProperty channel="Y" name="resolution" value="1000" units="1/cm"/>
+          <inkml:channelProperty channel="F" name="resolution" value="0" units="1/dev"/>
+        </inkml:channelProperties>
+      </inkml:inkSource>
+      <inkml:timestamp xml:id="ts0" timeString="2025-09-01T02:26:09.201"/>
+    </inkml:context>
+    <inkml:brush xml:id="br0">
+      <inkml:brushProperty name="width" value="0.05" units="cm"/>
+      <inkml:brushProperty name="height" value="0.05" units="cm"/>
+      <inkml:brushProperty name="color" value="#E71224"/>
+    </inkml:brush>
+  </inkml:definitions>
+  <inkml:trace contextRef="#ctx0" brushRef="#br0">261 104 24575,'0'-5'0,"-1"0"0,0 0 0,0 1 0,0-1 0,-1 0 0,1 1 0,-1-1 0,0 1 0,0 0 0,-1-1 0,1 1 0,-1 0 0,0 0 0,0 1 0,0-1 0,-1 1 0,1 0 0,-1-1 0,0 1 0,-5-3 0,6 4 0,0 1 0,0-1 0,0 0 0,0 1 0,0 0 0,0-1 0,0 1 0,0 1 0,-1-1 0,1 0 0,0 1 0,0 0 0,-1-1 0,1 1 0,-1 0 0,1 1 0,0-1 0,0 1 0,-1-1 0,1 1 0,0 0 0,0 0 0,0 1 0,0-1 0,0 1 0,0-1 0,0 1 0,0 0 0,-4 4 0,-4 6 0,1-1 0,1 2 0,0 0 0,0 0 0,1 0 0,1 1 0,0 0 0,1 1 0,1-1 0,0 1 0,-2 16 0,1-3 0,2 1 0,1-1 0,1 1 0,1-1 0,4 36 0,-1-54 0,0 1 0,0-1 0,1 0 0,1 0 0,-1 0 0,2 0 0,-1 0 0,1-1 0,1 0 0,0 0 0,0 0 0,0-1 0,1 0 0,1 0 0,11 9 0,-14-12 0,1-1 0,-1 0 0,1 0 0,0 0 0,0-1 0,1 0 0,-1 0 0,1 0 0,-1-1 0,1 0 0,0 0 0,0-1 0,0 0 0,0 0 0,0-1 0,0 0 0,0 0 0,0 0 0,0-1 0,0 0 0,0-1 0,0 1 0,-1-1 0,11-4 0,-12 2-72,1 0 1,0 0-1,-1 0 0,0 0 0,0-1 0,-1 0 0,1 0 0,-1 0 1,0-1-1,0 1 0,0-1 0,-1 0 0,0 0 0,0 0 0,-1 0 1,0-1-1,0 1 0,2-12 0,5-28-6754</inkml:trace>
+</inkml:ink>
+</file>
+
+<file path=ppt/ink/ink32.xml><?xml version="1.0" encoding="utf-8"?>
+<inkml:ink xmlns:inkml="http://www.w3.org/2003/InkML">
+  <inkml:definitions>
+    <inkml:context xml:id="ctx0">
+      <inkml:inkSource xml:id="inkSrc0">
+        <inkml:traceFormat>
+          <inkml:channel name="X" type="integer" min="-2.14748E9" max="2.14748E9" units="cm"/>
+          <inkml:channel name="Y" type="integer" min="-2.14748E9" max="2.14748E9" units="cm"/>
+          <inkml:channel name="F" type="integer" max="32767" units="dev"/>
+        </inkml:traceFormat>
+        <inkml:channelProperties>
+          <inkml:channelProperty channel="X" name="resolution" value="1000" units="1/cm"/>
+          <inkml:channelProperty channel="Y" name="resolution" value="1000" units="1/cm"/>
+          <inkml:channelProperty channel="F" name="resolution" value="0" units="1/dev"/>
+        </inkml:channelProperties>
+      </inkml:inkSource>
+      <inkml:timestamp xml:id="ts0" timeString="2025-09-01T02:26:09.697"/>
+    </inkml:context>
+    <inkml:brush xml:id="br0">
+      <inkml:brushProperty name="width" value="0.05" units="cm"/>
+      <inkml:brushProperty name="height" value="0.05" units="cm"/>
+      <inkml:brushProperty name="color" value="#E71224"/>
+    </inkml:brush>
+  </inkml:definitions>
+  <inkml:trace contextRef="#ctx0" brushRef="#br0">1 0 24575,'0'7'0,"0"10"0,7 16 0,3 24 0,-1 31 0,6 23 0,-1 13 0,6 15 0,-1-1 0,2-4 0,-1-3 0,-4-15 0,-5-36 0,-5-38 0,-3-27-8191</inkml:trace>
+</inkml:ink>
+</file>
+
+<file path=ppt/ink/ink33.xml><?xml version="1.0" encoding="utf-8"?>
+<inkml:ink xmlns:inkml="http://www.w3.org/2003/InkML">
+  <inkml:definitions>
+    <inkml:context xml:id="ctx0">
+      <inkml:inkSource xml:id="inkSrc0">
+        <inkml:traceFormat>
+          <inkml:channel name="X" type="integer" min="-2.14748E9" max="2.14748E9" units="cm"/>
+          <inkml:channel name="Y" type="integer" min="-2.14748E9" max="2.14748E9" units="cm"/>
+          <inkml:channel name="F" type="integer" max="32767" units="dev"/>
+        </inkml:traceFormat>
+        <inkml:channelProperties>
+          <inkml:channelProperty channel="X" name="resolution" value="1000" units="1/cm"/>
+          <inkml:channelProperty channel="Y" name="resolution" value="1000" units="1/cm"/>
+          <inkml:channelProperty channel="F" name="resolution" value="0" units="1/dev"/>
+        </inkml:channelProperties>
+      </inkml:inkSource>
+      <inkml:timestamp xml:id="ts0" timeString="2025-09-01T02:26:10.174"/>
+    </inkml:context>
+    <inkml:brush xml:id="br0">
+      <inkml:brushProperty name="width" value="0.05" units="cm"/>
+      <inkml:brushProperty name="height" value="0.05" units="cm"/>
+      <inkml:brushProperty name="color" value="#E71224"/>
+    </inkml:brush>
+  </inkml:definitions>
+  <inkml:trace contextRef="#ctx0" brushRef="#br0">0 18 24575,'8'0'0,"9"0"0,9 0 0,7 0 0,20 0 0,15 0 0,4 0 0,17 0 0,9 0 0,-5 0 0,-12 0 0,-19-7 0,-20-3-8191</inkml:trace>
+</inkml:ink>
+</file>
+
+<file path=ppt/ink/ink34.xml><?xml version="1.0" encoding="utf-8"?>
+<inkml:ink xmlns:inkml="http://www.w3.org/2003/InkML">
+  <inkml:definitions>
+    <inkml:context xml:id="ctx0">
+      <inkml:inkSource xml:id="inkSrc0">
+        <inkml:traceFormat>
+          <inkml:channel name="X" type="integer" min="-2.14748E9" max="2.14748E9" units="cm"/>
+          <inkml:channel name="Y" type="integer" min="-2.14748E9" max="2.14748E9" units="cm"/>
+          <inkml:channel name="F" type="integer" max="32767" units="dev"/>
+        </inkml:traceFormat>
+        <inkml:channelProperties>
+          <inkml:channelProperty channel="X" name="resolution" value="1000" units="1/cm"/>
+          <inkml:channelProperty channel="Y" name="resolution" value="1000" units="1/cm"/>
+          <inkml:channelProperty channel="F" name="resolution" value="0" units="1/dev"/>
+        </inkml:channelProperties>
+      </inkml:inkSource>
+      <inkml:timestamp xml:id="ts0" timeString="2025-09-01T02:26:13.224"/>
+    </inkml:context>
+    <inkml:brush xml:id="br0">
+      <inkml:brushProperty name="width" value="0.05" units="cm"/>
+      <inkml:brushProperty name="height" value="0.05" units="cm"/>
+      <inkml:brushProperty name="color" value="#E71224"/>
+    </inkml:brush>
+  </inkml:definitions>
+  <inkml:trace contextRef="#ctx0" brushRef="#br0">160 1453 24575,'2'-171'0,"1"18"0,-33-298 0,6 309 0,-55-184 0,72 305 0,1 6 0,2 0 0,0 0 0,0 0 0,1 0 0,-1-25 0,4 37 0,0 0 0,0 0 0,1 0 0,-1 0 0,1 0 0,0 0 0,-1 1 0,1-1 0,0 0 0,1 0 0,-1 1 0,0-1 0,1 1 0,0-1 0,0 1 0,-1-1 0,1 1 0,0 0 0,1 0 0,-1 0 0,0 0 0,1 1 0,-1-1 0,1 0 0,-1 1 0,1 0 0,0 0 0,-1 0 0,1 0 0,0 0 0,0 0 0,0 1 0,0-1 0,0 1 0,3 0 0,39-3 0,0 2 0,63 7 0,-13 0 0,-80-6 15,1 1 0,-1 1 0,0 0 0,1 2 0,-1-1 0,-1 2 0,20 8 0,-25-9-129,-1 0 0,1 1-1,-1 1 1,0-1 0,-1 1 0,1 1-1,-1 0 1,0 0 0,-1 0 0,0 0-1,0 1 1,7 13 0,5 14-6712</inkml:trace>
+</inkml:ink>
+</file>
+
+<file path=ppt/ink/ink35.xml><?xml version="1.0" encoding="utf-8"?>
+<inkml:ink xmlns:inkml="http://www.w3.org/2003/InkML">
+  <inkml:definitions>
+    <inkml:context xml:id="ctx0">
+      <inkml:inkSource xml:id="inkSrc0">
+        <inkml:traceFormat>
+          <inkml:channel name="X" type="integer" min="-2.14748E9" max="2.14748E9" units="cm"/>
+          <inkml:channel name="Y" type="integer" min="-2.14748E9" max="2.14748E9" units="cm"/>
+          <inkml:channel name="F" type="integer" max="32767" units="dev"/>
+        </inkml:traceFormat>
+        <inkml:channelProperties>
+          <inkml:channelProperty channel="X" name="resolution" value="1000" units="1/cm"/>
+          <inkml:channelProperty channel="Y" name="resolution" value="1000" units="1/cm"/>
+          <inkml:channelProperty channel="F" name="resolution" value="0" units="1/dev"/>
+        </inkml:channelProperties>
+      </inkml:inkSource>
+      <inkml:timestamp xml:id="ts0" timeString="2025-09-01T02:26:14.108"/>
+    </inkml:context>
+    <inkml:brush xml:id="br0">
+      <inkml:brushProperty name="width" value="0.05" units="cm"/>
+      <inkml:brushProperty name="height" value="0.05" units="cm"/>
+      <inkml:brushProperty name="color" value="#E71224"/>
+    </inkml:brush>
+  </inkml:definitions>
+  <inkml:trace contextRef="#ctx0" brushRef="#br0">0 1 24575,'7'0'0,"10"0"0,9 0 0,14 0 0,16 0 0,4 0 0,7 0 0,7 0 0,4 0 0,-2 0 0,-9 0 0,-7 0 0,-7 0 0,-13 0-8191</inkml:trace>
+</inkml:ink>
+</file>
+
+<file path=ppt/ink/ink36.xml><?xml version="1.0" encoding="utf-8"?>
+<inkml:ink xmlns:inkml="http://www.w3.org/2003/InkML">
+  <inkml:definitions>
+    <inkml:context xml:id="ctx0">
+      <inkml:inkSource xml:id="inkSrc0">
+        <inkml:traceFormat>
+          <inkml:channel name="X" type="integer" min="-2.14748E9" max="2.14748E9" units="cm"/>
+          <inkml:channel name="Y" type="integer" min="-2.14748E9" max="2.14748E9" units="cm"/>
+          <inkml:channel name="F" type="integer" max="32767" units="dev"/>
+        </inkml:traceFormat>
+        <inkml:channelProperties>
+          <inkml:channelProperty channel="X" name="resolution" value="1000" units="1/cm"/>
+          <inkml:channelProperty channel="Y" name="resolution" value="1000" units="1/cm"/>
+          <inkml:channelProperty channel="F" name="resolution" value="0" units="1/dev"/>
+        </inkml:channelProperties>
+      </inkml:inkSource>
+      <inkml:timestamp xml:id="ts0" timeString="2025-09-01T02:26:14.969"/>
+    </inkml:context>
+    <inkml:brush xml:id="br0">
+      <inkml:brushProperty name="width" value="0.05" units="cm"/>
+      <inkml:brushProperty name="height" value="0.05" units="cm"/>
+      <inkml:brushProperty name="color" value="#E71224"/>
+    </inkml:brush>
+  </inkml:definitions>
+  <inkml:trace contextRef="#ctx0" brushRef="#br0">5 1 24575,'-1'75'0,"-1"-45"0,1 0 0,1 0 0,2 0 0,1 0 0,1-1 0,16 57 0,-8-53 0,2 0 0,30 51 0,-40-76 0,0-1 0,1 0 0,0 0 0,1 0 0,0 0 0,0-1 0,0 0 0,1 0 0,0-1 0,0 1 0,0-2 0,0 1 0,1-1 0,0 0 0,0 0 0,15 3 0,-20-6 0,0-1 0,1 1 0,-1-1 0,0 0 0,1 0 0,-1 0 0,0-1 0,1 1 0,-1-1 0,0 0 0,0 0 0,1 0 0,-1 0 0,0-1 0,0 1 0,0-1 0,0 0 0,-1 0 0,1 0 0,0 0 0,-1 0 0,0 0 0,1-1 0,-1 1 0,0-1 0,0 0 0,0 0 0,0 0 0,1-4 0,3-7 0,0 0 0,-1 0 0,-1 0 0,0-1 0,2-17 0,62-279-1365,-56 249-5461</inkml:trace>
+</inkml:ink>
+</file>
+
+<file path=ppt/ink/ink37.xml><?xml version="1.0" encoding="utf-8"?>
+<inkml:ink xmlns:inkml="http://www.w3.org/2003/InkML">
+  <inkml:definitions>
+    <inkml:context xml:id="ctx0">
+      <inkml:inkSource xml:id="inkSrc0">
+        <inkml:traceFormat>
+          <inkml:channel name="X" type="integer" min="-2.14748E9" max="2.14748E9" units="cm"/>
+          <inkml:channel name="Y" type="integer" min="-2.14748E9" max="2.14748E9" units="cm"/>
+          <inkml:channel name="F" type="integer" max="32767" units="dev"/>
+        </inkml:traceFormat>
+        <inkml:channelProperties>
+          <inkml:channelProperty channel="X" name="resolution" value="1000" units="1/cm"/>
+          <inkml:channelProperty channel="Y" name="resolution" value="1000" units="1/cm"/>
+          <inkml:channelProperty channel="F" name="resolution" value="0" units="1/dev"/>
+        </inkml:channelProperties>
+      </inkml:inkSource>
+      <inkml:timestamp xml:id="ts0" timeString="2025-09-01T02:26:15.770"/>
+    </inkml:context>
+    <inkml:brush xml:id="br0">
+      <inkml:brushProperty name="width" value="0.05" units="cm"/>
+      <inkml:brushProperty name="height" value="0.05" units="cm"/>
+      <inkml:brushProperty name="color" value="#E71224"/>
+    </inkml:brush>
+  </inkml:definitions>
+  <inkml:trace contextRef="#ctx0" brushRef="#br0">0 1 24575,'2'0'0,"-1"1"0,1-1 0,-1 1 0,1-1 0,-1 1 0,0 0 0,1 0 0,-1 0 0,0 0 0,1 0 0,-1 0 0,0 0 0,0 0 0,0 0 0,0 1 0,0-1 0,0 0 0,0 1 0,0-1 0,-1 0 0,1 1 0,-1-1 0,1 1 0,-1-1 0,1 1 0,-1 0 0,1 2 0,6 53 0,-6-48 0,4 256 0,-3-275 0,1 0 0,0 0 0,1 0 0,0 1 0,5-11 0,-6 14 0,0 1 0,-1 0 0,2 0 0,-1 0 0,0 0 0,1 0 0,0 1 0,0-1 0,1 1 0,-1 0 0,1 1 0,0-1 0,0 1 0,8-5 0,-8 7 0,0-1 0,0 1 0,0 0 0,0 0 0,0 1 0,0-1 0,0 1 0,0 0 0,0 1 0,1-1 0,-1 1 0,0 0 0,-1 0 0,1 1 0,0-1 0,0 1 0,8 4 0,-7-1 0,0-1 0,0 1 0,0 0 0,-1 0 0,0 1 0,0-1 0,0 1 0,-1 0 0,1 1 0,-2-1 0,4 8 0,1 2 0,-2 0 0,0 1 0,-1 0 0,-1 0 0,0 0 0,-1 0 0,-1 1 0,-1-1 0,-2 31 0,-7 54-1365,9-64-5461</inkml:trace>
+</inkml:ink>
+</file>
+
+<file path=ppt/ink/ink38.xml><?xml version="1.0" encoding="utf-8"?>
+<inkml:ink xmlns:inkml="http://www.w3.org/2003/InkML">
+  <inkml:definitions>
+    <inkml:context xml:id="ctx0">
+      <inkml:inkSource xml:id="inkSrc0">
+        <inkml:traceFormat>
+          <inkml:channel name="X" type="integer" min="-2.14748E9" max="2.14748E9" units="cm"/>
+          <inkml:channel name="Y" type="integer" min="-2.14748E9" max="2.14748E9" units="cm"/>
+          <inkml:channel name="F" type="integer" max="32767" units="dev"/>
+        </inkml:traceFormat>
+        <inkml:channelProperties>
+          <inkml:channelProperty channel="X" name="resolution" value="1000" units="1/cm"/>
+          <inkml:channelProperty channel="Y" name="resolution" value="1000" units="1/cm"/>
+          <inkml:channelProperty channel="F" name="resolution" value="0" units="1/dev"/>
+        </inkml:channelProperties>
+      </inkml:inkSource>
+      <inkml:timestamp xml:id="ts0" timeString="2025-09-01T02:26:16.451"/>
+    </inkml:context>
+    <inkml:brush xml:id="br0">
+      <inkml:brushProperty name="width" value="0.05" units="cm"/>
+      <inkml:brushProperty name="height" value="0.05" units="cm"/>
+      <inkml:brushProperty name="color" value="#E71224"/>
+    </inkml:brush>
+  </inkml:definitions>
+  <inkml:trace contextRef="#ctx0" brushRef="#br0">386 252 24575,'-1'-10'0,"0"-1"0,-1 0 0,0 0 0,-1 1 0,0-1 0,-1 1 0,0 0 0,-1 0 0,0 1 0,0-1 0,-1 1 0,0 0 0,-1 0 0,-15-15 0,14 16 0,0-1 0,-1 2 0,0-1 0,-1 1 0,1 0 0,-2 1 0,1 0 0,0 1 0,-1 0 0,0 1 0,0 0 0,-1 0 0,-16-2 0,24 5 0,-1 1 0,0 0 0,0 0 0,0 0 0,1 1 0,-1-1 0,0 1 0,0 0 0,1 1 0,-1-1 0,1 1 0,-1 0 0,1 0 0,0 0 0,0 1 0,0-1 0,-5 5 0,3-2 0,1 1 0,0-1 0,1 1 0,-1 0 0,1 1 0,0-1 0,0 1 0,1 0 0,0-1 0,-3 10 0,2 0 0,0 1 0,0-1 0,2 1 0,0 0 0,1 0 0,0 0 0,1 0 0,2 0 0,3 20 0,-4-28 0,1-1 0,1 0 0,0 0 0,0 0 0,0 0 0,1-1 0,1 1 0,-1-1 0,1 0 0,0 0 0,0-1 0,1 1 0,0-1 0,12 9 0,-8-8 0,1 0 0,-1-1 0,1-1 0,1 0 0,-1 0 0,1-1 0,-1 0 0,1-1 0,22 3 0,8-2-1365,-4-2-5461</inkml:trace>
+</inkml:ink>
+</file>
+
+<file path=ppt/ink/ink39.xml><?xml version="1.0" encoding="utf-8"?>
+<inkml:ink xmlns:inkml="http://www.w3.org/2003/InkML">
+  <inkml:definitions>
+    <inkml:context xml:id="ctx0">
+      <inkml:inkSource xml:id="inkSrc0">
+        <inkml:traceFormat>
+          <inkml:channel name="X" type="integer" min="-2.14748E9" max="2.14748E9" units="cm"/>
+          <inkml:channel name="Y" type="integer" min="-2.14748E9" max="2.14748E9" units="cm"/>
+          <inkml:channel name="F" type="integer" max="32767" units="dev"/>
+        </inkml:traceFormat>
+        <inkml:channelProperties>
+          <inkml:channelProperty channel="X" name="resolution" value="1000" units="1/cm"/>
+          <inkml:channelProperty channel="Y" name="resolution" value="1000" units="1/cm"/>
+          <inkml:channelProperty channel="F" name="resolution" value="0" units="1/dev"/>
+        </inkml:channelProperties>
+      </inkml:inkSource>
+      <inkml:timestamp xml:id="ts0" timeString="2025-09-01T02:26:17.394"/>
+    </inkml:context>
+    <inkml:brush xml:id="br0">
+      <inkml:brushProperty name="width" value="0.05" units="cm"/>
+      <inkml:brushProperty name="height" value="0.05" units="cm"/>
+      <inkml:brushProperty name="color" value="#E71224"/>
+    </inkml:brush>
+  </inkml:definitions>
+  <inkml:trace contextRef="#ctx0" brushRef="#br0">21 0 24575,'3'65'0,"14"82"0,2 21 0,-13 360 0,-7-372 0,1-132 0,-1 38 0,1-58 0,0 0 0,-1 0 0,1 0 0,-1 0 0,0-1 0,-1 1 0,1 0 0,-1-1 0,1 1 0,-1-1 0,0 1 0,-3 2 0,5-5-34,-1-1 0,0 1 0,0-1 0,0 1 0,0-1-1,0 0 1,0 0 0,1 0 0,-1 1 0,0-1 0,0 0 0,0 0 0,0 0-1,0 0 1,0-1 0,0 1 0,0 0 0,0 0 0,0 0 0,1-1-1,-1 1 1,0 0 0,0-1 0,0 1 0,0-1 0,1 1 0,-1-1 0,0 1-1,0-1 1,1 0 0,-1 1 0,1-1 0,-1 0 0,0 0 0,1 1 0,-1-1-1,1 0 1,0 0 0,-1-1 0,-14-20-6792</inkml:trace>
+</inkml:ink>
+</file>
+
+<file path=ppt/ink/ink4.xml><?xml version="1.0" encoding="utf-8"?>
+<inkml:ink xmlns:inkml="http://www.w3.org/2003/InkML">
+  <inkml:definitions>
+    <inkml:context xml:id="ctx0">
+      <inkml:inkSource xml:id="inkSrc0">
+        <inkml:traceFormat>
+          <inkml:channel name="X" type="integer" min="-2.14748E9" max="2.14748E9" units="cm"/>
+          <inkml:channel name="Y" type="integer" min="-2.14748E9" max="2.14748E9" units="cm"/>
+          <inkml:channel name="F" type="integer" max="32767" units="dev"/>
+        </inkml:traceFormat>
+        <inkml:channelProperties>
+          <inkml:channelProperty channel="X" name="resolution" value="1000" units="1/cm"/>
+          <inkml:channelProperty channel="Y" name="resolution" value="1000" units="1/cm"/>
+          <inkml:channelProperty channel="F" name="resolution" value="0" units="1/dev"/>
+        </inkml:channelProperties>
+      </inkml:inkSource>
+      <inkml:timestamp xml:id="ts0" timeString="2025-09-01T01:54:34.607"/>
+    </inkml:context>
+    <inkml:brush xml:id="br0">
+      <inkml:brushProperty name="width" value="0.2" units="cm"/>
+      <inkml:brushProperty name="height" value="0.2" units="cm"/>
+      <inkml:brushProperty name="color" value="#E71224"/>
+    </inkml:brush>
+  </inkml:definitions>
+  <inkml:trace contextRef="#ctx0" brushRef="#br0">1625 0 24575,'0'59'0,"-2"0"0,-12 71 0,-32 93 0,35-182 0,-2-1 0,-2-1 0,-27 53 0,24-59 0,1 1 0,2 0 0,1 1 0,2 1 0,1 0 0,2 1 0,-6 54 0,14-87 0,1 4 0,-1-1 0,0 1 0,0 0 0,-5 14 0,6-22 0,0 1 0,0-1 0,-1 1 0,1-1 0,0 1 0,-1 0 0,1-1 0,0 0 0,-1 1 0,1-1 0,0 1 0,-1-1 0,1 1 0,-1-1 0,1 0 0,-1 1 0,1-1 0,-1 0 0,1 1 0,-1-1 0,1 0 0,-1 0 0,0 0 0,1 1 0,-1-1 0,1 0 0,-2 0 0,0-1 0,1 1 0,-1-1 0,1 0 0,-1 0 0,1 1 0,-1-1 0,1 0 0,-1 0 0,1-1 0,0 1 0,0 0 0,-1 0 0,1-1 0,0 1 0,-1-2 0,-22-31 0,-31-59 0,13 19 0,30 56 0,6 9 0,0 0 0,0 0 0,1 0 0,0-1 0,1 0 0,0 0 0,0 0 0,-2-13 0,43 60 0,-4 5 0,52 89 0,-77-117 0,0 1 0,2-2 0,0 0 0,0 0 0,22 20 0,-28-29 0,0-1 0,0 1 0,1-1 0,-1 0 0,1 0 0,-1 0 0,1-1 0,0 0 0,0 1 0,0-2 0,1 1 0,-1-1 0,0 0 0,1 0 0,-1 0 0,1-1 0,-1 0 0,0 0 0,1 0 0,-1 0 0,7-3 0,28-10 0,-1-2 0,37-21 0,38-15 0,-63 35 0,37-15 0,-81 28 0,0 0 0,0-1 0,0 1 0,-1-2 0,1 1 0,-1-1 0,0 0 0,9-10 0,-14 14 0,-1 1 0,1-1 0,-1 1 0,1-1 0,-1 1 0,1-1 0,-1 0 0,0 1 0,1-1 0,-1 0 0,0 1 0,1-1 0,-1 0 0,0 1 0,0-1 0,0 0 0,0 1 0,0-1 0,0 0 0,0 0 0,0 1 0,0-1 0,0 0 0,0 0 0,0 1 0,0-1 0,0 0 0,-1 1 0,1-1 0,0 0 0,-1 0 0,-1-1 0,1 1 0,-1 0 0,0 0 0,1-1 0,-1 1 0,0 1 0,0-1 0,1 0 0,-1 0 0,0 1 0,-4-2 0,-7 0 0,-1 0 0,1 1 0,-18 0 0,-561 49 0,419-30 0,168-17 0,-942 119-663,843-97-591,47-3-5020</inkml:trace>
+</inkml:ink>
+</file>
+
+<file path=ppt/ink/ink40.xml><?xml version="1.0" encoding="utf-8"?>
+<inkml:ink xmlns:inkml="http://www.w3.org/2003/InkML">
+  <inkml:definitions>
+    <inkml:context xml:id="ctx0">
+      <inkml:inkSource xml:id="inkSrc0">
+        <inkml:traceFormat>
+          <inkml:channel name="X" type="integer" min="-2.14748E9" max="2.14748E9" units="cm"/>
+          <inkml:channel name="Y" type="integer" min="-2.14748E9" max="2.14748E9" units="cm"/>
+          <inkml:channel name="F" type="integer" max="32767" units="dev"/>
+        </inkml:traceFormat>
+        <inkml:channelProperties>
+          <inkml:channelProperty channel="X" name="resolution" value="1000" units="1/cm"/>
+          <inkml:channelProperty channel="Y" name="resolution" value="1000" units="1/cm"/>
+          <inkml:channelProperty channel="F" name="resolution" value="0" units="1/dev"/>
+        </inkml:channelProperties>
+      </inkml:inkSource>
+      <inkml:timestamp xml:id="ts0" timeString="2025-09-01T02:26:18.019"/>
+    </inkml:context>
+    <inkml:brush xml:id="br0">
+      <inkml:brushProperty name="width" value="0.05" units="cm"/>
+      <inkml:brushProperty name="height" value="0.05" units="cm"/>
+      <inkml:brushProperty name="color" value="#E71224"/>
+    </inkml:brush>
+  </inkml:definitions>
+  <inkml:trace contextRef="#ctx0" brushRef="#br0">1 45 24575,'7'0'0,"10"0"0,9 0 0,14 0 0,8 0 0,18 0 0,4 0 0,4 0 0,-2-7 0,-7-3 0,-7 1 0,-6 1 0,-5 3 0,-3 2 0,-2 1 0,7 1 0,-6 1-8191</inkml:trace>
+</inkml:ink>
+</file>
+
+<file path=ppt/ink/ink41.xml><?xml version="1.0" encoding="utf-8"?>
+<inkml:ink xmlns:inkml="http://www.w3.org/2003/InkML">
+  <inkml:definitions>
+    <inkml:context xml:id="ctx0">
+      <inkml:inkSource xml:id="inkSrc0">
+        <inkml:traceFormat>
+          <inkml:channel name="X" type="integer" min="-2.14748E9" max="2.14748E9" units="cm"/>
+          <inkml:channel name="Y" type="integer" min="-2.14748E9" max="2.14748E9" units="cm"/>
+          <inkml:channel name="F" type="integer" max="32767" units="dev"/>
+        </inkml:traceFormat>
+        <inkml:channelProperties>
+          <inkml:channelProperty channel="X" name="resolution" value="1000" units="1/cm"/>
+          <inkml:channelProperty channel="Y" name="resolution" value="1000" units="1/cm"/>
+          <inkml:channelProperty channel="F" name="resolution" value="0" units="1/dev"/>
+        </inkml:channelProperties>
+      </inkml:inkSource>
+      <inkml:timestamp xml:id="ts0" timeString="2025-09-01T02:26:18.454"/>
+    </inkml:context>
+    <inkml:brush xml:id="br0">
+      <inkml:brushProperty name="width" value="0.05" units="cm"/>
+      <inkml:brushProperty name="height" value="0.05" units="cm"/>
+      <inkml:brushProperty name="color" value="#E71224"/>
+    </inkml:brush>
+  </inkml:definitions>
+  <inkml:trace contextRef="#ctx0" brushRef="#br0">0 1 24575,'0'7'0,"0"10"0,0 9 0,0 7 0,0 5 0,0 4 0,0 9 0,7 3 0,2-1 0,0-2 0,-2-2 0,-2-3 0,-8-16 0,-5-20 0,0-19 0,1-23 0,2-13 0,1 2-8191</inkml:trace>
+</inkml:ink>
+</file>
+
+<file path=ppt/ink/ink42.xml><?xml version="1.0" encoding="utf-8"?>
+<inkml:ink xmlns:inkml="http://www.w3.org/2003/InkML">
+  <inkml:definitions>
+    <inkml:context xml:id="ctx0">
+      <inkml:inkSource xml:id="inkSrc0">
+        <inkml:traceFormat>
+          <inkml:channel name="X" type="integer" min="-2.14748E9" max="2.14748E9" units="cm"/>
+          <inkml:channel name="Y" type="integer" min="-2.14748E9" max="2.14748E9" units="cm"/>
+          <inkml:channel name="F" type="integer" max="32767" units="dev"/>
+        </inkml:traceFormat>
+        <inkml:channelProperties>
+          <inkml:channelProperty channel="X" name="resolution" value="1000" units="1/cm"/>
+          <inkml:channelProperty channel="Y" name="resolution" value="1000" units="1/cm"/>
+          <inkml:channelProperty channel="F" name="resolution" value="0" units="1/dev"/>
+        </inkml:channelProperties>
+      </inkml:inkSource>
+      <inkml:timestamp xml:id="ts0" timeString="2025-09-01T02:26:18.824"/>
+    </inkml:context>
+    <inkml:brush xml:id="br0">
+      <inkml:brushProperty name="width" value="0.05" units="cm"/>
+      <inkml:brushProperty name="height" value="0.05" units="cm"/>
+      <inkml:brushProperty name="color" value="#E71224"/>
+    </inkml:brush>
+  </inkml:definitions>
+  <inkml:trace contextRef="#ctx0" brushRef="#br0">0 0 24575,'7'7'0,"3"10"0,0 9 0,-3 7 0,6-2 0,0 1 0,-2-5-8191</inkml:trace>
+</inkml:ink>
+</file>
+
+<file path=ppt/ink/ink43.xml><?xml version="1.0" encoding="utf-8"?>
+<inkml:ink xmlns:inkml="http://www.w3.org/2003/InkML">
+  <inkml:definitions>
+    <inkml:context xml:id="ctx0">
+      <inkml:inkSource xml:id="inkSrc0">
+        <inkml:traceFormat>
+          <inkml:channel name="X" type="integer" min="-2.14748E9" max="2.14748E9" units="cm"/>
+          <inkml:channel name="Y" type="integer" min="-2.14748E9" max="2.14748E9" units="cm"/>
+          <inkml:channel name="F" type="integer" max="32767" units="dev"/>
+        </inkml:traceFormat>
+        <inkml:channelProperties>
+          <inkml:channelProperty channel="X" name="resolution" value="1000" units="1/cm"/>
+          <inkml:channelProperty channel="Y" name="resolution" value="1000" units="1/cm"/>
+          <inkml:channelProperty channel="F" name="resolution" value="0" units="1/dev"/>
+        </inkml:channelProperties>
+      </inkml:inkSource>
+      <inkml:timestamp xml:id="ts0" timeString="2025-09-01T02:26:19.939"/>
+    </inkml:context>
+    <inkml:brush xml:id="br0">
+      <inkml:brushProperty name="width" value="0.05" units="cm"/>
+      <inkml:brushProperty name="height" value="0.05" units="cm"/>
+      <inkml:brushProperty name="color" value="#E71224"/>
+    </inkml:brush>
+  </inkml:definitions>
+  <inkml:trace contextRef="#ctx0" brushRef="#br0">562 463 24575,'-4'2'0,"1"0"0,-1-1 0,1 1 0,0 0 0,0 1 0,0-1 0,0 1 0,0-1 0,1 1 0,-1 0 0,1 0 0,-1 0 0,1 0 0,-2 5 0,-15 16 0,-2-6 0,0-1 0,-1-1 0,-1 0 0,-1-2 0,0-1 0,-27 11 0,32-17 0,1 0 0,-1-2 0,0 0 0,0-2 0,0 0 0,-1-1 0,1 0 0,-1-2 0,-25-3 0,41 3 0,0 0 0,1-1 0,-1 0 0,0 0 0,1 0 0,-1-1 0,1 1 0,-1-1 0,1 0 0,0 0 0,-1 0 0,1 0 0,0 0 0,0-1 0,1 1 0,-5-6 0,3 2 0,0 1 0,1-1 0,0 0 0,0 0 0,1 0 0,0 0 0,0 0 0,0 0 0,-1-8 0,0-12 0,2 0 0,0-1 0,5-48 0,-3 70 0,1-17 0,0 1 0,2-1 0,1 1 0,0 0 0,2 0 0,0 0 0,2 1 0,0 1 0,1-1 0,1 1 0,0 1 0,2 0 0,0 1 0,1 0 0,1 1 0,0 0 0,1 2 0,1-1 0,0 2 0,19-11 0,-31 20 0,0 2 0,0-1 0,0 0 0,0 1 0,0 0 0,0 0 0,1 1 0,-1-1 0,1 1 0,-1 0 0,1 0 0,-1 1 0,1 0 0,-1 0 0,1 0 0,0 1 0,-1 0 0,7 1 0,-5 1 0,0 0 0,0 1 0,0 0 0,-1 0 0,1 0 0,-1 1 0,0 0 0,-1 0 0,1 1 0,-1 0 0,0 0 0,7 10 0,5 8 0,-2 2 0,0 0 0,-1 1 0,-2 1 0,-1 0 0,-1 0 0,11 52 0,-14-41 0,-2-1 0,-1 1 0,-3 0 0,0 0 0,-9 61 0,1-67-1365,-4-7-5461</inkml:trace>
+</inkml:ink>
+</file>
+
+<file path=ppt/ink/ink44.xml><?xml version="1.0" encoding="utf-8"?>
+<inkml:ink xmlns:inkml="http://www.w3.org/2003/InkML">
+  <inkml:definitions>
+    <inkml:context xml:id="ctx0">
+      <inkml:inkSource xml:id="inkSrc0">
+        <inkml:traceFormat>
+          <inkml:channel name="X" type="integer" min="-2.14748E9" max="2.14748E9" units="cm"/>
+          <inkml:channel name="Y" type="integer" min="-2.14748E9" max="2.14748E9" units="cm"/>
+          <inkml:channel name="F" type="integer" max="32767" units="dev"/>
+        </inkml:traceFormat>
+        <inkml:channelProperties>
+          <inkml:channelProperty channel="X" name="resolution" value="1000" units="1/cm"/>
+          <inkml:channelProperty channel="Y" name="resolution" value="1000" units="1/cm"/>
+          <inkml:channelProperty channel="F" name="resolution" value="0" units="1/dev"/>
+        </inkml:channelProperties>
+      </inkml:inkSource>
+      <inkml:timestamp xml:id="ts0" timeString="2025-09-01T02:26:21.258"/>
+    </inkml:context>
+    <inkml:brush xml:id="br0">
+      <inkml:brushProperty name="width" value="0.05" units="cm"/>
+      <inkml:brushProperty name="height" value="0.05" units="cm"/>
+      <inkml:brushProperty name="color" value="#E71224"/>
+    </inkml:brush>
+  </inkml:definitions>
+  <inkml:trace contextRef="#ctx0" brushRef="#br0">1 1 24575,'3'0'0,"1"0"0,-1 0 0,0 1 0,1 0 0,-1-1 0,0 1 0,1 0 0,-1 1 0,0-1 0,0 0 0,0 1 0,0 0 0,0 0 0,-1-1 0,1 2 0,3 2 0,-1 0 0,-1 0 0,0 1 0,0 0 0,0-1 0,-1 1 0,0 0 0,4 11 0,1 9 0,-1-1 0,-1 1 0,2 33 0,-7-52 0,13 133 0,-13-121 0,-1 0 0,-1 0 0,0 0 0,-2 1 0,-5 20 0,8-39 0,0 1 0,0-1 0,-1 0 0,1 1 0,0-1 0,-1 0 0,0 1 0,1-1 0,-1 0 0,0 0 0,1 0 0,-1 0 0,0 1 0,0-1 0,0 0 0,-2 1 0,3-2 0,-1 0 0,1 0 0,-1 0 0,1 0 0,-1-1 0,1 1 0,-1 0 0,1 0 0,-1-1 0,1 1 0,-1 0 0,1-1 0,0 1 0,-1 0 0,1-1 0,0 1 0,-1 0 0,1-1 0,0 1 0,-1-1 0,1 1 0,0-1 0,0 1 0,0-1 0,-1 1 0,1-1 0,0 1 0,0-1 0,-11-50 0,7 25 0,2-1 0,1 1 0,1-1 0,7-48 0,-7 69 0,1 1 0,0 0 0,1-1 0,-1 1 0,1 0 0,0 0 0,0 0 0,1 0 0,0 0 0,-1 0 0,2 1 0,-1-1 0,0 1 0,1 0 0,0 0 0,0 0 0,0 1 0,0-1 0,1 1 0,0 0 0,-1 0 0,1 1 0,0-1 0,0 1 0,0 0 0,0 1 0,1-1 0,-1 1 0,1 0 0,5-1 0,-7 2 0,-1 0 0,0 0 0,0 0 0,1 0 0,-1 0 0,0 1 0,0-1 0,0 1 0,0 0 0,0 0 0,0 0 0,0 0 0,0 1 0,0-1 0,0 1 0,0 0 0,-1-1 0,1 1 0,-1 1 0,0-1 0,1 0 0,-1 0 0,0 1 0,0-1 0,0 1 0,-1 0 0,1 0 0,1 4 0,3 7 0,-2 0 0,0 0 0,0 0 0,2 30 0,-2-17 0,11 113 0,2 13 0,-13-132 0,1 0 0,1-1 0,0 0 0,2 0 0,11 22 0,-14-33 0,2-1 0,-1 1 0,1-1 0,0 0 0,1-1 0,0 0 0,0 0 0,0-1 0,1 1 0,0-2 0,0 0 0,1 0 0,-1 0 0,1-1 0,0-1 0,21 5 0,-26-6 0,1-1 0,-1 0 0,1 0 0,-1 0 0,1-1 0,-1 0 0,1 0 0,-1 0 0,1-1 0,-1 0 0,1 0 0,-1 0 0,1-1 0,-1 0 0,0 0 0,0 0 0,0-1 0,0 1 0,0-1 0,0 0 0,-1-1 0,0 1 0,1-1 0,-1 0 0,-1 0 0,1 0 0,0 0 0,-1-1 0,0 0 0,0 1 0,-1-1 0,1 0 0,1-6 0,6-27-1365,-4 3-5461</inkml:trace>
+</inkml:ink>
+</file>
+
+<file path=ppt/ink/ink5.xml><?xml version="1.0" encoding="utf-8"?>
+<inkml:ink xmlns:inkml="http://www.w3.org/2003/InkML">
+  <inkml:definitions>
+    <inkml:context xml:id="ctx0">
+      <inkml:inkSource xml:id="inkSrc0">
+        <inkml:traceFormat>
+          <inkml:channel name="X" type="integer" min="-2.14748E9" max="2.14748E9" units="cm"/>
+          <inkml:channel name="Y" type="integer" min="-2.14748E9" max="2.14748E9" units="cm"/>
+          <inkml:channel name="F" type="integer" max="32767" units="dev"/>
+        </inkml:traceFormat>
+        <inkml:channelProperties>
+          <inkml:channelProperty channel="X" name="resolution" value="1000" units="1/cm"/>
+          <inkml:channelProperty channel="Y" name="resolution" value="1000" units="1/cm"/>
+          <inkml:channelProperty channel="F" name="resolution" value="0" units="1/dev"/>
+        </inkml:channelProperties>
+      </inkml:inkSource>
+      <inkml:timestamp xml:id="ts0" timeString="2025-09-01T01:54:36.440"/>
+    </inkml:context>
+    <inkml:brush xml:id="br0">
+      <inkml:brushProperty name="width" value="0.2" units="cm"/>
+      <inkml:brushProperty name="height" value="0.2" units="cm"/>
+      <inkml:brushProperty name="color" value="#E71224"/>
+    </inkml:brush>
+  </inkml:definitions>
+  <inkml:trace contextRef="#ctx0" brushRef="#br0">548 310 24575,'0'-26'0,"-2"-1"0,0 1 0,-11-45 0,10 58 0,-1 0 0,0 1 0,-1 0 0,-1 0 0,0 0 0,0 0 0,-1 1 0,-1 0 0,-9-11 0,15 19 0,-1 1 0,1-1 0,0 1 0,-1 0 0,1 0 0,-1 0 0,0 0 0,0 1 0,0-1 0,0 1 0,0-1 0,0 1 0,0 0 0,0 0 0,0 1 0,-1-1 0,1 1 0,0-1 0,0 1 0,-1 0 0,1 0 0,0 0 0,-1 1 0,1-1 0,0 1 0,0 0 0,0 0 0,-1 0 0,1 0 0,0 0 0,0 1 0,1 0 0,-1-1 0,0 1 0,0 0 0,1 0 0,-5 5 0,-4 3 0,0 1 0,0 1 0,1 0 0,1 1 0,0 0 0,-12 22 0,3 3 0,1 0 0,1 2 0,3-1 0,1 2 0,2 0 0,1 0 0,-4 74 0,12-89 0,1 0 0,2 0 0,0 0 0,2-1 0,13 49 0,-12-57 0,2-1 0,-1 0 0,2 0 0,0-1 0,1 1 0,1-2 0,0 1 0,1-2 0,18 19 0,-24-27 0,0 0 0,1-1 0,-1 0 0,1 0 0,0 0 0,0-1 0,0 1 0,1-2 0,-1 1 0,1-1 0,-1 0 0,14 3 0,-16-5 0,-1 0 0,1 0 0,0 0 0,0 0 0,-1-1 0,1 1 0,0-1 0,-1 0 0,1 0 0,-1 0 0,1-1 0,-1 1 0,0-1 0,0 0 0,1 0 0,-1 0 0,0 0 0,-1-1 0,1 1 0,0-1 0,-1 1 0,1-1 0,-1 0 0,0 0 0,3-6 0,3-7 0,-1 1 0,-1-2 0,0 1 0,-1-1 0,-1 0 0,-1 0 0,0 0 0,-2 0 0,1-1 0,-2 1 0,0 0 0,-2-1 0,0 1 0,0 0 0,-2 0 0,-8-26 0,-2 13 0,9 20 0,1 0 0,-1 0 0,1-1 0,1 0 0,-3-14 0,19 47 0,-1 0 0,-1 1 0,10 31 0,50 280 0,-45-189 0,-13-82 0,31 160 0,18 279 0,-60-476 0,-2 1 0,-1-1 0,-1 0 0,-2 0 0,0 0 0,-13 42 0,11-53 0,1-1 0,-2 1 0,1-1 0,-2-1 0,0 1 0,-1-1 0,0-1 0,-1 0 0,0 0 0,-1-1 0,0 0 0,-21 15 0,25-22 0,0 0 0,0-1 0,-1 0 0,1 0 0,-1 0 0,0-1 0,0 0 0,0-1 0,0 0 0,0 0 0,0-1 0,0 0 0,-1 0 0,1-1 0,0 0 0,0 0 0,-12-4 0,-12-4 0,0-2 0,-54-26 0,74 32 0,-184-95-1365,149 76-5461</inkml:trace>
+</inkml:ink>
+</file>
+
+<file path=ppt/ink/ink6.xml><?xml version="1.0" encoding="utf-8"?>
+<inkml:ink xmlns:inkml="http://www.w3.org/2003/InkML">
+  <inkml:definitions>
+    <inkml:context xml:id="ctx0">
+      <inkml:inkSource xml:id="inkSrc0">
+        <inkml:traceFormat>
+          <inkml:channel name="X" type="integer" min="-2.14748E9" max="2.14748E9" units="cm"/>
+          <inkml:channel name="Y" type="integer" min="-2.14748E9" max="2.14748E9" units="cm"/>
+          <inkml:channel name="F" type="integer" max="32767" units="dev"/>
+        </inkml:traceFormat>
+        <inkml:channelProperties>
+          <inkml:channelProperty channel="X" name="resolution" value="1000" units="1/cm"/>
+          <inkml:channelProperty channel="Y" name="resolution" value="1000" units="1/cm"/>
+          <inkml:channelProperty channel="F" name="resolution" value="0" units="1/dev"/>
+        </inkml:channelProperties>
+      </inkml:inkSource>
+      <inkml:timestamp xml:id="ts0" timeString="2025-09-01T01:54:37.476"/>
+    </inkml:context>
+    <inkml:brush xml:id="br0">
+      <inkml:brushProperty name="width" value="0.2" units="cm"/>
+      <inkml:brushProperty name="height" value="0.2" units="cm"/>
+      <inkml:brushProperty name="color" value="#E71224"/>
+    </inkml:brush>
+  </inkml:definitions>
+  <inkml:trace contextRef="#ctx0" brushRef="#br0">33 391 24575,'6'-1'0,"0"0"0,0 0 0,0 0 0,1-1 0,-2 0 0,10-4 0,18-6 0,230-26 0,-94 18 0,-141 16 0,11-2 0,51-14 0,-80 18 0,-1-1 0,0-1 0,0 1 0,-1-1 0,1-1 0,-1 0 0,0 0 0,0 0 0,0-1 0,-1 0 0,7-8 0,-12 12 0,0 0 0,0-1 0,-1 1 0,1-1 0,-1 0 0,1 1 0,-1-1 0,0 0 0,0 0 0,0 0 0,-1 0 0,1 0 0,-1 1 0,1-1 0,-1 0 0,0 0 0,0 0 0,-1-4 0,0 1 0,-1 1 0,1 0 0,-1 0 0,0-1 0,-1 1 0,1 1 0,-1-1 0,0 0 0,-5-6 0,0 2 0,0 0 0,0 1 0,0 0 0,-1 1 0,-1 0 0,1 0 0,-1 1 0,0 0 0,-12-5 0,5 5 0,-1 2 0,1-1 0,-1 2 0,0 0 0,0 2 0,0 0 0,0 0 0,1 2 0,-1 0 0,0 1 0,0 1 0,0 1 0,1 0 0,0 2 0,-23 9 0,-5 5 0,1 3 0,0 1 0,2 2 0,-49 40 0,80-57 0,0 0 0,1 0 0,0 1 0,1 0 0,0 1 0,1 0 0,0 0 0,0 1 0,1 0 0,1 0 0,0 1 0,1 0 0,0 0 0,1 0 0,1 0 0,0 1 0,0 0 0,0 22 0,3-13 0,1-1 0,1 1 0,1-1 0,1 0 0,1 0 0,1 0 0,0-1 0,2 0 0,1 0 0,19 33 0,-9-22 0,2-1 0,1-1 0,1 0 0,2-2 0,1-1 0,1-1 0,37 28 0,-38-35 0,0-1 0,1-1 0,1-1 0,1-2 0,0-1 0,1-1 0,0-2 0,58 13 0,-82-22 8,1 0 0,-1 0 0,0-1 0,1 0 0,-1 0 0,0-1 0,0 1 0,1-1 0,-1-1 0,0 1 0,0-1 0,0 0 0,0-1 0,8-4 0,-11 5-67,1 0-1,-1-1 1,-1 1-1,1-1 1,0 0 0,0 0-1,-1 0 1,0 0-1,0-1 1,0 1 0,0 0-1,0-1 1,-1 0-1,1 1 1,-1-1 0,0 0-1,0 0 1,0 1-1,-1-1 1,1 0 0,-1 0-1,0 0 1,0 0-1,-1-5 1</inkml:trace>
+</inkml:ink>
+</file>
+
+<file path=ppt/ink/ink7.xml><?xml version="1.0" encoding="utf-8"?>
+<inkml:ink xmlns:inkml="http://www.w3.org/2003/InkML">
+  <inkml:definitions>
+    <inkml:context xml:id="ctx0">
+      <inkml:inkSource xml:id="inkSrc0">
+        <inkml:traceFormat>
+          <inkml:channel name="X" type="integer" min="-2.14748E9" max="2.14748E9" units="cm"/>
+          <inkml:channel name="Y" type="integer" min="-2.14748E9" max="2.14748E9" units="cm"/>
+          <inkml:channel name="F" type="integer" max="32767" units="dev"/>
+        </inkml:traceFormat>
+        <inkml:channelProperties>
+          <inkml:channelProperty channel="X" name="resolution" value="1000" units="1/cm"/>
+          <inkml:channelProperty channel="Y" name="resolution" value="1000" units="1/cm"/>
+          <inkml:channelProperty channel="F" name="resolution" value="0" units="1/dev"/>
+        </inkml:channelProperties>
+      </inkml:inkSource>
+      <inkml:timestamp xml:id="ts0" timeString="2025-09-01T01:54:38.203"/>
+    </inkml:context>
+    <inkml:brush xml:id="br0">
+      <inkml:brushProperty name="width" value="0.2" units="cm"/>
+      <inkml:brushProperty name="height" value="0.2" units="cm"/>
+      <inkml:brushProperty name="color" value="#E71224"/>
+    </inkml:brush>
+  </inkml:definitions>
+  <inkml:trace contextRef="#ctx0" brushRef="#br0">0 0 24575,'2'35'0,"2"-1"0,2 0 0,1 0 0,1 0 0,20 51 0,3 12 0,234 947-405,-41 10-243,-99-455 495,-20-150 153,-112-473-180,-19-45 0,-1 6-6445</inkml:trace>
+</inkml:ink>
+</file>
+
+<file path=ppt/ink/ink8.xml><?xml version="1.0" encoding="utf-8"?>
+<inkml:ink xmlns:inkml="http://www.w3.org/2003/InkML">
+  <inkml:definitions>
+    <inkml:context xml:id="ctx0">
+      <inkml:inkSource xml:id="inkSrc0">
+        <inkml:traceFormat>
+          <inkml:channel name="X" type="integer" min="-2.14748E9" max="2.14748E9" units="cm"/>
+          <inkml:channel name="Y" type="integer" min="-2.14748E9" max="2.14748E9" units="cm"/>
+          <inkml:channel name="F" type="integer" max="32767" units="dev"/>
+        </inkml:traceFormat>
+        <inkml:channelProperties>
+          <inkml:channelProperty channel="X" name="resolution" value="1000" units="1/cm"/>
+          <inkml:channelProperty channel="Y" name="resolution" value="1000" units="1/cm"/>
+          <inkml:channelProperty channel="F" name="resolution" value="0" units="1/dev"/>
+        </inkml:channelProperties>
+      </inkml:inkSource>
+      <inkml:timestamp xml:id="ts0" timeString="2025-09-01T01:54:38.687"/>
+    </inkml:context>
+    <inkml:brush xml:id="br0">
+      <inkml:brushProperty name="width" value="0.2" units="cm"/>
+      <inkml:brushProperty name="height" value="0.2" units="cm"/>
+      <inkml:brushProperty name="color" value="#E71224"/>
+    </inkml:brush>
+  </inkml:definitions>
+  <inkml:trace contextRef="#ctx0" brushRef="#br0">0 538 24575,'8'-7'0,"9"-2"0,24 0 0,18-12 0,15-11 0,15-13 0,30-14 0,15-5 0,6 3 0,2-4 0,-9 2 0,-28 6 0,-31 11-8191</inkml:trace>
+</inkml:ink>
+</file>
+
+<file path=ppt/ink/ink9.xml><?xml version="1.0" encoding="utf-8"?>
+<inkml:ink xmlns:inkml="http://www.w3.org/2003/InkML">
+  <inkml:definitions>
+    <inkml:context xml:id="ctx0">
+      <inkml:inkSource xml:id="inkSrc0">
+        <inkml:traceFormat>
+          <inkml:channel name="X" type="integer" min="-2.14748E9" max="2.14748E9" units="cm"/>
+          <inkml:channel name="Y" type="integer" min="-2.14748E9" max="2.14748E9" units="cm"/>
+          <inkml:channel name="F" type="integer" max="32767" units="dev"/>
+        </inkml:traceFormat>
+        <inkml:channelProperties>
+          <inkml:channelProperty channel="X" name="resolution" value="1000" units="1/cm"/>
+          <inkml:channelProperty channel="Y" name="resolution" value="1000" units="1/cm"/>
+          <inkml:channelProperty channel="F" name="resolution" value="0" units="1/dev"/>
+        </inkml:channelProperties>
+      </inkml:inkSource>
+      <inkml:timestamp xml:id="ts0" timeString="2025-09-01T01:54:39.163"/>
+    </inkml:context>
+    <inkml:brush xml:id="br0">
+      <inkml:brushProperty name="width" value="0.2" units="cm"/>
+      <inkml:brushProperty name="height" value="0.2" units="cm"/>
+      <inkml:brushProperty name="color" value="#E71224"/>
+    </inkml:brush>
+  </inkml:definitions>
+  <inkml:trace contextRef="#ctx0" brushRef="#br0">0 1 24575,'2'57'0,"3"1"0,2-1 0,22 82 0,62 166 0,-54-187 0,43 134-37,135 456-285,-39 12 96,-122-285 226,-54-430 29,1 28 251,-1-33-317,0 1 0,0-1 1,0 1-1,0 0 0,-1-1 1,1 1-1,0-1 0,0 1 1,0-1-1,0 1 0,-1 0 1,1-1-1,0 1 1,0-1-1,-1 1 0,1-1 1,-1 0-1,1 1 0,0-1 1,-1 1-1,1-1 0,-1 0 1,1 1-1,-1-1 0,1 0 1,-1 1-1,1-1 0,-1 0 1,1 0-1,-1 1 0,1-1 1,-1 0-1,1 0 0,-1 0 1,0 0-1,1 0 0,-1 0 1,1 0-1,-1 0 0,0 0 1,1 0-1,-2-1 1</inkml:trace>
+</inkml:ink>
+</file>
+
+<file path=ppt/notesMasters/notesMaster1.xml><?xml version="1.0" encoding="utf-8"?>
+<p:notesMaster xmlns:a="http://schemas.openxmlformats.org/drawingml/2006/main" xmlns:r="http://schemas.openxmlformats.org/officeDocument/2006/relationships" xmlns:p="http://schemas.openxmlformats.org/presentationml/2006/main">
+  <p:cSld>
+    <p:bg>
+      <p:bgRef idx="1001">
+        <a:schemeClr val="bg1"/>
+      </p:bgRef>
+    </p:bg>
+    <p:spTree>
+      <p:nvGrpSpPr>
+        <p:cNvPr id="1" name=""/>
+        <p:cNvGrpSpPr/>
+        <p:nvPr/>
+      </p:nvGrpSpPr>
+      <p:grpSpPr>
+        <a:xfrm>
+          <a:off x="0" y="0"/>
+          <a:ext cx="0" cy="0"/>
+          <a:chOff x="0" y="0"/>
+          <a:chExt cx="0" cy="0"/>
+        </a:xfrm>
+      </p:grpSpPr>
+      <p:sp>
+        <p:nvSpPr>
+          <p:cNvPr id="2" name="Header Placeholder 1"/>
+          <p:cNvSpPr>
+            <a:spLocks noGrp="1"/>
+          </p:cNvSpPr>
+          <p:nvPr>
+            <p:ph type="hdr" sz="quarter"/>
+          </p:nvPr>
+        </p:nvSpPr>
+        <p:spPr>
+          <a:xfrm>
+            <a:off x="0" y="0"/>
+            <a:ext cx="2971800" cy="458788"/>
+          </a:xfrm>
+          <a:prstGeom prst="rect">
+            <a:avLst/>
+          </a:prstGeom>
+        </p:spPr>
+        <p:txBody>
+          <a:bodyPr vert="horz" lIns="91440" tIns="45720" rIns="91440" bIns="45720" rtlCol="0"/>
+          <a:lstStyle>
+            <a:lvl1pPr algn="l">
+              <a:defRPr sz="1200"/>
+            </a:lvl1pPr>
+          </a:lstStyle>
+          <a:p>
+            <a:endParaRPr lang="en-US"/>
+          </a:p>
+        </p:txBody>
+      </p:sp>
+      <p:sp>
+        <p:nvSpPr>
+          <p:cNvPr id="3" name="Date Placeholder 2"/>
+          <p:cNvSpPr>
+            <a:spLocks noGrp="1"/>
+          </p:cNvSpPr>
+          <p:nvPr>
+            <p:ph type="dt" idx="1"/>
+          </p:nvPr>
+        </p:nvSpPr>
+        <p:spPr>
+          <a:xfrm>
+            <a:off x="3884613" y="0"/>
+            <a:ext cx="2971800" cy="458788"/>
+          </a:xfrm>
+          <a:prstGeom prst="rect">
+            <a:avLst/>
+          </a:prstGeom>
+        </p:spPr>
+        <p:txBody>
+          <a:bodyPr vert="horz" lIns="91440" tIns="45720" rIns="91440" bIns="45720" rtlCol="0"/>
+          <a:lstStyle>
+            <a:lvl1pPr algn="r">
+              <a:defRPr sz="1200"/>
+            </a:lvl1pPr>
+          </a:lstStyle>
+          <a:p>
+            <a:fld id="{800B37CC-54C1-497A-9888-C62A2DE24963}" type="datetimeFigureOut">
+              <a:rPr lang="en-US" smtClean="0"/>
+              <a:t>9/1/2025</a:t>
+            </a:fld>
+            <a:endParaRPr lang="en-US"/>
+          </a:p>
+        </p:txBody>
+      </p:sp>
+      <p:sp>
+        <p:nvSpPr>
+          <p:cNvPr id="4" name="Slide Image Placeholder 3"/>
+          <p:cNvSpPr>
+            <a:spLocks noGrp="1" noRot="1" noChangeAspect="1"/>
+          </p:cNvSpPr>
+          <p:nvPr>
+            <p:ph type="sldImg" idx="2"/>
+          </p:nvPr>
+        </p:nvSpPr>
+        <p:spPr>
+          <a:xfrm>
+            <a:off x="1371600" y="1143000"/>
+            <a:ext cx="4114800" cy="3086100"/>
+          </a:xfrm>
+          <a:prstGeom prst="rect">
+            <a:avLst/>
+          </a:prstGeom>
+          <a:noFill/>
+          <a:ln w="12700">
+            <a:solidFill>
+              <a:prstClr val="black"/>
+            </a:solidFill>
+          </a:ln>
+        </p:spPr>
+        <p:txBody>
+          <a:bodyPr vert="horz" lIns="91440" tIns="45720" rIns="91440" bIns="45720" rtlCol="0" anchor="ctr"/>
+          <a:lstStyle/>
+          <a:p>
+            <a:endParaRPr lang="en-US"/>
+          </a:p>
+        </p:txBody>
+      </p:sp>
+      <p:sp>
+        <p:nvSpPr>
+          <p:cNvPr id="5" name="Notes Placeholder 4"/>
+          <p:cNvSpPr>
+            <a:spLocks noGrp="1"/>
+          </p:cNvSpPr>
+          <p:nvPr>
+            <p:ph type="body" sz="quarter" idx="3"/>
+          </p:nvPr>
+        </p:nvSpPr>
+        <p:spPr>
+          <a:xfrm>
+            <a:off x="685800" y="4400550"/>
+            <a:ext cx="5486400" cy="3600450"/>
+          </a:xfrm>
+          <a:prstGeom prst="rect">
+            <a:avLst/>
+          </a:prstGeom>
+        </p:spPr>
+        <p:txBody>
+          <a:bodyPr vert="horz" lIns="91440" tIns="45720" rIns="91440" bIns="45720" rtlCol="0"/>
+          <a:lstStyle/>
+          <a:p>
+            <a:pPr lvl="0"/>
+            <a:r>
+              <a:rPr lang="en-US"/>
+              <a:t>Click to edit Master text styles</a:t>
+            </a:r>
+          </a:p>
+          <a:p>
+            <a:pPr lvl="1"/>
+            <a:r>
+              <a:rPr lang="en-US"/>
+              <a:t>Second level</a:t>
+            </a:r>
+          </a:p>
+          <a:p>
+            <a:pPr lvl="2"/>
+            <a:r>
+              <a:rPr lang="en-US"/>
+              <a:t>Third level</a:t>
+            </a:r>
+          </a:p>
+          <a:p>
+            <a:pPr lvl="3"/>
+            <a:r>
+              <a:rPr lang="en-US"/>
+              <a:t>Fourth level</a:t>
+            </a:r>
+          </a:p>
+          <a:p>
+            <a:pPr lvl="4"/>
+            <a:r>
+              <a:rPr lang="en-US"/>
+              <a:t>Fifth level</a:t>
+            </a:r>
+          </a:p>
+        </p:txBody>
+      </p:sp>
+      <p:sp>
+        <p:nvSpPr>
+          <p:cNvPr id="6" name="Footer Placeholder 5"/>
+          <p:cNvSpPr>
+            <a:spLocks noGrp="1"/>
+          </p:cNvSpPr>
+          <p:nvPr>
+            <p:ph type="ftr" sz="quarter" idx="4"/>
+          </p:nvPr>
+        </p:nvSpPr>
+        <p:spPr>
+          <a:xfrm>
+            <a:off x="0" y="8685213"/>
+            <a:ext cx="2971800" cy="458787"/>
+          </a:xfrm>
+          <a:prstGeom prst="rect">
+            <a:avLst/>
+          </a:prstGeom>
+        </p:spPr>
+        <p:txBody>
+          <a:bodyPr vert="horz" lIns="91440" tIns="45720" rIns="91440" bIns="45720" rtlCol="0" anchor="b"/>
+          <a:lstStyle>
+            <a:lvl1pPr algn="l">
+              <a:defRPr sz="1200"/>
+            </a:lvl1pPr>
+          </a:lstStyle>
+          <a:p>
+            <a:endParaRPr lang="en-US"/>
+          </a:p>
+        </p:txBody>
+      </p:sp>
+      <p:sp>
+        <p:nvSpPr>
+          <p:cNvPr id="7" name="Slide Number Placeholder 6"/>
+          <p:cNvSpPr>
+            <a:spLocks noGrp="1"/>
+          </p:cNvSpPr>
+          <p:nvPr>
+            <p:ph type="sldNum" sz="quarter" idx="5"/>
+          </p:nvPr>
+        </p:nvSpPr>
+        <p:spPr>
+          <a:xfrm>
+            <a:off x="3884613" y="8685213"/>
+            <a:ext cx="2971800" cy="458787"/>
+          </a:xfrm>
+          <a:prstGeom prst="rect">
+            <a:avLst/>
+          </a:prstGeom>
+        </p:spPr>
+        <p:txBody>
+          <a:bodyPr vert="horz" lIns="91440" tIns="45720" rIns="91440" bIns="45720" rtlCol="0" anchor="b"/>
+          <a:lstStyle>
+            <a:lvl1pPr algn="r">
+              <a:defRPr sz="1200"/>
+            </a:lvl1pPr>
+          </a:lstStyle>
+          <a:p>
+            <a:fld id="{4AF5C55A-F5CC-48BC-8732-E534C03952F4}" type="slidenum">
+              <a:rPr lang="en-US" smtClean="0"/>
+              <a:t>‹#›</a:t>
+            </a:fld>
+            <a:endParaRPr lang="en-US"/>
+          </a:p>
+        </p:txBody>
+      </p:sp>
+    </p:spTree>
+    <p:extLst>
+      <p:ext uri="{BB962C8B-B14F-4D97-AF65-F5344CB8AC3E}">
+        <p14:creationId xmlns:p14="http://schemas.microsoft.com/office/powerpoint/2010/main" val="3793656579"/>
+      </p:ext>
+    </p:extLst>
+  </p:cSld>
+  <p:clrMap bg1="lt1" tx1="dk1" bg2="lt2" tx2="dk2" accent1="accent1" accent2="accent2" accent3="accent3" accent4="accent4" accent5="accent5" accent6="accent6" hlink="hlink" folHlink="folHlink"/>
+  <p:notesStyle>
+    <a:lvl1pPr marL="0" algn="l" defTabSz="914400" rtl="0" eaLnBrk="1" latinLnBrk="0" hangingPunct="1">
+      <a:defRPr sz="1200" kern="1200">
+        <a:solidFill>
+          <a:schemeClr val="tx1"/>
+        </a:solidFill>
+        <a:latin typeface="+mn-lt"/>
+        <a:ea typeface="+mn-ea"/>
+        <a:cs typeface="+mn-cs"/>
+      </a:defRPr>
+    </a:lvl1pPr>
+    <a:lvl2pPr marL="457200" algn="l" defTabSz="914400" rtl="0" eaLnBrk="1" latinLnBrk="0" hangingPunct="1">
+      <a:defRPr sz="1200" kern="1200">
+        <a:solidFill>
+          <a:schemeClr val="tx1"/>
+        </a:solidFill>
+        <a:latin typeface="+mn-lt"/>
+        <a:ea typeface="+mn-ea"/>
+        <a:cs typeface="+mn-cs"/>
+      </a:defRPr>
+    </a:lvl2pPr>
+    <a:lvl3pPr marL="914400" algn="l" defTabSz="914400" rtl="0" eaLnBrk="1" latinLnBrk="0" hangingPunct="1">
+      <a:defRPr sz="1200" kern="1200">
+        <a:solidFill>
+          <a:schemeClr val="tx1"/>
+        </a:solidFill>
+        <a:latin typeface="+mn-lt"/>
+        <a:ea typeface="+mn-ea"/>
+        <a:cs typeface="+mn-cs"/>
+      </a:defRPr>
+    </a:lvl3pPr>
+    <a:lvl4pPr marL="1371600" algn="l" defTabSz="914400" rtl="0" eaLnBrk="1" latinLnBrk="0" hangingPunct="1">
+      <a:defRPr sz="1200" kern="1200">
+        <a:solidFill>
+          <a:schemeClr val="tx1"/>
+        </a:solidFill>
+        <a:latin typeface="+mn-lt"/>
+        <a:ea typeface="+mn-ea"/>
+        <a:cs typeface="+mn-cs"/>
+      </a:defRPr>
+    </a:lvl4pPr>
+    <a:lvl5pPr marL="1828800" algn="l" defTabSz="914400" rtl="0" eaLnBrk="1" latinLnBrk="0" hangingPunct="1">
+      <a:defRPr sz="1200" kern="1200">
+        <a:solidFill>
+          <a:schemeClr val="tx1"/>
+        </a:solidFill>
+        <a:latin typeface="+mn-lt"/>
+        <a:ea typeface="+mn-ea"/>
+        <a:cs typeface="+mn-cs"/>
+      </a:defRPr>
+    </a:lvl5pPr>
+    <a:lvl6pPr marL="2286000" algn="l" defTabSz="914400" rtl="0" eaLnBrk="1" latinLnBrk="0" hangingPunct="1">
+      <a:defRPr sz="1200" kern="1200">
+        <a:solidFill>
+          <a:schemeClr val="tx1"/>
+        </a:solidFill>
+        <a:latin typeface="+mn-lt"/>
+        <a:ea typeface="+mn-ea"/>
+        <a:cs typeface="+mn-cs"/>
+      </a:defRPr>
+    </a:lvl6pPr>
+    <a:lvl7pPr marL="2743200" algn="l" defTabSz="914400" rtl="0" eaLnBrk="1" latinLnBrk="0" hangingPunct="1">
+      <a:defRPr sz="1200" kern="1200">
+        <a:solidFill>
+          <a:schemeClr val="tx1"/>
+        </a:solidFill>
+        <a:latin typeface="+mn-lt"/>
+        <a:ea typeface="+mn-ea"/>
+        <a:cs typeface="+mn-cs"/>
+      </a:defRPr>
+    </a:lvl7pPr>
+    <a:lvl8pPr marL="3200400" algn="l" defTabSz="914400" rtl="0" eaLnBrk="1" latinLnBrk="0" hangingPunct="1">
+      <a:defRPr sz="1200" kern="1200">
+        <a:solidFill>
+          <a:schemeClr val="tx1"/>
+        </a:solidFill>
+        <a:latin typeface="+mn-lt"/>
+        <a:ea typeface="+mn-ea"/>
+        <a:cs typeface="+mn-cs"/>
+      </a:defRPr>
+    </a:lvl8pPr>
+    <a:lvl9pPr marL="3657600" algn="l" defTabSz="914400" rtl="0" eaLnBrk="1" latinLnBrk="0" hangingPunct="1">
+      <a:defRPr sz="1200" kern="1200">
+        <a:solidFill>
+          <a:schemeClr val="tx1"/>
+        </a:solidFill>
+        <a:latin typeface="+mn-lt"/>
+        <a:ea typeface="+mn-ea"/>
+        <a:cs typeface="+mn-cs"/>
+      </a:defRPr>
+    </a:lvl9pPr>
+  </p:notesStyle>
+</p:notesMaster>
 </file>
 
 <file path=ppt/slideLayouts/slideLayout1.xml><?xml version="1.0" encoding="utf-8"?>
@@ -317,10 +1899,9 @@
           <a:bodyPr/>
           <a:lstStyle/>
           <a:p>
-            <a:fld id="{1D8BD707-D9CF-40AE-B4C6-C98DA3205C09}" type="datetimeFigureOut">
+            <a:fld id="{D9BBBEB1-F86E-42AC-A88F-78C58127D93C}" type="datetime1">
               <a:rPr lang="en-US" smtClean="0"/>
-              <a:pPr/>
-              <a:t>9/10/2017</a:t>
+              <a:t>9/1/2025</a:t>
             </a:fld>
             <a:endParaRPr lang="en-US"/>
           </a:p>
@@ -482,10 +2063,9 @@
           <a:bodyPr/>
           <a:lstStyle/>
           <a:p>
-            <a:fld id="{1D8BD707-D9CF-40AE-B4C6-C98DA3205C09}" type="datetimeFigureOut">
+            <a:fld id="{B45A2166-851C-42CA-BAF7-2A15AC6E5145}" type="datetime1">
               <a:rPr lang="en-US" smtClean="0"/>
-              <a:pPr/>
-              <a:t>9/10/2017</a:t>
+              <a:t>9/1/2025</a:t>
             </a:fld>
             <a:endParaRPr lang="en-US"/>
           </a:p>
@@ -657,10 +2237,9 @@
           <a:bodyPr/>
           <a:lstStyle/>
           <a:p>
-            <a:fld id="{1D8BD707-D9CF-40AE-B4C6-C98DA3205C09}" type="datetimeFigureOut">
+            <a:fld id="{6051D5FD-2FE0-4FF9-B007-EA304CE052F3}" type="datetime1">
               <a:rPr lang="en-US" smtClean="0"/>
-              <a:pPr/>
-              <a:t>9/10/2017</a:t>
+              <a:t>9/1/2025</a:t>
             </a:fld>
             <a:endParaRPr lang="en-US"/>
           </a:p>
@@ -822,10 +2401,9 @@
           <a:bodyPr/>
           <a:lstStyle/>
           <a:p>
-            <a:fld id="{1D8BD707-D9CF-40AE-B4C6-C98DA3205C09}" type="datetimeFigureOut">
+            <a:fld id="{63A2BA14-6588-4DDF-AD03-96C5C5F12862}" type="datetime1">
               <a:rPr lang="en-US" smtClean="0"/>
-              <a:pPr/>
-              <a:t>9/10/2017</a:t>
+              <a:t>9/1/2025</a:t>
             </a:fld>
             <a:endParaRPr lang="en-US"/>
           </a:p>
@@ -1064,10 +2642,9 @@
           <a:bodyPr/>
           <a:lstStyle/>
           <a:p>
-            <a:fld id="{1D8BD707-D9CF-40AE-B4C6-C98DA3205C09}" type="datetimeFigureOut">
+            <a:fld id="{0A20109B-B9FE-4A2B-85FC-53147B4444B4}" type="datetime1">
               <a:rPr lang="en-US" smtClean="0"/>
-              <a:pPr/>
-              <a:t>9/10/2017</a:t>
+              <a:t>9/1/2025</a:t>
             </a:fld>
             <a:endParaRPr lang="en-US"/>
           </a:p>
@@ -1346,10 +2923,9 @@
           <a:bodyPr/>
           <a:lstStyle/>
           <a:p>
-            <a:fld id="{1D8BD707-D9CF-40AE-B4C6-C98DA3205C09}" type="datetimeFigureOut">
+            <a:fld id="{1976E46F-EF09-4A3B-B1A6-EAC4004A1A17}" type="datetime1">
               <a:rPr lang="en-US" smtClean="0"/>
-              <a:pPr/>
-              <a:t>9/10/2017</a:t>
+              <a:t>9/1/2025</a:t>
             </a:fld>
             <a:endParaRPr lang="en-US"/>
           </a:p>
@@ -1762,10 +3338,9 @@
           <a:bodyPr/>
           <a:lstStyle/>
           <a:p>
-            <a:fld id="{1D8BD707-D9CF-40AE-B4C6-C98DA3205C09}" type="datetimeFigureOut">
+            <a:fld id="{F86CAA26-C878-438D-8788-81A7D532F9E3}" type="datetime1">
               <a:rPr lang="en-US" smtClean="0"/>
-              <a:pPr/>
-              <a:t>9/10/2017</a:t>
+              <a:t>9/1/2025</a:t>
             </a:fld>
             <a:endParaRPr lang="en-US"/>
           </a:p>
@@ -1876,10 +3451,9 @@
           <a:bodyPr/>
           <a:lstStyle/>
           <a:p>
-            <a:fld id="{1D8BD707-D9CF-40AE-B4C6-C98DA3205C09}" type="datetimeFigureOut">
+            <a:fld id="{3219D00A-AEE3-40A3-8E95-47D137137658}" type="datetime1">
               <a:rPr lang="en-US" smtClean="0"/>
-              <a:pPr/>
-              <a:t>9/10/2017</a:t>
+              <a:t>9/1/2025</a:t>
             </a:fld>
             <a:endParaRPr lang="en-US"/>
           </a:p>
@@ -1968,10 +3542,9 @@
           <a:bodyPr/>
           <a:lstStyle/>
           <a:p>
-            <a:fld id="{1D8BD707-D9CF-40AE-B4C6-C98DA3205C09}" type="datetimeFigureOut">
+            <a:fld id="{DE44810C-DFCA-4985-A0E0-96F648C2FB63}" type="datetime1">
               <a:rPr lang="en-US" smtClean="0"/>
-              <a:pPr/>
-              <a:t>9/10/2017</a:t>
+              <a:t>9/1/2025</a:t>
             </a:fld>
             <a:endParaRPr lang="en-US"/>
           </a:p>
@@ -2240,10 +3813,9 @@
           <a:bodyPr/>
           <a:lstStyle/>
           <a:p>
-            <a:fld id="{1D8BD707-D9CF-40AE-B4C6-C98DA3205C09}" type="datetimeFigureOut">
+            <a:fld id="{DB772890-2F79-4394-AC05-E06B93FFA634}" type="datetime1">
               <a:rPr lang="en-US" smtClean="0"/>
-              <a:pPr/>
-              <a:t>9/10/2017</a:t>
+              <a:t>9/1/2025</a:t>
             </a:fld>
             <a:endParaRPr lang="en-US"/>
           </a:p>
@@ -2489,10 +4061,9 @@
           <a:bodyPr/>
           <a:lstStyle/>
           <a:p>
-            <a:fld id="{1D8BD707-D9CF-40AE-B4C6-C98DA3205C09}" type="datetimeFigureOut">
+            <a:fld id="{6E412382-5929-4324-B923-E0D2D20C2636}" type="datetime1">
               <a:rPr lang="en-US" smtClean="0"/>
-              <a:pPr/>
-              <a:t>9/10/2017</a:t>
+              <a:t>9/1/2025</a:t>
             </a:fld>
             <a:endParaRPr lang="en-US"/>
           </a:p>
@@ -2697,10 +4268,9 @@
             </a:lvl1pPr>
           </a:lstStyle>
           <a:p>
-            <a:fld id="{1D8BD707-D9CF-40AE-B4C6-C98DA3205C09}" type="datetimeFigureOut">
+            <a:fld id="{57E680B6-1D2B-4079-9179-06310E686098}" type="datetime1">
               <a:rPr lang="en-US" smtClean="0"/>
-              <a:pPr/>
-              <a:t>9/10/2017</a:t>
+              <a:t>9/1/2025</a:t>
             </a:fld>
             <a:endParaRPr lang="en-US"/>
           </a:p>
@@ -2801,6 +4371,7 @@
     <p:sldLayoutId id="2147483658" r:id="rId10"/>
     <p:sldLayoutId id="2147483659" r:id="rId11"/>
   </p:sldLayoutIdLst>
+  <p:hf hdr="0" ftr="0" dt="0"/>
   <p:txStyles>
     <p:titleStyle>
       <a:lvl1pPr algn="ctr" defTabSz="914400" rtl="0" eaLnBrk="1" latinLnBrk="0" hangingPunct="1">
@@ -3087,7 +4658,7 @@
         </p:blipFill>
         <p:spPr>
           <a:xfrm>
-            <a:off x="-1" y="457200"/>
+            <a:off x="8263" y="457200"/>
             <a:ext cx="9592937" cy="6096000"/>
           </a:xfrm>
           <a:prstGeom prst="rect">
@@ -3095,6 +4666,36 @@
           </a:prstGeom>
         </p:spPr>
       </p:pic>
+      <p:sp>
+        <p:nvSpPr>
+          <p:cNvPr id="2" name="Slide Number Placeholder 1">
+            <a:extLst>
+              <a:ext uri="{FF2B5EF4-FFF2-40B4-BE49-F238E27FC236}">
+                <a16:creationId xmlns:a16="http://schemas.microsoft.com/office/drawing/2014/main" id="{9BB1734D-FA8C-A0BF-4849-4B236C141A8F}"/>
+              </a:ext>
+            </a:extLst>
+          </p:cNvPr>
+          <p:cNvSpPr>
+            <a:spLocks noGrp="1"/>
+          </p:cNvSpPr>
+          <p:nvPr>
+            <p:ph type="sldNum" sz="quarter" idx="12"/>
+          </p:nvPr>
+        </p:nvSpPr>
+        <p:spPr/>
+        <p:txBody>
+          <a:bodyPr/>
+          <a:lstStyle/>
+          <a:p>
+            <a:fld id="{B6F15528-21DE-4FAA-801E-634DDDAF4B2B}" type="slidenum">
+              <a:rPr lang="en-US" smtClean="0"/>
+              <a:pPr/>
+              <a:t>1</a:t>
+            </a:fld>
+            <a:endParaRPr lang="en-US"/>
+          </a:p>
+        </p:txBody>
+      </p:sp>
     </p:spTree>
   </p:cSld>
   <p:clrMapOvr>
@@ -3104,6 +4705,441 @@
 </file>
 
 <file path=ppt/slides/slide10.xml><?xml version="1.0" encoding="utf-8"?>
+<p:sld xmlns:a="http://schemas.openxmlformats.org/drawingml/2006/main" xmlns:r="http://schemas.openxmlformats.org/officeDocument/2006/relationships" xmlns:p="http://schemas.openxmlformats.org/presentationml/2006/main">
+  <p:cSld>
+    <p:spTree>
+      <p:nvGrpSpPr>
+        <p:cNvPr id="1" name=""/>
+        <p:cNvGrpSpPr/>
+        <p:nvPr/>
+      </p:nvGrpSpPr>
+      <p:grpSpPr>
+        <a:xfrm>
+          <a:off x="0" y="0"/>
+          <a:ext cx="0" cy="0"/>
+          <a:chOff x="0" y="0"/>
+          <a:chExt cx="0" cy="0"/>
+        </a:xfrm>
+      </p:grpSpPr>
+      <p:sp>
+        <p:nvSpPr>
+          <p:cNvPr id="2" name="Title 1"/>
+          <p:cNvSpPr>
+            <a:spLocks noGrp="1"/>
+          </p:cNvSpPr>
+          <p:nvPr>
+            <p:ph type="title"/>
+          </p:nvPr>
+        </p:nvSpPr>
+        <p:spPr/>
+        <p:txBody>
+          <a:bodyPr/>
+          <a:lstStyle/>
+          <a:p>
+            <a:r>
+              <a:rPr lang="en-US" dirty="0" err="1"/>
+              <a:t>cin</a:t>
+            </a:r>
+            <a:r>
+              <a:rPr lang="en-US" dirty="0"/>
+              <a:t> , </a:t>
+            </a:r>
+            <a:r>
+              <a:rPr lang="en-US" dirty="0" err="1"/>
+              <a:t>cout</a:t>
+            </a:r>
+            <a:r>
+              <a:rPr lang="en-US" dirty="0"/>
+              <a:t> </a:t>
+            </a:r>
+            <a:r>
+              <a:rPr lang="th-TH" dirty="0"/>
+              <a:t>จะได้ </a:t>
+            </a:r>
+            <a:r>
+              <a:rPr lang="en-US" dirty="0"/>
+              <a:t>print object </a:t>
+            </a:r>
+            <a:r>
+              <a:rPr lang="th-TH" dirty="0"/>
+              <a:t>ได้</a:t>
+            </a:r>
+            <a:endParaRPr lang="en-US" dirty="0"/>
+          </a:p>
+        </p:txBody>
+      </p:sp>
+      <p:sp>
+        <p:nvSpPr>
+          <p:cNvPr id="3" name="Content Placeholder 2"/>
+          <p:cNvSpPr>
+            <a:spLocks noGrp="1"/>
+          </p:cNvSpPr>
+          <p:nvPr>
+            <p:ph idx="1"/>
+          </p:nvPr>
+        </p:nvSpPr>
+        <p:spPr/>
+        <p:txBody>
+          <a:bodyPr/>
+          <a:lstStyle/>
+          <a:p>
+            <a:endParaRPr lang="en-US" dirty="0"/>
+          </a:p>
+        </p:txBody>
+      </p:sp>
+      <p:pic>
+        <p:nvPicPr>
+          <p:cNvPr id="4098" name="Picture 2" descr="C:\Users\ajarntoe\Desktop\ScreenHunter_74 Nov. 27 02.11.jpg"/>
+          <p:cNvPicPr>
+            <a:picLocks noChangeAspect="1" noChangeArrowheads="1"/>
+          </p:cNvPicPr>
+          <p:nvPr/>
+        </p:nvPicPr>
+        <p:blipFill>
+          <a:blip r:embed="rId2" cstate="print"/>
+          <a:srcRect/>
+          <a:stretch>
+            <a:fillRect/>
+          </a:stretch>
+        </p:blipFill>
+        <p:spPr bwMode="auto">
+          <a:xfrm>
+            <a:off x="304800" y="1219200"/>
+            <a:ext cx="5641383" cy="5486400"/>
+          </a:xfrm>
+          <a:prstGeom prst="rect">
+            <a:avLst/>
+          </a:prstGeom>
+          <a:noFill/>
+        </p:spPr>
+      </p:pic>
+      <p:pic>
+        <p:nvPicPr>
+          <p:cNvPr id="4099" name="Picture 3" descr="C:\Users\ajarntoe\Desktop\ScreenHunter_75 Nov. 27 02.13.jpg"/>
+          <p:cNvPicPr>
+            <a:picLocks noChangeAspect="1" noChangeArrowheads="1"/>
+          </p:cNvPicPr>
+          <p:nvPr/>
+        </p:nvPicPr>
+        <p:blipFill>
+          <a:blip r:embed="rId3" cstate="print"/>
+          <a:srcRect/>
+          <a:stretch>
+            <a:fillRect/>
+          </a:stretch>
+        </p:blipFill>
+        <p:spPr bwMode="auto">
+          <a:xfrm>
+            <a:off x="4191000" y="1524000"/>
+            <a:ext cx="4800600" cy="2667000"/>
+          </a:xfrm>
+          <a:prstGeom prst="rect">
+            <a:avLst/>
+          </a:prstGeom>
+          <a:noFill/>
+          <a:ln>
+            <a:solidFill>
+              <a:schemeClr val="accent1">
+                <a:shade val="50000"/>
+              </a:schemeClr>
+            </a:solidFill>
+          </a:ln>
+        </p:spPr>
+      </p:pic>
+      <p:sp>
+        <p:nvSpPr>
+          <p:cNvPr id="6" name="Right Arrow 5"/>
+          <p:cNvSpPr/>
+          <p:nvPr/>
+        </p:nvSpPr>
+        <p:spPr>
+          <a:xfrm>
+            <a:off x="152400" y="4191000"/>
+            <a:ext cx="685800" cy="609600"/>
+          </a:xfrm>
+          <a:prstGeom prst="rightArrow">
+            <a:avLst/>
+          </a:prstGeom>
+        </p:spPr>
+        <p:style>
+          <a:lnRef idx="2">
+            <a:schemeClr val="accent1">
+              <a:shade val="50000"/>
+            </a:schemeClr>
+          </a:lnRef>
+          <a:fillRef idx="1">
+            <a:schemeClr val="accent1"/>
+          </a:fillRef>
+          <a:effectRef idx="0">
+            <a:schemeClr val="accent1"/>
+          </a:effectRef>
+          <a:fontRef idx="minor">
+            <a:schemeClr val="lt1"/>
+          </a:fontRef>
+        </p:style>
+        <p:txBody>
+          <a:bodyPr rtlCol="0" anchor="ctr"/>
+          <a:lstStyle/>
+          <a:p>
+            <a:pPr algn="ctr"/>
+            <a:endParaRPr lang="en-US"/>
+          </a:p>
+        </p:txBody>
+      </p:sp>
+      <p:sp>
+        <p:nvSpPr>
+          <p:cNvPr id="7" name="Right Arrow 6"/>
+          <p:cNvSpPr/>
+          <p:nvPr/>
+        </p:nvSpPr>
+        <p:spPr>
+          <a:xfrm>
+            <a:off x="152400" y="5410200"/>
+            <a:ext cx="685800" cy="609600"/>
+          </a:xfrm>
+          <a:prstGeom prst="rightArrow">
+            <a:avLst/>
+          </a:prstGeom>
+        </p:spPr>
+        <p:style>
+          <a:lnRef idx="2">
+            <a:schemeClr val="accent1">
+              <a:shade val="50000"/>
+            </a:schemeClr>
+          </a:lnRef>
+          <a:fillRef idx="1">
+            <a:schemeClr val="accent1"/>
+          </a:fillRef>
+          <a:effectRef idx="0">
+            <a:schemeClr val="accent1"/>
+          </a:effectRef>
+          <a:fontRef idx="minor">
+            <a:schemeClr val="lt1"/>
+          </a:fontRef>
+        </p:style>
+        <p:txBody>
+          <a:bodyPr rtlCol="0" anchor="ctr"/>
+          <a:lstStyle/>
+          <a:p>
+            <a:pPr algn="ctr"/>
+            <a:endParaRPr lang="en-US"/>
+          </a:p>
+        </p:txBody>
+      </p:sp>
+      <p:sp>
+        <p:nvSpPr>
+          <p:cNvPr id="4" name="Slide Number Placeholder 3">
+            <a:extLst>
+              <a:ext uri="{FF2B5EF4-FFF2-40B4-BE49-F238E27FC236}">
+                <a16:creationId xmlns:a16="http://schemas.microsoft.com/office/drawing/2014/main" id="{CE628E68-BAFD-B327-67E6-63A56410C809}"/>
+              </a:ext>
+            </a:extLst>
+          </p:cNvPr>
+          <p:cNvSpPr>
+            <a:spLocks noGrp="1"/>
+          </p:cNvSpPr>
+          <p:nvPr>
+            <p:ph type="sldNum" sz="quarter" idx="12"/>
+          </p:nvPr>
+        </p:nvSpPr>
+        <p:spPr/>
+        <p:txBody>
+          <a:bodyPr/>
+          <a:lstStyle/>
+          <a:p>
+            <a:fld id="{B6F15528-21DE-4FAA-801E-634DDDAF4B2B}" type="slidenum">
+              <a:rPr lang="en-US" smtClean="0"/>
+              <a:pPr/>
+              <a:t>10</a:t>
+            </a:fld>
+            <a:endParaRPr lang="en-US"/>
+          </a:p>
+        </p:txBody>
+      </p:sp>
+    </p:spTree>
+  </p:cSld>
+  <p:clrMapOvr>
+    <a:masterClrMapping/>
+  </p:clrMapOvr>
+</p:sld>
+</file>
+
+<file path=ppt/slides/slide11.xml><?xml version="1.0" encoding="utf-8"?>
+<p:sld xmlns:a="http://schemas.openxmlformats.org/drawingml/2006/main" xmlns:r="http://schemas.openxmlformats.org/officeDocument/2006/relationships" xmlns:p="http://schemas.openxmlformats.org/presentationml/2006/main">
+  <p:cSld>
+    <p:spTree>
+      <p:nvGrpSpPr>
+        <p:cNvPr id="1" name=""/>
+        <p:cNvGrpSpPr/>
+        <p:nvPr/>
+      </p:nvGrpSpPr>
+      <p:grpSpPr>
+        <a:xfrm>
+          <a:off x="0" y="0"/>
+          <a:ext cx="0" cy="0"/>
+          <a:chOff x="0" y="0"/>
+          <a:chExt cx="0" cy="0"/>
+        </a:xfrm>
+      </p:grpSpPr>
+      <p:sp>
+        <p:nvSpPr>
+          <p:cNvPr id="2" name="Title 1"/>
+          <p:cNvSpPr>
+            <a:spLocks noGrp="1"/>
+          </p:cNvSpPr>
+          <p:nvPr>
+            <p:ph type="title"/>
+          </p:nvPr>
+        </p:nvSpPr>
+        <p:spPr>
+          <a:xfrm>
+            <a:off x="228600" y="304800"/>
+            <a:ext cx="8458200" cy="1112838"/>
+          </a:xfrm>
+        </p:spPr>
+        <p:txBody>
+          <a:bodyPr>
+            <a:normAutofit fontScale="90000"/>
+          </a:bodyPr>
+          <a:lstStyle/>
+          <a:p>
+            <a:r>
+              <a:rPr lang="th-TH" dirty="0"/>
+              <a:t>การใช้ </a:t>
+            </a:r>
+            <a:r>
+              <a:rPr lang="en-US" dirty="0"/>
+              <a:t>friend </a:t>
+            </a:r>
+            <a:r>
+              <a:rPr lang="th-TH" dirty="0"/>
+              <a:t>ทำให้เห็น </a:t>
+            </a:r>
+            <a:r>
+              <a:rPr lang="en-US" dirty="0"/>
+              <a:t>field </a:t>
+            </a:r>
+            <a:r>
+              <a:rPr lang="th-TH" dirty="0"/>
+              <a:t>ทั้งหมด </a:t>
+            </a:r>
+            <a:r>
+              <a:rPr lang="en-US" dirty="0"/>
+              <a:t>private </a:t>
+            </a:r>
+            <a:r>
+              <a:rPr lang="th-TH" dirty="0"/>
+              <a:t>ก็เห็น</a:t>
+            </a:r>
+            <a:endParaRPr lang="en-US" dirty="0"/>
+          </a:p>
+        </p:txBody>
+      </p:sp>
+      <p:pic>
+        <p:nvPicPr>
+          <p:cNvPr id="5122" name="Picture 2" descr="C:\Users\ajarntoe\Desktop\ScreenHunter_76 Nov. 27 02.14.jpg"/>
+          <p:cNvPicPr>
+            <a:picLocks noChangeAspect="1" noChangeArrowheads="1"/>
+          </p:cNvPicPr>
+          <p:nvPr/>
+        </p:nvPicPr>
+        <p:blipFill>
+          <a:blip r:embed="rId2" cstate="print"/>
+          <a:srcRect/>
+          <a:stretch>
+            <a:fillRect/>
+          </a:stretch>
+        </p:blipFill>
+        <p:spPr bwMode="auto">
+          <a:xfrm>
+            <a:off x="228600" y="1219200"/>
+            <a:ext cx="8702794" cy="2209800"/>
+          </a:xfrm>
+          <a:prstGeom prst="rect">
+            <a:avLst/>
+          </a:prstGeom>
+          <a:noFill/>
+          <a:ln>
+            <a:solidFill>
+              <a:schemeClr val="accent1">
+                <a:shade val="50000"/>
+              </a:schemeClr>
+            </a:solidFill>
+          </a:ln>
+        </p:spPr>
+      </p:pic>
+      <p:pic>
+        <p:nvPicPr>
+          <p:cNvPr id="5123" name="Picture 3" descr="C:\Users\ajarntoe\Desktop\ScreenHunter_77 Nov. 27 02.16.jpg"/>
+          <p:cNvPicPr>
+            <a:picLocks noChangeAspect="1" noChangeArrowheads="1"/>
+          </p:cNvPicPr>
+          <p:nvPr/>
+        </p:nvPicPr>
+        <p:blipFill>
+          <a:blip r:embed="rId3" cstate="print"/>
+          <a:srcRect/>
+          <a:stretch>
+            <a:fillRect/>
+          </a:stretch>
+        </p:blipFill>
+        <p:spPr bwMode="auto">
+          <a:xfrm>
+            <a:off x="228600" y="3581400"/>
+            <a:ext cx="8560742" cy="2133600"/>
+          </a:xfrm>
+          <a:prstGeom prst="rect">
+            <a:avLst/>
+          </a:prstGeom>
+          <a:noFill/>
+          <a:ln>
+            <a:solidFill>
+              <a:schemeClr val="accent1">
+                <a:shade val="50000"/>
+              </a:schemeClr>
+            </a:solidFill>
+          </a:ln>
+        </p:spPr>
+      </p:pic>
+      <p:sp>
+        <p:nvSpPr>
+          <p:cNvPr id="3" name="Slide Number Placeholder 2">
+            <a:extLst>
+              <a:ext uri="{FF2B5EF4-FFF2-40B4-BE49-F238E27FC236}">
+                <a16:creationId xmlns:a16="http://schemas.microsoft.com/office/drawing/2014/main" id="{7CA6C2AF-739A-4911-A8AD-AC0ED9D687A4}"/>
+              </a:ext>
+            </a:extLst>
+          </p:cNvPr>
+          <p:cNvSpPr>
+            <a:spLocks noGrp="1"/>
+          </p:cNvSpPr>
+          <p:nvPr>
+            <p:ph type="sldNum" sz="quarter" idx="12"/>
+          </p:nvPr>
+        </p:nvSpPr>
+        <p:spPr/>
+        <p:txBody>
+          <a:bodyPr/>
+          <a:lstStyle/>
+          <a:p>
+            <a:fld id="{B6F15528-21DE-4FAA-801E-634DDDAF4B2B}" type="slidenum">
+              <a:rPr lang="en-US" smtClean="0"/>
+              <a:pPr/>
+              <a:t>11</a:t>
+            </a:fld>
+            <a:endParaRPr lang="en-US"/>
+          </a:p>
+        </p:txBody>
+      </p:sp>
+    </p:spTree>
+  </p:cSld>
+  <p:clrMapOvr>
+    <a:masterClrMapping/>
+  </p:clrMapOvr>
+</p:sld>
+</file>
+
+<file path=ppt/slides/slide12.xml><?xml version="1.0" encoding="utf-8"?>
 <p:sld xmlns:a="http://schemas.openxmlformats.org/drawingml/2006/main" xmlns:r="http://schemas.openxmlformats.org/officeDocument/2006/relationships" xmlns:p="http://schemas.openxmlformats.org/presentationml/2006/main">
   <p:cSld>
     <p:spTree>
@@ -3205,9 +5241,16 @@
             <p:ph type="title"/>
           </p:nvPr>
         </p:nvSpPr>
-        <p:spPr/>
-        <p:txBody>
-          <a:bodyPr/>
+        <p:spPr>
+          <a:xfrm>
+            <a:off x="2964781" y="-267570"/>
+            <a:ext cx="6735679" cy="1117651"/>
+          </a:xfrm>
+        </p:spPr>
+        <p:txBody>
+          <a:bodyPr>
+            <a:normAutofit/>
+          </a:bodyPr>
           <a:lstStyle/>
           <a:p>
             <a:r>
@@ -3216,24 +5259,29 @@
             </a:r>
             <a:r>
               <a:rPr lang="en-US" dirty="0"/>
-              <a:t> overload ++ </a:t>
-            </a:r>
-            <a:r>
-              <a:rPr lang="th-TH" dirty="0"/>
+              <a:t> </a:t>
+            </a:r>
+            <a:r>
+              <a:rPr lang="en-US" sz="3100" dirty="0"/>
+              <a:t>overload ++ </a:t>
+            </a:r>
+            <a:r>
+              <a:rPr lang="th-TH" sz="3100" dirty="0"/>
               <a:t>ทั้งแบบ </a:t>
             </a:r>
             <a:r>
-              <a:rPr lang="en-US" dirty="0"/>
+              <a:rPr lang="en-US" sz="3100" dirty="0"/>
               <a:t>prefix </a:t>
             </a:r>
             <a:r>
-              <a:rPr lang="th-TH" dirty="0"/>
+              <a:rPr lang="th-TH" sz="3100" dirty="0"/>
               <a:t>และ </a:t>
             </a:r>
             <a:r>
-              <a:rPr lang="en-US" dirty="0"/>
+              <a:rPr lang="en-US" sz="3100" dirty="0"/>
               <a:t>postfix</a:t>
             </a:r>
+            <a:endParaRPr lang="en-US" dirty="0"/>
           </a:p>
         </p:txBody>
       </p:sp>
@@ -3395,6 +5443,36 @@
           </a:p>
         </p:txBody>
       </p:sp>
+      <p:sp>
+        <p:nvSpPr>
+          <p:cNvPr id="8" name="Slide Number Placeholder 7">
+            <a:extLst>
+              <a:ext uri="{FF2B5EF4-FFF2-40B4-BE49-F238E27FC236}">
+                <a16:creationId xmlns:a16="http://schemas.microsoft.com/office/drawing/2014/main" id="{1C4942F4-D93E-2CF9-7079-9805D3668D3A}"/>
+              </a:ext>
+            </a:extLst>
+          </p:cNvPr>
+          <p:cNvSpPr>
+            <a:spLocks noGrp="1"/>
+          </p:cNvSpPr>
+          <p:nvPr>
+            <p:ph type="sldNum" sz="quarter" idx="12"/>
+          </p:nvPr>
+        </p:nvSpPr>
+        <p:spPr/>
+        <p:txBody>
+          <a:bodyPr/>
+          <a:lstStyle/>
+          <a:p>
+            <a:fld id="{B6F15528-21DE-4FAA-801E-634DDDAF4B2B}" type="slidenum">
+              <a:rPr lang="en-US" smtClean="0"/>
+              <a:pPr/>
+              <a:t>12</a:t>
+            </a:fld>
+            <a:endParaRPr lang="en-US"/>
+          </a:p>
+        </p:txBody>
+      </p:sp>
     </p:spTree>
   </p:cSld>
   <p:clrMapOvr>
@@ -3403,7 +5481,7 @@
 </p:sld>
 </file>
 
-<file path=ppt/slides/slide11.xml><?xml version="1.0" encoding="utf-8"?>
+<file path=ppt/slides/slide13.xml><?xml version="1.0" encoding="utf-8"?>
 <p:sld xmlns:a="http://schemas.openxmlformats.org/drawingml/2006/main" xmlns:r="http://schemas.openxmlformats.org/officeDocument/2006/relationships" xmlns:p="http://schemas.openxmlformats.org/presentationml/2006/main">
   <p:cSld>
     <p:spTree>
@@ -3487,6 +5565,36 @@
           <a:noFill/>
         </p:spPr>
       </p:pic>
+      <p:sp>
+        <p:nvSpPr>
+          <p:cNvPr id="4" name="Slide Number Placeholder 3">
+            <a:extLst>
+              <a:ext uri="{FF2B5EF4-FFF2-40B4-BE49-F238E27FC236}">
+                <a16:creationId xmlns:a16="http://schemas.microsoft.com/office/drawing/2014/main" id="{1623C0F6-C77E-0A09-3471-0E0211A4BF2A}"/>
+              </a:ext>
+            </a:extLst>
+          </p:cNvPr>
+          <p:cNvSpPr>
+            <a:spLocks noGrp="1"/>
+          </p:cNvSpPr>
+          <p:nvPr>
+            <p:ph type="sldNum" sz="quarter" idx="12"/>
+          </p:nvPr>
+        </p:nvSpPr>
+        <p:spPr/>
+        <p:txBody>
+          <a:bodyPr/>
+          <a:lstStyle/>
+          <a:p>
+            <a:fld id="{B6F15528-21DE-4FAA-801E-634DDDAF4B2B}" type="slidenum">
+              <a:rPr lang="en-US" smtClean="0"/>
+              <a:pPr/>
+              <a:t>13</a:t>
+            </a:fld>
+            <a:endParaRPr lang="en-US"/>
+          </a:p>
+        </p:txBody>
+      </p:sp>
     </p:spTree>
   </p:cSld>
   <p:clrMapOvr>
@@ -3495,7 +5603,7 @@
 </p:sld>
 </file>
 
-<file path=ppt/slides/slide12.xml><?xml version="1.0" encoding="utf-8"?>
+<file path=ppt/slides/slide14.xml><?xml version="1.0" encoding="utf-8"?>
 <p:sld xmlns:a="http://schemas.openxmlformats.org/drawingml/2006/main" xmlns:r="http://schemas.openxmlformats.org/officeDocument/2006/relationships" xmlns:p="http://schemas.openxmlformats.org/presentationml/2006/main">
   <p:cSld>
     <p:spTree>
@@ -3610,6 +5718,1404 @@
           </a:ln>
         </p:spPr>
       </p:pic>
+      <p:sp>
+        <p:nvSpPr>
+          <p:cNvPr id="4" name="Slide Number Placeholder 3">
+            <a:extLst>
+              <a:ext uri="{FF2B5EF4-FFF2-40B4-BE49-F238E27FC236}">
+                <a16:creationId xmlns:a16="http://schemas.microsoft.com/office/drawing/2014/main" id="{4CDC68B5-27FA-2575-054E-306062778774}"/>
+              </a:ext>
+            </a:extLst>
+          </p:cNvPr>
+          <p:cNvSpPr>
+            <a:spLocks noGrp="1"/>
+          </p:cNvSpPr>
+          <p:nvPr>
+            <p:ph type="sldNum" sz="quarter" idx="12"/>
+          </p:nvPr>
+        </p:nvSpPr>
+        <p:spPr/>
+        <p:txBody>
+          <a:bodyPr/>
+          <a:lstStyle/>
+          <a:p>
+            <a:fld id="{B6F15528-21DE-4FAA-801E-634DDDAF4B2B}" type="slidenum">
+              <a:rPr lang="en-US" smtClean="0"/>
+              <a:pPr/>
+              <a:t>14</a:t>
+            </a:fld>
+            <a:endParaRPr lang="en-US"/>
+          </a:p>
+        </p:txBody>
+      </p:sp>
+      <mc:AlternateContent xmlns:mc="http://schemas.openxmlformats.org/markup-compatibility/2006">
+        <mc:Choice xmlns:p14="http://schemas.microsoft.com/office/powerpoint/2010/main" Requires="p14">
+          <p:contentPart p14:bwMode="auto" r:id="rId4">
+            <p14:nvContentPartPr>
+              <p14:cNvPr id="5" name="Ink 4">
+                <a:extLst>
+                  <a:ext uri="{FF2B5EF4-FFF2-40B4-BE49-F238E27FC236}">
+                    <a16:creationId xmlns:a16="http://schemas.microsoft.com/office/drawing/2014/main" id="{19FC2862-FACE-AE9A-28C4-FB2BFD17AA30}"/>
+                  </a:ext>
+                </a:extLst>
+              </p14:cNvPr>
+              <p14:cNvContentPartPr/>
+              <p14:nvPr/>
+            </p14:nvContentPartPr>
+            <p14:xfrm>
+              <a:off x="-3429120" y="1554840"/>
+              <a:ext cx="360" cy="360"/>
+            </p14:xfrm>
+          </p:contentPart>
+        </mc:Choice>
+        <mc:Fallback>
+          <p:pic>
+            <p:nvPicPr>
+              <p:cNvPr id="5" name="Ink 4">
+                <a:extLst>
+                  <a:ext uri="{FF2B5EF4-FFF2-40B4-BE49-F238E27FC236}">
+                    <a16:creationId xmlns:a16="http://schemas.microsoft.com/office/drawing/2014/main" id="{19FC2862-FACE-AE9A-28C4-FB2BFD17AA30}"/>
+                  </a:ext>
+                </a:extLst>
+              </p:cNvPr>
+              <p:cNvPicPr/>
+              <p:nvPr/>
+            </p:nvPicPr>
+            <p:blipFill>
+              <a:blip r:embed="rId5"/>
+              <a:stretch>
+                <a:fillRect/>
+              </a:stretch>
+            </p:blipFill>
+            <p:spPr>
+              <a:xfrm>
+                <a:off x="-3437760" y="1545840"/>
+                <a:ext cx="18000" cy="18000"/>
+              </a:xfrm>
+              <a:prstGeom prst="rect">
+                <a:avLst/>
+              </a:prstGeom>
+            </p:spPr>
+          </p:pic>
+        </mc:Fallback>
+      </mc:AlternateContent>
+      <p:grpSp>
+        <p:nvGrpSpPr>
+          <p:cNvPr id="27" name="Group 26">
+            <a:extLst>
+              <a:ext uri="{FF2B5EF4-FFF2-40B4-BE49-F238E27FC236}">
+                <a16:creationId xmlns:a16="http://schemas.microsoft.com/office/drawing/2014/main" id="{1F2179D4-A2EC-46C1-D717-57C34DFFB817}"/>
+              </a:ext>
+            </a:extLst>
+          </p:cNvPr>
+          <p:cNvGrpSpPr/>
+          <p:nvPr/>
+        </p:nvGrpSpPr>
+        <p:grpSpPr>
+          <a:xfrm>
+            <a:off x="7769760" y="4389480"/>
+            <a:ext cx="308880" cy="217080"/>
+            <a:chOff x="7769760" y="4389480"/>
+            <a:chExt cx="308880" cy="217080"/>
+          </a:xfrm>
+        </p:grpSpPr>
+        <mc:AlternateContent xmlns:mc="http://schemas.openxmlformats.org/markup-compatibility/2006">
+          <mc:Choice xmlns:p14="http://schemas.microsoft.com/office/powerpoint/2010/main" Requires="p14">
+            <p:contentPart p14:bwMode="auto" r:id="rId6">
+              <p14:nvContentPartPr>
+                <p14:cNvPr id="19" name="Ink 18">
+                  <a:extLst>
+                    <a:ext uri="{FF2B5EF4-FFF2-40B4-BE49-F238E27FC236}">
+                      <a16:creationId xmlns:a16="http://schemas.microsoft.com/office/drawing/2014/main" id="{BDC70934-57D3-8990-4963-D4C0A2EF0B1E}"/>
+                    </a:ext>
+                  </a:extLst>
+                </p14:cNvPr>
+                <p14:cNvContentPartPr/>
+                <p14:nvPr/>
+              </p14:nvContentPartPr>
+              <p14:xfrm>
+                <a:off x="7769760" y="4439880"/>
+                <a:ext cx="147240" cy="112680"/>
+              </p14:xfrm>
+            </p:contentPart>
+          </mc:Choice>
+          <mc:Fallback>
+            <p:pic>
+              <p:nvPicPr>
+                <p:cNvPr id="19" name="Ink 18">
+                  <a:extLst>
+                    <a:ext uri="{FF2B5EF4-FFF2-40B4-BE49-F238E27FC236}">
+                      <a16:creationId xmlns:a16="http://schemas.microsoft.com/office/drawing/2014/main" id="{BDC70934-57D3-8990-4963-D4C0A2EF0B1E}"/>
+                    </a:ext>
+                  </a:extLst>
+                </p:cNvPr>
+                <p:cNvPicPr/>
+                <p:nvPr/>
+              </p:nvPicPr>
+              <p:blipFill>
+                <a:blip r:embed="rId7"/>
+                <a:stretch>
+                  <a:fillRect/>
+                </a:stretch>
+              </p:blipFill>
+              <p:spPr>
+                <a:xfrm>
+                  <a:off x="7760760" y="4430880"/>
+                  <a:ext cx="164880" cy="130320"/>
+                </a:xfrm>
+                <a:prstGeom prst="rect">
+                  <a:avLst/>
+                </a:prstGeom>
+              </p:spPr>
+            </p:pic>
+          </mc:Fallback>
+        </mc:AlternateContent>
+        <mc:AlternateContent xmlns:mc="http://schemas.openxmlformats.org/markup-compatibility/2006">
+          <mc:Choice xmlns:p14="http://schemas.microsoft.com/office/powerpoint/2010/main" Requires="p14">
+            <p:contentPart p14:bwMode="auto" r:id="rId8">
+              <p14:nvContentPartPr>
+                <p14:cNvPr id="20" name="Ink 19">
+                  <a:extLst>
+                    <a:ext uri="{FF2B5EF4-FFF2-40B4-BE49-F238E27FC236}">
+                      <a16:creationId xmlns:a16="http://schemas.microsoft.com/office/drawing/2014/main" id="{71E5E115-DC09-2C96-86D9-17A7D2552625}"/>
+                    </a:ext>
+                  </a:extLst>
+                </p14:cNvPr>
+                <p14:cNvContentPartPr/>
+                <p14:nvPr/>
+              </p14:nvContentPartPr>
+              <p14:xfrm>
+                <a:off x="7943640" y="4389480"/>
+                <a:ext cx="135000" cy="217080"/>
+              </p14:xfrm>
+            </p:contentPart>
+          </mc:Choice>
+          <mc:Fallback>
+            <p:pic>
+              <p:nvPicPr>
+                <p:cNvPr id="20" name="Ink 19">
+                  <a:extLst>
+                    <a:ext uri="{FF2B5EF4-FFF2-40B4-BE49-F238E27FC236}">
+                      <a16:creationId xmlns:a16="http://schemas.microsoft.com/office/drawing/2014/main" id="{71E5E115-DC09-2C96-86D9-17A7D2552625}"/>
+                    </a:ext>
+                  </a:extLst>
+                </p:cNvPr>
+                <p:cNvPicPr/>
+                <p:nvPr/>
+              </p:nvPicPr>
+              <p:blipFill>
+                <a:blip r:embed="rId9"/>
+                <a:stretch>
+                  <a:fillRect/>
+                </a:stretch>
+              </p:blipFill>
+              <p:spPr>
+                <a:xfrm>
+                  <a:off x="7935000" y="4380840"/>
+                  <a:ext cx="152640" cy="234720"/>
+                </a:xfrm>
+                <a:prstGeom prst="rect">
+                  <a:avLst/>
+                </a:prstGeom>
+              </p:spPr>
+            </p:pic>
+          </mc:Fallback>
+        </mc:AlternateContent>
+      </p:grpSp>
+      <p:grpSp>
+        <p:nvGrpSpPr>
+          <p:cNvPr id="35" name="Group 34">
+            <a:extLst>
+              <a:ext uri="{FF2B5EF4-FFF2-40B4-BE49-F238E27FC236}">
+                <a16:creationId xmlns:a16="http://schemas.microsoft.com/office/drawing/2014/main" id="{AB4DC4C0-5DDB-DFE8-2259-D80E84291F8A}"/>
+              </a:ext>
+            </a:extLst>
+          </p:cNvPr>
+          <p:cNvGrpSpPr/>
+          <p:nvPr/>
+        </p:nvGrpSpPr>
+        <p:grpSpPr>
+          <a:xfrm>
+            <a:off x="4511040" y="4023360"/>
+            <a:ext cx="2934000" cy="1311840"/>
+            <a:chOff x="4511040" y="4023360"/>
+            <a:chExt cx="2934000" cy="1311840"/>
+          </a:xfrm>
+        </p:grpSpPr>
+        <mc:AlternateContent xmlns:mc="http://schemas.openxmlformats.org/markup-compatibility/2006">
+          <mc:Choice xmlns:p14="http://schemas.microsoft.com/office/powerpoint/2010/main" Requires="p14">
+            <p:contentPart p14:bwMode="auto" r:id="rId10">
+              <p14:nvContentPartPr>
+                <p14:cNvPr id="6" name="Ink 5">
+                  <a:extLst>
+                    <a:ext uri="{FF2B5EF4-FFF2-40B4-BE49-F238E27FC236}">
+                      <a16:creationId xmlns:a16="http://schemas.microsoft.com/office/drawing/2014/main" id="{5BCE1F8F-CDCA-F3DC-92E7-74ED913ED06C}"/>
+                    </a:ext>
+                  </a:extLst>
+                </p14:cNvPr>
+                <p14:cNvContentPartPr/>
+                <p14:nvPr/>
+              </p14:nvContentPartPr>
+              <p14:xfrm>
+                <a:off x="4511040" y="4404240"/>
+                <a:ext cx="559080" cy="265320"/>
+              </p14:xfrm>
+            </p:contentPart>
+          </mc:Choice>
+          <mc:Fallback>
+            <p:pic>
+              <p:nvPicPr>
+                <p:cNvPr id="6" name="Ink 5">
+                  <a:extLst>
+                    <a:ext uri="{FF2B5EF4-FFF2-40B4-BE49-F238E27FC236}">
+                      <a16:creationId xmlns:a16="http://schemas.microsoft.com/office/drawing/2014/main" id="{5BCE1F8F-CDCA-F3DC-92E7-74ED913ED06C}"/>
+                    </a:ext>
+                  </a:extLst>
+                </p:cNvPr>
+                <p:cNvPicPr/>
+                <p:nvPr/>
+              </p:nvPicPr>
+              <p:blipFill>
+                <a:blip r:embed="rId11"/>
+                <a:stretch>
+                  <a:fillRect/>
+                </a:stretch>
+              </p:blipFill>
+              <p:spPr>
+                <a:xfrm>
+                  <a:off x="4502400" y="4395240"/>
+                  <a:ext cx="576720" cy="282960"/>
+                </a:xfrm>
+                <a:prstGeom prst="rect">
+                  <a:avLst/>
+                </a:prstGeom>
+              </p:spPr>
+            </p:pic>
+          </mc:Fallback>
+        </mc:AlternateContent>
+        <mc:AlternateContent xmlns:mc="http://schemas.openxmlformats.org/markup-compatibility/2006">
+          <mc:Choice xmlns:p14="http://schemas.microsoft.com/office/powerpoint/2010/main" Requires="p14">
+            <p:contentPart p14:bwMode="auto" r:id="rId12">
+              <p14:nvContentPartPr>
+                <p14:cNvPr id="7" name="Ink 6">
+                  <a:extLst>
+                    <a:ext uri="{FF2B5EF4-FFF2-40B4-BE49-F238E27FC236}">
+                      <a16:creationId xmlns:a16="http://schemas.microsoft.com/office/drawing/2014/main" id="{3A11E2DF-1228-8ACC-0082-D76C17A72DAA}"/>
+                    </a:ext>
+                  </a:extLst>
+                </p14:cNvPr>
+                <p14:cNvContentPartPr/>
+                <p14:nvPr/>
+              </p14:nvContentPartPr>
+              <p14:xfrm>
+                <a:off x="5363880" y="4114080"/>
+                <a:ext cx="200880" cy="387720"/>
+              </p14:xfrm>
+            </p:contentPart>
+          </mc:Choice>
+          <mc:Fallback>
+            <p:pic>
+              <p:nvPicPr>
+                <p:cNvPr id="7" name="Ink 6">
+                  <a:extLst>
+                    <a:ext uri="{FF2B5EF4-FFF2-40B4-BE49-F238E27FC236}">
+                      <a16:creationId xmlns:a16="http://schemas.microsoft.com/office/drawing/2014/main" id="{3A11E2DF-1228-8ACC-0082-D76C17A72DAA}"/>
+                    </a:ext>
+                  </a:extLst>
+                </p:cNvPr>
+                <p:cNvPicPr/>
+                <p:nvPr/>
+              </p:nvPicPr>
+              <p:blipFill>
+                <a:blip r:embed="rId13"/>
+                <a:stretch>
+                  <a:fillRect/>
+                </a:stretch>
+              </p:blipFill>
+              <p:spPr>
+                <a:xfrm>
+                  <a:off x="5354880" y="4105080"/>
+                  <a:ext cx="218520" cy="405360"/>
+                </a:xfrm>
+                <a:prstGeom prst="rect">
+                  <a:avLst/>
+                </a:prstGeom>
+              </p:spPr>
+            </p:pic>
+          </mc:Fallback>
+        </mc:AlternateContent>
+        <mc:AlternateContent xmlns:mc="http://schemas.openxmlformats.org/markup-compatibility/2006">
+          <mc:Choice xmlns:p14="http://schemas.microsoft.com/office/powerpoint/2010/main" Requires="p14">
+            <p:contentPart p14:bwMode="auto" r:id="rId14">
+              <p14:nvContentPartPr>
+                <p14:cNvPr id="8" name="Ink 7">
+                  <a:extLst>
+                    <a:ext uri="{FF2B5EF4-FFF2-40B4-BE49-F238E27FC236}">
+                      <a16:creationId xmlns:a16="http://schemas.microsoft.com/office/drawing/2014/main" id="{9BF9872D-AFC5-1207-347D-8E1E0EAC2738}"/>
+                    </a:ext>
+                  </a:extLst>
+                </p14:cNvPr>
+                <p14:cNvContentPartPr/>
+                <p14:nvPr/>
+              </p14:nvContentPartPr>
+              <p14:xfrm>
+                <a:off x="5635320" y="4287600"/>
+                <a:ext cx="77760" cy="225000"/>
+              </p14:xfrm>
+            </p:contentPart>
+          </mc:Choice>
+          <mc:Fallback>
+            <p:pic>
+              <p:nvPicPr>
+                <p:cNvPr id="8" name="Ink 7">
+                  <a:extLst>
+                    <a:ext uri="{FF2B5EF4-FFF2-40B4-BE49-F238E27FC236}">
+                      <a16:creationId xmlns:a16="http://schemas.microsoft.com/office/drawing/2014/main" id="{9BF9872D-AFC5-1207-347D-8E1E0EAC2738}"/>
+                    </a:ext>
+                  </a:extLst>
+                </p:cNvPr>
+                <p:cNvPicPr/>
+                <p:nvPr/>
+              </p:nvPicPr>
+              <p:blipFill>
+                <a:blip r:embed="rId15"/>
+                <a:stretch>
+                  <a:fillRect/>
+                </a:stretch>
+              </p:blipFill>
+              <p:spPr>
+                <a:xfrm>
+                  <a:off x="5626680" y="4278600"/>
+                  <a:ext cx="95400" cy="242640"/>
+                </a:xfrm>
+                <a:prstGeom prst="rect">
+                  <a:avLst/>
+                </a:prstGeom>
+              </p:spPr>
+            </p:pic>
+          </mc:Fallback>
+        </mc:AlternateContent>
+        <mc:AlternateContent xmlns:mc="http://schemas.openxmlformats.org/markup-compatibility/2006">
+          <mc:Choice xmlns:p14="http://schemas.microsoft.com/office/powerpoint/2010/main" Requires="p14">
+            <p:contentPart p14:bwMode="auto" r:id="rId16">
+              <p14:nvContentPartPr>
+                <p14:cNvPr id="10" name="Ink 9">
+                  <a:extLst>
+                    <a:ext uri="{FF2B5EF4-FFF2-40B4-BE49-F238E27FC236}">
+                      <a16:creationId xmlns:a16="http://schemas.microsoft.com/office/drawing/2014/main" id="{B1C435DC-CCCC-2B8C-D7BE-AD3E42C91A22}"/>
+                    </a:ext>
+                  </a:extLst>
+                </p14:cNvPr>
+                <p14:cNvContentPartPr/>
+                <p14:nvPr/>
+              </p14:nvContentPartPr>
+              <p14:xfrm>
+                <a:off x="5699040" y="4299480"/>
+                <a:ext cx="110160" cy="222840"/>
+              </p14:xfrm>
+            </p:contentPart>
+          </mc:Choice>
+          <mc:Fallback>
+            <p:pic>
+              <p:nvPicPr>
+                <p:cNvPr id="10" name="Ink 9">
+                  <a:extLst>
+                    <a:ext uri="{FF2B5EF4-FFF2-40B4-BE49-F238E27FC236}">
+                      <a16:creationId xmlns:a16="http://schemas.microsoft.com/office/drawing/2014/main" id="{B1C435DC-CCCC-2B8C-D7BE-AD3E42C91A22}"/>
+                    </a:ext>
+                  </a:extLst>
+                </p:cNvPr>
+                <p:cNvPicPr/>
+                <p:nvPr/>
+              </p:nvPicPr>
+              <p:blipFill>
+                <a:blip r:embed="rId17"/>
+                <a:stretch>
+                  <a:fillRect/>
+                </a:stretch>
+              </p:blipFill>
+              <p:spPr>
+                <a:xfrm>
+                  <a:off x="5690400" y="4290480"/>
+                  <a:ext cx="127800" cy="240480"/>
+                </a:xfrm>
+                <a:prstGeom prst="rect">
+                  <a:avLst/>
+                </a:prstGeom>
+              </p:spPr>
+            </p:pic>
+          </mc:Fallback>
+        </mc:AlternateContent>
+        <mc:AlternateContent xmlns:mc="http://schemas.openxmlformats.org/markup-compatibility/2006">
+          <mc:Choice xmlns:p14="http://schemas.microsoft.com/office/powerpoint/2010/main" Requires="p14">
+            <p:contentPart p14:bwMode="auto" r:id="rId18">
+              <p14:nvContentPartPr>
+                <p14:cNvPr id="11" name="Ink 10">
+                  <a:extLst>
+                    <a:ext uri="{FF2B5EF4-FFF2-40B4-BE49-F238E27FC236}">
+                      <a16:creationId xmlns:a16="http://schemas.microsoft.com/office/drawing/2014/main" id="{115DACFF-6732-7837-9C3B-95FE963D8EEE}"/>
+                    </a:ext>
+                  </a:extLst>
+                </p14:cNvPr>
+                <p14:cNvContentPartPr/>
+                <p14:nvPr/>
+              </p14:nvContentPartPr>
+              <p14:xfrm>
+                <a:off x="6092880" y="4339800"/>
+                <a:ext cx="234720" cy="184680"/>
+              </p14:xfrm>
+            </p:contentPart>
+          </mc:Choice>
+          <mc:Fallback>
+            <p:pic>
+              <p:nvPicPr>
+                <p:cNvPr id="11" name="Ink 10">
+                  <a:extLst>
+                    <a:ext uri="{FF2B5EF4-FFF2-40B4-BE49-F238E27FC236}">
+                      <a16:creationId xmlns:a16="http://schemas.microsoft.com/office/drawing/2014/main" id="{115DACFF-6732-7837-9C3B-95FE963D8EEE}"/>
+                    </a:ext>
+                  </a:extLst>
+                </p:cNvPr>
+                <p:cNvPicPr/>
+                <p:nvPr/>
+              </p:nvPicPr>
+              <p:blipFill>
+                <a:blip r:embed="rId19"/>
+                <a:stretch>
+                  <a:fillRect/>
+                </a:stretch>
+              </p:blipFill>
+              <p:spPr>
+                <a:xfrm>
+                  <a:off x="6083880" y="4330800"/>
+                  <a:ext cx="252360" cy="202320"/>
+                </a:xfrm>
+                <a:prstGeom prst="rect">
+                  <a:avLst/>
+                </a:prstGeom>
+              </p:spPr>
+            </p:pic>
+          </mc:Fallback>
+        </mc:AlternateContent>
+        <mc:AlternateContent xmlns:mc="http://schemas.openxmlformats.org/markup-compatibility/2006">
+          <mc:Choice xmlns:p14="http://schemas.microsoft.com/office/powerpoint/2010/main" Requires="p14">
+            <p:contentPart p14:bwMode="auto" r:id="rId20">
+              <p14:nvContentPartPr>
+                <p14:cNvPr id="12" name="Ink 11">
+                  <a:extLst>
+                    <a:ext uri="{FF2B5EF4-FFF2-40B4-BE49-F238E27FC236}">
+                      <a16:creationId xmlns:a16="http://schemas.microsoft.com/office/drawing/2014/main" id="{81270215-3B93-9016-2890-FA9580CD34DB}"/>
+                    </a:ext>
+                  </a:extLst>
+                </p14:cNvPr>
+                <p14:cNvContentPartPr/>
+                <p14:nvPr/>
+              </p14:nvContentPartPr>
+              <p14:xfrm>
+                <a:off x="6385200" y="4023360"/>
+                <a:ext cx="216720" cy="573120"/>
+              </p14:xfrm>
+            </p:contentPart>
+          </mc:Choice>
+          <mc:Fallback>
+            <p:pic>
+              <p:nvPicPr>
+                <p:cNvPr id="12" name="Ink 11">
+                  <a:extLst>
+                    <a:ext uri="{FF2B5EF4-FFF2-40B4-BE49-F238E27FC236}">
+                      <a16:creationId xmlns:a16="http://schemas.microsoft.com/office/drawing/2014/main" id="{81270215-3B93-9016-2890-FA9580CD34DB}"/>
+                    </a:ext>
+                  </a:extLst>
+                </p:cNvPr>
+                <p:cNvPicPr/>
+                <p:nvPr/>
+              </p:nvPicPr>
+              <p:blipFill>
+                <a:blip r:embed="rId21"/>
+                <a:stretch>
+                  <a:fillRect/>
+                </a:stretch>
+              </p:blipFill>
+              <p:spPr>
+                <a:xfrm>
+                  <a:off x="6376560" y="4014360"/>
+                  <a:ext cx="234360" cy="590760"/>
+                </a:xfrm>
+                <a:prstGeom prst="rect">
+                  <a:avLst/>
+                </a:prstGeom>
+              </p:spPr>
+            </p:pic>
+          </mc:Fallback>
+        </mc:AlternateContent>
+        <mc:AlternateContent xmlns:mc="http://schemas.openxmlformats.org/markup-compatibility/2006">
+          <mc:Choice xmlns:p14="http://schemas.microsoft.com/office/powerpoint/2010/main" Requires="p14">
+            <p:contentPart p14:bwMode="auto" r:id="rId22">
+              <p14:nvContentPartPr>
+                <p14:cNvPr id="13" name="Ink 12">
+                  <a:extLst>
+                    <a:ext uri="{FF2B5EF4-FFF2-40B4-BE49-F238E27FC236}">
+                      <a16:creationId xmlns:a16="http://schemas.microsoft.com/office/drawing/2014/main" id="{A50DED83-817F-2F8B-7693-BA9C35D4B852}"/>
+                    </a:ext>
+                  </a:extLst>
+                </p14:cNvPr>
+                <p14:cNvContentPartPr/>
+                <p14:nvPr/>
+              </p14:nvContentPartPr>
+              <p14:xfrm>
+                <a:off x="6610560" y="4388760"/>
+                <a:ext cx="217440" cy="567720"/>
+              </p14:xfrm>
+            </p:contentPart>
+          </mc:Choice>
+          <mc:Fallback>
+            <p:pic>
+              <p:nvPicPr>
+                <p:cNvPr id="13" name="Ink 12">
+                  <a:extLst>
+                    <a:ext uri="{FF2B5EF4-FFF2-40B4-BE49-F238E27FC236}">
+                      <a16:creationId xmlns:a16="http://schemas.microsoft.com/office/drawing/2014/main" id="{A50DED83-817F-2F8B-7693-BA9C35D4B852}"/>
+                    </a:ext>
+                  </a:extLst>
+                </p:cNvPr>
+                <p:cNvPicPr/>
+                <p:nvPr/>
+              </p:nvPicPr>
+              <p:blipFill>
+                <a:blip r:embed="rId23"/>
+                <a:stretch>
+                  <a:fillRect/>
+                </a:stretch>
+              </p:blipFill>
+              <p:spPr>
+                <a:xfrm>
+                  <a:off x="6601560" y="4379760"/>
+                  <a:ext cx="235080" cy="585360"/>
+                </a:xfrm>
+                <a:prstGeom prst="rect">
+                  <a:avLst/>
+                </a:prstGeom>
+              </p:spPr>
+            </p:pic>
+          </mc:Fallback>
+        </mc:AlternateContent>
+        <mc:AlternateContent xmlns:mc="http://schemas.openxmlformats.org/markup-compatibility/2006">
+          <mc:Choice xmlns:p14="http://schemas.microsoft.com/office/powerpoint/2010/main" Requires="p14">
+            <p:contentPart p14:bwMode="auto" r:id="rId24">
+              <p14:nvContentPartPr>
+                <p14:cNvPr id="14" name="Ink 13">
+                  <a:extLst>
+                    <a:ext uri="{FF2B5EF4-FFF2-40B4-BE49-F238E27FC236}">
+                      <a16:creationId xmlns:a16="http://schemas.microsoft.com/office/drawing/2014/main" id="{0D595542-DE1D-B1A0-BB60-6D3BE5A5085E}"/>
+                    </a:ext>
+                  </a:extLst>
+                </p14:cNvPr>
+                <p14:cNvContentPartPr/>
+                <p14:nvPr/>
+              </p14:nvContentPartPr>
+              <p14:xfrm>
+                <a:off x="6796320" y="4252320"/>
+                <a:ext cx="16200" cy="12240"/>
+              </p14:xfrm>
+            </p:contentPart>
+          </mc:Choice>
+          <mc:Fallback>
+            <p:pic>
+              <p:nvPicPr>
+                <p:cNvPr id="14" name="Ink 13">
+                  <a:extLst>
+                    <a:ext uri="{FF2B5EF4-FFF2-40B4-BE49-F238E27FC236}">
+                      <a16:creationId xmlns:a16="http://schemas.microsoft.com/office/drawing/2014/main" id="{0D595542-DE1D-B1A0-BB60-6D3BE5A5085E}"/>
+                    </a:ext>
+                  </a:extLst>
+                </p:cNvPr>
+                <p:cNvPicPr/>
+                <p:nvPr/>
+              </p:nvPicPr>
+              <p:blipFill>
+                <a:blip r:embed="rId25"/>
+                <a:stretch>
+                  <a:fillRect/>
+                </a:stretch>
+              </p:blipFill>
+              <p:spPr>
+                <a:xfrm>
+                  <a:off x="6787680" y="4243320"/>
+                  <a:ext cx="33840" cy="29880"/>
+                </a:xfrm>
+                <a:prstGeom prst="rect">
+                  <a:avLst/>
+                </a:prstGeom>
+              </p:spPr>
+            </p:pic>
+          </mc:Fallback>
+        </mc:AlternateContent>
+        <mc:AlternateContent xmlns:mc="http://schemas.openxmlformats.org/markup-compatibility/2006">
+          <mc:Choice xmlns:p14="http://schemas.microsoft.com/office/powerpoint/2010/main" Requires="p14">
+            <p:contentPart p14:bwMode="auto" r:id="rId26">
+              <p14:nvContentPartPr>
+                <p14:cNvPr id="15" name="Ink 14">
+                  <a:extLst>
+                    <a:ext uri="{FF2B5EF4-FFF2-40B4-BE49-F238E27FC236}">
+                      <a16:creationId xmlns:a16="http://schemas.microsoft.com/office/drawing/2014/main" id="{510203AA-A684-AE8A-8DE7-5085E6FD7766}"/>
+                    </a:ext>
+                  </a:extLst>
+                </p14:cNvPr>
+                <p14:cNvContentPartPr/>
+                <p14:nvPr/>
+              </p14:nvContentPartPr>
+              <p14:xfrm>
+                <a:off x="6979560" y="4434840"/>
+                <a:ext cx="166680" cy="171720"/>
+              </p14:xfrm>
+            </p:contentPart>
+          </mc:Choice>
+          <mc:Fallback>
+            <p:pic>
+              <p:nvPicPr>
+                <p:cNvPr id="15" name="Ink 14">
+                  <a:extLst>
+                    <a:ext uri="{FF2B5EF4-FFF2-40B4-BE49-F238E27FC236}">
+                      <a16:creationId xmlns:a16="http://schemas.microsoft.com/office/drawing/2014/main" id="{510203AA-A684-AE8A-8DE7-5085E6FD7766}"/>
+                    </a:ext>
+                  </a:extLst>
+                </p:cNvPr>
+                <p:cNvPicPr/>
+                <p:nvPr/>
+              </p:nvPicPr>
+              <p:blipFill>
+                <a:blip r:embed="rId27"/>
+                <a:stretch>
+                  <a:fillRect/>
+                </a:stretch>
+              </p:blipFill>
+              <p:spPr>
+                <a:xfrm>
+                  <a:off x="6970920" y="4426200"/>
+                  <a:ext cx="184320" cy="189360"/>
+                </a:xfrm>
+                <a:prstGeom prst="rect">
+                  <a:avLst/>
+                </a:prstGeom>
+              </p:spPr>
+            </p:pic>
+          </mc:Fallback>
+        </mc:AlternateContent>
+        <mc:AlternateContent xmlns:mc="http://schemas.openxmlformats.org/markup-compatibility/2006">
+          <mc:Choice xmlns:p14="http://schemas.microsoft.com/office/powerpoint/2010/main" Requires="p14">
+            <p:contentPart p14:bwMode="auto" r:id="rId28">
+              <p14:nvContentPartPr>
+                <p14:cNvPr id="16" name="Ink 15">
+                  <a:extLst>
+                    <a:ext uri="{FF2B5EF4-FFF2-40B4-BE49-F238E27FC236}">
+                      <a16:creationId xmlns:a16="http://schemas.microsoft.com/office/drawing/2014/main" id="{92459958-466E-F503-13F2-13C286C559C2}"/>
+                    </a:ext>
+                  </a:extLst>
+                </p14:cNvPr>
+                <p14:cNvContentPartPr/>
+                <p14:nvPr/>
+              </p14:nvContentPartPr>
+              <p14:xfrm>
+                <a:off x="7160640" y="4473360"/>
+                <a:ext cx="126360" cy="218160"/>
+              </p14:xfrm>
+            </p:contentPart>
+          </mc:Choice>
+          <mc:Fallback>
+            <p:pic>
+              <p:nvPicPr>
+                <p:cNvPr id="16" name="Ink 15">
+                  <a:extLst>
+                    <a:ext uri="{FF2B5EF4-FFF2-40B4-BE49-F238E27FC236}">
+                      <a16:creationId xmlns:a16="http://schemas.microsoft.com/office/drawing/2014/main" id="{92459958-466E-F503-13F2-13C286C559C2}"/>
+                    </a:ext>
+                  </a:extLst>
+                </p:cNvPr>
+                <p:cNvPicPr/>
+                <p:nvPr/>
+              </p:nvPicPr>
+              <p:blipFill>
+                <a:blip r:embed="rId29"/>
+                <a:stretch>
+                  <a:fillRect/>
+                </a:stretch>
+              </p:blipFill>
+              <p:spPr>
+                <a:xfrm>
+                  <a:off x="7151640" y="4464360"/>
+                  <a:ext cx="144000" cy="235800"/>
+                </a:xfrm>
+                <a:prstGeom prst="rect">
+                  <a:avLst/>
+                </a:prstGeom>
+              </p:spPr>
+            </p:pic>
+          </mc:Fallback>
+        </mc:AlternateContent>
+        <mc:AlternateContent xmlns:mc="http://schemas.openxmlformats.org/markup-compatibility/2006">
+          <mc:Choice xmlns:p14="http://schemas.microsoft.com/office/powerpoint/2010/main" Requires="p14">
+            <p:contentPart p14:bwMode="auto" r:id="rId30">
+              <p14:nvContentPartPr>
+                <p14:cNvPr id="17" name="Ink 16">
+                  <a:extLst>
+                    <a:ext uri="{FF2B5EF4-FFF2-40B4-BE49-F238E27FC236}">
+                      <a16:creationId xmlns:a16="http://schemas.microsoft.com/office/drawing/2014/main" id="{A0F2DCE3-CF08-B43C-67F6-988394D90229}"/>
+                    </a:ext>
+                  </a:extLst>
+                </p14:cNvPr>
+                <p14:cNvContentPartPr/>
+                <p14:nvPr/>
+              </p14:nvContentPartPr>
+              <p14:xfrm>
+                <a:off x="7284480" y="4114800"/>
+                <a:ext cx="61920" cy="443880"/>
+              </p14:xfrm>
+            </p:contentPart>
+          </mc:Choice>
+          <mc:Fallback>
+            <p:pic>
+              <p:nvPicPr>
+                <p:cNvPr id="17" name="Ink 16">
+                  <a:extLst>
+                    <a:ext uri="{FF2B5EF4-FFF2-40B4-BE49-F238E27FC236}">
+                      <a16:creationId xmlns:a16="http://schemas.microsoft.com/office/drawing/2014/main" id="{A0F2DCE3-CF08-B43C-67F6-988394D90229}"/>
+                    </a:ext>
+                  </a:extLst>
+                </p:cNvPr>
+                <p:cNvPicPr/>
+                <p:nvPr/>
+              </p:nvPicPr>
+              <p:blipFill>
+                <a:blip r:embed="rId31"/>
+                <a:stretch>
+                  <a:fillRect/>
+                </a:stretch>
+              </p:blipFill>
+              <p:spPr>
+                <a:xfrm>
+                  <a:off x="7275840" y="4105800"/>
+                  <a:ext cx="79560" cy="461520"/>
+                </a:xfrm>
+                <a:prstGeom prst="rect">
+                  <a:avLst/>
+                </a:prstGeom>
+              </p:spPr>
+            </p:pic>
+          </mc:Fallback>
+        </mc:AlternateContent>
+        <mc:AlternateContent xmlns:mc="http://schemas.openxmlformats.org/markup-compatibility/2006">
+          <mc:Choice xmlns:p14="http://schemas.microsoft.com/office/powerpoint/2010/main" Requires="p14">
+            <p:contentPart p14:bwMode="auto" r:id="rId32">
+              <p14:nvContentPartPr>
+                <p14:cNvPr id="18" name="Ink 17">
+                  <a:extLst>
+                    <a:ext uri="{FF2B5EF4-FFF2-40B4-BE49-F238E27FC236}">
+                      <a16:creationId xmlns:a16="http://schemas.microsoft.com/office/drawing/2014/main" id="{15DC35FE-DD95-D4C8-D6B7-274FAF9D0015}"/>
+                    </a:ext>
+                  </a:extLst>
+                </p14:cNvPr>
+                <p14:cNvContentPartPr/>
+                <p14:nvPr/>
+              </p14:nvContentPartPr>
+              <p14:xfrm>
+                <a:off x="7177560" y="4306320"/>
+                <a:ext cx="267480" cy="6480"/>
+              </p14:xfrm>
+            </p:contentPart>
+          </mc:Choice>
+          <mc:Fallback>
+            <p:pic>
+              <p:nvPicPr>
+                <p:cNvPr id="18" name="Ink 17">
+                  <a:extLst>
+                    <a:ext uri="{FF2B5EF4-FFF2-40B4-BE49-F238E27FC236}">
+                      <a16:creationId xmlns:a16="http://schemas.microsoft.com/office/drawing/2014/main" id="{15DC35FE-DD95-D4C8-D6B7-274FAF9D0015}"/>
+                    </a:ext>
+                  </a:extLst>
+                </p:cNvPr>
+                <p:cNvPicPr/>
+                <p:nvPr/>
+              </p:nvPicPr>
+              <p:blipFill>
+                <a:blip r:embed="rId33"/>
+                <a:stretch>
+                  <a:fillRect/>
+                </a:stretch>
+              </p:blipFill>
+              <p:spPr>
+                <a:xfrm>
+                  <a:off x="7168560" y="4297680"/>
+                  <a:ext cx="285120" cy="24120"/>
+                </a:xfrm>
+                <a:prstGeom prst="rect">
+                  <a:avLst/>
+                </a:prstGeom>
+              </p:spPr>
+            </p:pic>
+          </mc:Fallback>
+        </mc:AlternateContent>
+        <mc:AlternateContent xmlns:mc="http://schemas.openxmlformats.org/markup-compatibility/2006">
+          <mc:Choice xmlns:p14="http://schemas.microsoft.com/office/powerpoint/2010/main" Requires="p14">
+            <p:contentPart p14:bwMode="auto" r:id="rId34">
+              <p14:nvContentPartPr>
+                <p14:cNvPr id="21" name="Ink 20">
+                  <a:extLst>
+                    <a:ext uri="{FF2B5EF4-FFF2-40B4-BE49-F238E27FC236}">
+                      <a16:creationId xmlns:a16="http://schemas.microsoft.com/office/drawing/2014/main" id="{46C2A716-7044-682C-BB1C-A2FB364955F7}"/>
+                    </a:ext>
+                  </a:extLst>
+                </p14:cNvPr>
+                <p14:cNvContentPartPr/>
+                <p14:nvPr/>
+              </p14:nvContentPartPr>
+              <p14:xfrm>
+                <a:off x="5337600" y="4719240"/>
+                <a:ext cx="224280" cy="523440"/>
+              </p14:xfrm>
+            </p:contentPart>
+          </mc:Choice>
+          <mc:Fallback>
+            <p:pic>
+              <p:nvPicPr>
+                <p:cNvPr id="21" name="Ink 20">
+                  <a:extLst>
+                    <a:ext uri="{FF2B5EF4-FFF2-40B4-BE49-F238E27FC236}">
+                      <a16:creationId xmlns:a16="http://schemas.microsoft.com/office/drawing/2014/main" id="{46C2A716-7044-682C-BB1C-A2FB364955F7}"/>
+                    </a:ext>
+                  </a:extLst>
+                </p:cNvPr>
+                <p:cNvPicPr/>
+                <p:nvPr/>
+              </p:nvPicPr>
+              <p:blipFill>
+                <a:blip r:embed="rId35"/>
+                <a:stretch>
+                  <a:fillRect/>
+                </a:stretch>
+              </p:blipFill>
+              <p:spPr>
+                <a:xfrm>
+                  <a:off x="5328600" y="4710240"/>
+                  <a:ext cx="241920" cy="541080"/>
+                </a:xfrm>
+                <a:prstGeom prst="rect">
+                  <a:avLst/>
+                </a:prstGeom>
+              </p:spPr>
+            </p:pic>
+          </mc:Fallback>
+        </mc:AlternateContent>
+        <mc:AlternateContent xmlns:mc="http://schemas.openxmlformats.org/markup-compatibility/2006">
+          <mc:Choice xmlns:p14="http://schemas.microsoft.com/office/powerpoint/2010/main" Requires="p14">
+            <p:contentPart p14:bwMode="auto" r:id="rId36">
+              <p14:nvContentPartPr>
+                <p14:cNvPr id="22" name="Ink 21">
+                  <a:extLst>
+                    <a:ext uri="{FF2B5EF4-FFF2-40B4-BE49-F238E27FC236}">
+                      <a16:creationId xmlns:a16="http://schemas.microsoft.com/office/drawing/2014/main" id="{B99A23DB-78E3-5297-EE8E-EDD7DB352F50}"/>
+                    </a:ext>
+                  </a:extLst>
+                </p14:cNvPr>
+                <p14:cNvContentPartPr/>
+                <p14:nvPr/>
+              </p14:nvContentPartPr>
+              <p14:xfrm>
+                <a:off x="5166240" y="4968360"/>
+                <a:ext cx="259920" cy="360"/>
+              </p14:xfrm>
+            </p:contentPart>
+          </mc:Choice>
+          <mc:Fallback>
+            <p:pic>
+              <p:nvPicPr>
+                <p:cNvPr id="22" name="Ink 21">
+                  <a:extLst>
+                    <a:ext uri="{FF2B5EF4-FFF2-40B4-BE49-F238E27FC236}">
+                      <a16:creationId xmlns:a16="http://schemas.microsoft.com/office/drawing/2014/main" id="{B99A23DB-78E3-5297-EE8E-EDD7DB352F50}"/>
+                    </a:ext>
+                  </a:extLst>
+                </p:cNvPr>
+                <p:cNvPicPr/>
+                <p:nvPr/>
+              </p:nvPicPr>
+              <p:blipFill>
+                <a:blip r:embed="rId37"/>
+                <a:stretch>
+                  <a:fillRect/>
+                </a:stretch>
+              </p:blipFill>
+              <p:spPr>
+                <a:xfrm>
+                  <a:off x="5157240" y="4959720"/>
+                  <a:ext cx="277560" cy="18000"/>
+                </a:xfrm>
+                <a:prstGeom prst="rect">
+                  <a:avLst/>
+                </a:prstGeom>
+              </p:spPr>
+            </p:pic>
+          </mc:Fallback>
+        </mc:AlternateContent>
+        <mc:AlternateContent xmlns:mc="http://schemas.openxmlformats.org/markup-compatibility/2006">
+          <mc:Choice xmlns:p14="http://schemas.microsoft.com/office/powerpoint/2010/main" Requires="p14">
+            <p:contentPart p14:bwMode="auto" r:id="rId38">
+              <p14:nvContentPartPr>
+                <p14:cNvPr id="23" name="Ink 22">
+                  <a:extLst>
+                    <a:ext uri="{FF2B5EF4-FFF2-40B4-BE49-F238E27FC236}">
+                      <a16:creationId xmlns:a16="http://schemas.microsoft.com/office/drawing/2014/main" id="{07A1D8D5-925F-CE06-13C9-79725E01C1BC}"/>
+                    </a:ext>
+                  </a:extLst>
+                </p14:cNvPr>
+                <p14:cNvContentPartPr/>
+                <p14:nvPr/>
+              </p14:nvContentPartPr>
+              <p14:xfrm>
+                <a:off x="5499600" y="5044320"/>
+                <a:ext cx="151560" cy="213480"/>
+              </p14:xfrm>
+            </p:contentPart>
+          </mc:Choice>
+          <mc:Fallback>
+            <p:pic>
+              <p:nvPicPr>
+                <p:cNvPr id="23" name="Ink 22">
+                  <a:extLst>
+                    <a:ext uri="{FF2B5EF4-FFF2-40B4-BE49-F238E27FC236}">
+                      <a16:creationId xmlns:a16="http://schemas.microsoft.com/office/drawing/2014/main" id="{07A1D8D5-925F-CE06-13C9-79725E01C1BC}"/>
+                    </a:ext>
+                  </a:extLst>
+                </p:cNvPr>
+                <p:cNvPicPr/>
+                <p:nvPr/>
+              </p:nvPicPr>
+              <p:blipFill>
+                <a:blip r:embed="rId39"/>
+                <a:stretch>
+                  <a:fillRect/>
+                </a:stretch>
+              </p:blipFill>
+              <p:spPr>
+                <a:xfrm>
+                  <a:off x="5490960" y="5035680"/>
+                  <a:ext cx="169200" cy="231120"/>
+                </a:xfrm>
+                <a:prstGeom prst="rect">
+                  <a:avLst/>
+                </a:prstGeom>
+              </p:spPr>
+            </p:pic>
+          </mc:Fallback>
+        </mc:AlternateContent>
+        <mc:AlternateContent xmlns:mc="http://schemas.openxmlformats.org/markup-compatibility/2006">
+          <mc:Choice xmlns:p14="http://schemas.microsoft.com/office/powerpoint/2010/main" Requires="p14">
+            <p:contentPart p14:bwMode="auto" r:id="rId40">
+              <p14:nvContentPartPr>
+                <p14:cNvPr id="24" name="Ink 23">
+                  <a:extLst>
+                    <a:ext uri="{FF2B5EF4-FFF2-40B4-BE49-F238E27FC236}">
+                      <a16:creationId xmlns:a16="http://schemas.microsoft.com/office/drawing/2014/main" id="{CBA40234-E08F-0435-8F2E-C1DFCD6F61F1}"/>
+                    </a:ext>
+                  </a:extLst>
+                </p14:cNvPr>
+                <p14:cNvContentPartPr/>
+                <p14:nvPr/>
+              </p14:nvContentPartPr>
+              <p14:xfrm>
+                <a:off x="5684640" y="5044320"/>
+                <a:ext cx="120600" cy="233280"/>
+              </p14:xfrm>
+            </p:contentPart>
+          </mc:Choice>
+          <mc:Fallback>
+            <p:pic>
+              <p:nvPicPr>
+                <p:cNvPr id="24" name="Ink 23">
+                  <a:extLst>
+                    <a:ext uri="{FF2B5EF4-FFF2-40B4-BE49-F238E27FC236}">
+                      <a16:creationId xmlns:a16="http://schemas.microsoft.com/office/drawing/2014/main" id="{CBA40234-E08F-0435-8F2E-C1DFCD6F61F1}"/>
+                    </a:ext>
+                  </a:extLst>
+                </p:cNvPr>
+                <p:cNvPicPr/>
+                <p:nvPr/>
+              </p:nvPicPr>
+              <p:blipFill>
+                <a:blip r:embed="rId41"/>
+                <a:stretch>
+                  <a:fillRect/>
+                </a:stretch>
+              </p:blipFill>
+              <p:spPr>
+                <a:xfrm>
+                  <a:off x="5675640" y="5035680"/>
+                  <a:ext cx="138240" cy="250920"/>
+                </a:xfrm>
+                <a:prstGeom prst="rect">
+                  <a:avLst/>
+                </a:prstGeom>
+              </p:spPr>
+            </p:pic>
+          </mc:Fallback>
+        </mc:AlternateContent>
+        <mc:AlternateContent xmlns:mc="http://schemas.openxmlformats.org/markup-compatibility/2006">
+          <mc:Choice xmlns:p14="http://schemas.microsoft.com/office/powerpoint/2010/main" Requires="p14">
+            <p:contentPart p14:bwMode="auto" r:id="rId42">
+              <p14:nvContentPartPr>
+                <p14:cNvPr id="25" name="Ink 24">
+                  <a:extLst>
+                    <a:ext uri="{FF2B5EF4-FFF2-40B4-BE49-F238E27FC236}">
+                      <a16:creationId xmlns:a16="http://schemas.microsoft.com/office/drawing/2014/main" id="{3581F752-91EC-59E5-3E78-722E95E3CE7E}"/>
+                    </a:ext>
+                  </a:extLst>
+                </p14:cNvPr>
+                <p14:cNvContentPartPr/>
+                <p14:nvPr/>
+              </p14:nvContentPartPr>
+              <p14:xfrm>
+                <a:off x="5865360" y="5091120"/>
+                <a:ext cx="139320" cy="168840"/>
+              </p14:xfrm>
+            </p:contentPart>
+          </mc:Choice>
+          <mc:Fallback>
+            <p:pic>
+              <p:nvPicPr>
+                <p:cNvPr id="25" name="Ink 24">
+                  <a:extLst>
+                    <a:ext uri="{FF2B5EF4-FFF2-40B4-BE49-F238E27FC236}">
+                      <a16:creationId xmlns:a16="http://schemas.microsoft.com/office/drawing/2014/main" id="{3581F752-91EC-59E5-3E78-722E95E3CE7E}"/>
+                    </a:ext>
+                  </a:extLst>
+                </p:cNvPr>
+                <p:cNvPicPr/>
+                <p:nvPr/>
+              </p:nvPicPr>
+              <p:blipFill>
+                <a:blip r:embed="rId43"/>
+                <a:stretch>
+                  <a:fillRect/>
+                </a:stretch>
+              </p:blipFill>
+              <p:spPr>
+                <a:xfrm>
+                  <a:off x="5856360" y="5082480"/>
+                  <a:ext cx="156960" cy="186480"/>
+                </a:xfrm>
+                <a:prstGeom prst="rect">
+                  <a:avLst/>
+                </a:prstGeom>
+              </p:spPr>
+            </p:pic>
+          </mc:Fallback>
+        </mc:AlternateContent>
+        <mc:AlternateContent xmlns:mc="http://schemas.openxmlformats.org/markup-compatibility/2006">
+          <mc:Choice xmlns:p14="http://schemas.microsoft.com/office/powerpoint/2010/main" Requires="p14">
+            <p:contentPart p14:bwMode="auto" r:id="rId44">
+              <p14:nvContentPartPr>
+                <p14:cNvPr id="29" name="Ink 28">
+                  <a:extLst>
+                    <a:ext uri="{FF2B5EF4-FFF2-40B4-BE49-F238E27FC236}">
+                      <a16:creationId xmlns:a16="http://schemas.microsoft.com/office/drawing/2014/main" id="{2DFAB6C1-6252-CB41-4F38-8A0E9F2BFA89}"/>
+                    </a:ext>
+                  </a:extLst>
+                </p14:cNvPr>
+                <p14:cNvContentPartPr/>
+                <p14:nvPr/>
+              </p14:nvContentPartPr>
+              <p14:xfrm>
+                <a:off x="6072720" y="4723920"/>
+                <a:ext cx="24120" cy="433800"/>
+              </p14:xfrm>
+            </p:contentPart>
+          </mc:Choice>
+          <mc:Fallback>
+            <p:pic>
+              <p:nvPicPr>
+                <p:cNvPr id="29" name="Ink 28">
+                  <a:extLst>
+                    <a:ext uri="{FF2B5EF4-FFF2-40B4-BE49-F238E27FC236}">
+                      <a16:creationId xmlns:a16="http://schemas.microsoft.com/office/drawing/2014/main" id="{2DFAB6C1-6252-CB41-4F38-8A0E9F2BFA89}"/>
+                    </a:ext>
+                  </a:extLst>
+                </p:cNvPr>
+                <p:cNvPicPr/>
+                <p:nvPr/>
+              </p:nvPicPr>
+              <p:blipFill>
+                <a:blip r:embed="rId45"/>
+                <a:stretch>
+                  <a:fillRect/>
+                </a:stretch>
+              </p:blipFill>
+              <p:spPr>
+                <a:xfrm>
+                  <a:off x="6063720" y="4714920"/>
+                  <a:ext cx="41760" cy="451440"/>
+                </a:xfrm>
+                <a:prstGeom prst="rect">
+                  <a:avLst/>
+                </a:prstGeom>
+              </p:spPr>
+            </p:pic>
+          </mc:Fallback>
+        </mc:AlternateContent>
+        <mc:AlternateContent xmlns:mc="http://schemas.openxmlformats.org/markup-compatibility/2006">
+          <mc:Choice xmlns:p14="http://schemas.microsoft.com/office/powerpoint/2010/main" Requires="p14">
+            <p:contentPart p14:bwMode="auto" r:id="rId46">
+              <p14:nvContentPartPr>
+                <p14:cNvPr id="30" name="Ink 29">
+                  <a:extLst>
+                    <a:ext uri="{FF2B5EF4-FFF2-40B4-BE49-F238E27FC236}">
+                      <a16:creationId xmlns:a16="http://schemas.microsoft.com/office/drawing/2014/main" id="{E7AC2F7C-EEED-40F4-C189-B6192042675E}"/>
+                    </a:ext>
+                  </a:extLst>
+                </p14:cNvPr>
+                <p14:cNvContentPartPr/>
+                <p14:nvPr/>
+              </p14:nvContentPartPr>
+              <p14:xfrm>
+                <a:off x="5928000" y="4890960"/>
+                <a:ext cx="295560" cy="16560"/>
+              </p14:xfrm>
+            </p:contentPart>
+          </mc:Choice>
+          <mc:Fallback>
+            <p:pic>
+              <p:nvPicPr>
+                <p:cNvPr id="30" name="Ink 29">
+                  <a:extLst>
+                    <a:ext uri="{FF2B5EF4-FFF2-40B4-BE49-F238E27FC236}">
+                      <a16:creationId xmlns:a16="http://schemas.microsoft.com/office/drawing/2014/main" id="{E7AC2F7C-EEED-40F4-C189-B6192042675E}"/>
+                    </a:ext>
+                  </a:extLst>
+                </p:cNvPr>
+                <p:cNvPicPr/>
+                <p:nvPr/>
+              </p:nvPicPr>
+              <p:blipFill>
+                <a:blip r:embed="rId47"/>
+                <a:stretch>
+                  <a:fillRect/>
+                </a:stretch>
+              </p:blipFill>
+              <p:spPr>
+                <a:xfrm>
+                  <a:off x="5919360" y="4881960"/>
+                  <a:ext cx="313200" cy="34200"/>
+                </a:xfrm>
+                <a:prstGeom prst="rect">
+                  <a:avLst/>
+                </a:prstGeom>
+              </p:spPr>
+            </p:pic>
+          </mc:Fallback>
+        </mc:AlternateContent>
+        <mc:AlternateContent xmlns:mc="http://schemas.openxmlformats.org/markup-compatibility/2006">
+          <mc:Choice xmlns:p14="http://schemas.microsoft.com/office/powerpoint/2010/main" Requires="p14">
+            <p:contentPart p14:bwMode="auto" r:id="rId48">
+              <p14:nvContentPartPr>
+                <p14:cNvPr id="31" name="Ink 30">
+                  <a:extLst>
+                    <a:ext uri="{FF2B5EF4-FFF2-40B4-BE49-F238E27FC236}">
+                      <a16:creationId xmlns:a16="http://schemas.microsoft.com/office/drawing/2014/main" id="{E43F561B-042B-5BC7-4C47-3CC0AD36EF86}"/>
+                    </a:ext>
+                  </a:extLst>
+                </p14:cNvPr>
+                <p14:cNvContentPartPr/>
+                <p14:nvPr/>
+              </p14:nvContentPartPr>
+              <p14:xfrm>
+                <a:off x="6279000" y="5028840"/>
+                <a:ext cx="13680" cy="182880"/>
+              </p14:xfrm>
+            </p:contentPart>
+          </mc:Choice>
+          <mc:Fallback>
+            <p:pic>
+              <p:nvPicPr>
+                <p:cNvPr id="31" name="Ink 30">
+                  <a:extLst>
+                    <a:ext uri="{FF2B5EF4-FFF2-40B4-BE49-F238E27FC236}">
+                      <a16:creationId xmlns:a16="http://schemas.microsoft.com/office/drawing/2014/main" id="{E43F561B-042B-5BC7-4C47-3CC0AD36EF86}"/>
+                    </a:ext>
+                  </a:extLst>
+                </p:cNvPr>
+                <p:cNvPicPr/>
+                <p:nvPr/>
+              </p:nvPicPr>
+              <p:blipFill>
+                <a:blip r:embed="rId49"/>
+                <a:stretch>
+                  <a:fillRect/>
+                </a:stretch>
+              </p:blipFill>
+              <p:spPr>
+                <a:xfrm>
+                  <a:off x="6270000" y="5020200"/>
+                  <a:ext cx="31320" cy="200520"/>
+                </a:xfrm>
+                <a:prstGeom prst="rect">
+                  <a:avLst/>
+                </a:prstGeom>
+              </p:spPr>
+            </p:pic>
+          </mc:Fallback>
+        </mc:AlternateContent>
+        <mc:AlternateContent xmlns:mc="http://schemas.openxmlformats.org/markup-compatibility/2006">
+          <mc:Choice xmlns:p14="http://schemas.microsoft.com/office/powerpoint/2010/main" Requires="p14">
+            <p:contentPart p14:bwMode="auto" r:id="rId50">
+              <p14:nvContentPartPr>
+                <p14:cNvPr id="32" name="Ink 31">
+                  <a:extLst>
+                    <a:ext uri="{FF2B5EF4-FFF2-40B4-BE49-F238E27FC236}">
+                      <a16:creationId xmlns:a16="http://schemas.microsoft.com/office/drawing/2014/main" id="{D29B529E-D67A-5C4E-705F-7F9CC45974EA}"/>
+                    </a:ext>
+                  </a:extLst>
+                </p14:cNvPr>
+                <p14:cNvContentPartPr/>
+                <p14:nvPr/>
+              </p14:nvContentPartPr>
+              <p14:xfrm>
+                <a:off x="6293760" y="4876920"/>
+                <a:ext cx="25920" cy="62640"/>
+              </p14:xfrm>
+            </p:contentPart>
+          </mc:Choice>
+          <mc:Fallback>
+            <p:pic>
+              <p:nvPicPr>
+                <p:cNvPr id="32" name="Ink 31">
+                  <a:extLst>
+                    <a:ext uri="{FF2B5EF4-FFF2-40B4-BE49-F238E27FC236}">
+                      <a16:creationId xmlns:a16="http://schemas.microsoft.com/office/drawing/2014/main" id="{D29B529E-D67A-5C4E-705F-7F9CC45974EA}"/>
+                    </a:ext>
+                  </a:extLst>
+                </p:cNvPr>
+                <p:cNvPicPr/>
+                <p:nvPr/>
+              </p:nvPicPr>
+              <p:blipFill>
+                <a:blip r:embed="rId51"/>
+                <a:stretch>
+                  <a:fillRect/>
+                </a:stretch>
+              </p:blipFill>
+              <p:spPr>
+                <a:xfrm>
+                  <a:off x="6284760" y="4867920"/>
+                  <a:ext cx="43560" cy="80280"/>
+                </a:xfrm>
+                <a:prstGeom prst="rect">
+                  <a:avLst/>
+                </a:prstGeom>
+              </p:spPr>
+            </p:pic>
+          </mc:Fallback>
+        </mc:AlternateContent>
+        <mc:AlternateContent xmlns:mc="http://schemas.openxmlformats.org/markup-compatibility/2006">
+          <mc:Choice xmlns:p14="http://schemas.microsoft.com/office/powerpoint/2010/main" Requires="p14">
+            <p:contentPart p14:bwMode="auto" r:id="rId52">
+              <p14:nvContentPartPr>
+                <p14:cNvPr id="33" name="Ink 32">
+                  <a:extLst>
+                    <a:ext uri="{FF2B5EF4-FFF2-40B4-BE49-F238E27FC236}">
+                      <a16:creationId xmlns:a16="http://schemas.microsoft.com/office/drawing/2014/main" id="{8AF8FCA2-C058-FDE8-8C08-893BB39106E9}"/>
+                    </a:ext>
+                  </a:extLst>
+                </p14:cNvPr>
+                <p14:cNvContentPartPr/>
+                <p14:nvPr/>
+              </p14:nvContentPartPr>
+              <p14:xfrm>
+                <a:off x="6442440" y="4969440"/>
+                <a:ext cx="205560" cy="250920"/>
+              </p14:xfrm>
+            </p:contentPart>
+          </mc:Choice>
+          <mc:Fallback>
+            <p:pic>
+              <p:nvPicPr>
+                <p:cNvPr id="33" name="Ink 32">
+                  <a:extLst>
+                    <a:ext uri="{FF2B5EF4-FFF2-40B4-BE49-F238E27FC236}">
+                      <a16:creationId xmlns:a16="http://schemas.microsoft.com/office/drawing/2014/main" id="{8AF8FCA2-C058-FDE8-8C08-893BB39106E9}"/>
+                    </a:ext>
+                  </a:extLst>
+                </p:cNvPr>
+                <p:cNvPicPr/>
+                <p:nvPr/>
+              </p:nvPicPr>
+              <p:blipFill>
+                <a:blip r:embed="rId53"/>
+                <a:stretch>
+                  <a:fillRect/>
+                </a:stretch>
+              </p:blipFill>
+              <p:spPr>
+                <a:xfrm>
+                  <a:off x="6433800" y="4960800"/>
+                  <a:ext cx="223200" cy="268560"/>
+                </a:xfrm>
+                <a:prstGeom prst="rect">
+                  <a:avLst/>
+                </a:prstGeom>
+              </p:spPr>
+            </p:pic>
+          </mc:Fallback>
+        </mc:AlternateContent>
+        <mc:AlternateContent xmlns:mc="http://schemas.openxmlformats.org/markup-compatibility/2006">
+          <mc:Choice xmlns:p14="http://schemas.microsoft.com/office/powerpoint/2010/main" Requires="p14">
+            <p:contentPart p14:bwMode="auto" r:id="rId54">
+              <p14:nvContentPartPr>
+                <p14:cNvPr id="34" name="Ink 33">
+                  <a:extLst>
+                    <a:ext uri="{FF2B5EF4-FFF2-40B4-BE49-F238E27FC236}">
+                      <a16:creationId xmlns:a16="http://schemas.microsoft.com/office/drawing/2014/main" id="{DF1E52E2-5B47-D092-0DD1-8E2E7D91C012}"/>
+                    </a:ext>
+                  </a:extLst>
+                </p14:cNvPr>
+                <p14:cNvContentPartPr/>
+                <p14:nvPr/>
+              </p14:nvContentPartPr>
+              <p14:xfrm>
+                <a:off x="6766080" y="5014080"/>
+                <a:ext cx="262080" cy="321120"/>
+              </p14:xfrm>
+            </p:contentPart>
+          </mc:Choice>
+          <mc:Fallback>
+            <p:pic>
+              <p:nvPicPr>
+                <p:cNvPr id="34" name="Ink 33">
+                  <a:extLst>
+                    <a:ext uri="{FF2B5EF4-FFF2-40B4-BE49-F238E27FC236}">
+                      <a16:creationId xmlns:a16="http://schemas.microsoft.com/office/drawing/2014/main" id="{DF1E52E2-5B47-D092-0DD1-8E2E7D91C012}"/>
+                    </a:ext>
+                  </a:extLst>
+                </p:cNvPr>
+                <p:cNvPicPr/>
+                <p:nvPr/>
+              </p:nvPicPr>
+              <p:blipFill>
+                <a:blip r:embed="rId55"/>
+                <a:stretch>
+                  <a:fillRect/>
+                </a:stretch>
+              </p:blipFill>
+              <p:spPr>
+                <a:xfrm>
+                  <a:off x="6757440" y="5005440"/>
+                  <a:ext cx="279720" cy="338760"/>
+                </a:xfrm>
+                <a:prstGeom prst="rect">
+                  <a:avLst/>
+                </a:prstGeom>
+              </p:spPr>
+            </p:pic>
+          </mc:Fallback>
+        </mc:AlternateContent>
+      </p:grpSp>
     </p:spTree>
   </p:cSld>
   <p:clrMapOvr>
@@ -3618,7 +7124,7 @@
 </p:sld>
 </file>
 
-<file path=ppt/slides/slide13.xml><?xml version="1.0" encoding="utf-8"?>
+<file path=ppt/slides/slide15.xml><?xml version="1.0" encoding="utf-8"?>
 <p:sld xmlns:a="http://schemas.openxmlformats.org/drawingml/2006/main" xmlns:r="http://schemas.openxmlformats.org/officeDocument/2006/relationships" xmlns:p="http://schemas.openxmlformats.org/presentationml/2006/main">
   <p:cSld>
     <p:spTree>
@@ -3733,6 +7239,36 @@
           </a:ln>
         </p:spPr>
       </p:pic>
+      <p:sp>
+        <p:nvSpPr>
+          <p:cNvPr id="4" name="Slide Number Placeholder 3">
+            <a:extLst>
+              <a:ext uri="{FF2B5EF4-FFF2-40B4-BE49-F238E27FC236}">
+                <a16:creationId xmlns:a16="http://schemas.microsoft.com/office/drawing/2014/main" id="{7B274CF1-9D3A-4D17-A05F-FE10FED99550}"/>
+              </a:ext>
+            </a:extLst>
+          </p:cNvPr>
+          <p:cNvSpPr>
+            <a:spLocks noGrp="1"/>
+          </p:cNvSpPr>
+          <p:nvPr>
+            <p:ph type="sldNum" sz="quarter" idx="12"/>
+          </p:nvPr>
+        </p:nvSpPr>
+        <p:spPr/>
+        <p:txBody>
+          <a:bodyPr/>
+          <a:lstStyle/>
+          <a:p>
+            <a:fld id="{B6F15528-21DE-4FAA-801E-634DDDAF4B2B}" type="slidenum">
+              <a:rPr lang="en-US" smtClean="0"/>
+              <a:pPr/>
+              <a:t>15</a:t>
+            </a:fld>
+            <a:endParaRPr lang="en-US"/>
+          </a:p>
+        </p:txBody>
+      </p:sp>
     </p:spTree>
   </p:cSld>
   <p:clrMapOvr>
@@ -3741,7 +7277,7 @@
 </p:sld>
 </file>
 
-<file path=ppt/slides/slide14.xml><?xml version="1.0" encoding="utf-8"?>
+<file path=ppt/slides/slide16.xml><?xml version="1.0" encoding="utf-8"?>
 <p:sld xmlns:a="http://schemas.openxmlformats.org/drawingml/2006/main" xmlns:r="http://schemas.openxmlformats.org/officeDocument/2006/relationships" xmlns:p="http://schemas.openxmlformats.org/presentationml/2006/main">
   <p:cSld>
     <p:spTree>
@@ -4038,6 +7574,36 @@
           <a:lstStyle/>
           <a:p>
             <a:pPr algn="ctr"/>
+            <a:endParaRPr lang="en-US"/>
+          </a:p>
+        </p:txBody>
+      </p:sp>
+      <p:sp>
+        <p:nvSpPr>
+          <p:cNvPr id="10" name="Slide Number Placeholder 9">
+            <a:extLst>
+              <a:ext uri="{FF2B5EF4-FFF2-40B4-BE49-F238E27FC236}">
+                <a16:creationId xmlns:a16="http://schemas.microsoft.com/office/drawing/2014/main" id="{0AC1F379-DA9E-2515-E276-293B73EBB9F5}"/>
+              </a:ext>
+            </a:extLst>
+          </p:cNvPr>
+          <p:cNvSpPr>
+            <a:spLocks noGrp="1"/>
+          </p:cNvSpPr>
+          <p:nvPr>
+            <p:ph type="sldNum" sz="quarter" idx="12"/>
+          </p:nvPr>
+        </p:nvSpPr>
+        <p:spPr/>
+        <p:txBody>
+          <a:bodyPr/>
+          <a:lstStyle/>
+          <a:p>
+            <a:fld id="{B6F15528-21DE-4FAA-801E-634DDDAF4B2B}" type="slidenum">
+              <a:rPr lang="en-US" smtClean="0"/>
+              <a:pPr/>
+              <a:t>16</a:t>
+            </a:fld>
             <a:endParaRPr lang="en-US"/>
           </a:p>
         </p:txBody>
@@ -4211,6 +7777,117 @@
           </a:p>
         </p:txBody>
       </p:sp>
+      <p:sp>
+        <p:nvSpPr>
+          <p:cNvPr id="4" name="Slide Number Placeholder 3">
+            <a:extLst>
+              <a:ext uri="{FF2B5EF4-FFF2-40B4-BE49-F238E27FC236}">
+                <a16:creationId xmlns:a16="http://schemas.microsoft.com/office/drawing/2014/main" id="{6D93B539-22E1-435C-207F-EDD4FF8B4C23}"/>
+              </a:ext>
+            </a:extLst>
+          </p:cNvPr>
+          <p:cNvSpPr>
+            <a:spLocks noGrp="1"/>
+          </p:cNvSpPr>
+          <p:nvPr>
+            <p:ph type="sldNum" sz="quarter" idx="12"/>
+          </p:nvPr>
+        </p:nvSpPr>
+        <p:spPr/>
+        <p:txBody>
+          <a:bodyPr/>
+          <a:lstStyle/>
+          <a:p>
+            <a:fld id="{B6F15528-21DE-4FAA-801E-634DDDAF4B2B}" type="slidenum">
+              <a:rPr lang="en-US" smtClean="0"/>
+              <a:pPr/>
+              <a:t>2</a:t>
+            </a:fld>
+            <a:endParaRPr lang="en-US"/>
+          </a:p>
+        </p:txBody>
+      </p:sp>
+      <p:pic>
+        <p:nvPicPr>
+          <p:cNvPr id="7" name="Picture 6">
+            <a:extLst>
+              <a:ext uri="{FF2B5EF4-FFF2-40B4-BE49-F238E27FC236}">
+                <a16:creationId xmlns:a16="http://schemas.microsoft.com/office/drawing/2014/main" id="{94DCF94E-919B-4B0B-B897-0A851807B3EA}"/>
+              </a:ext>
+            </a:extLst>
+          </p:cNvPr>
+          <p:cNvPicPr>
+            <a:picLocks noChangeAspect="1"/>
+          </p:cNvPicPr>
+          <p:nvPr/>
+        </p:nvPicPr>
+        <p:blipFill>
+          <a:blip r:embed="rId4"/>
+          <a:stretch>
+            <a:fillRect/>
+          </a:stretch>
+        </p:blipFill>
+        <p:spPr>
+          <a:xfrm>
+            <a:off x="5769761" y="4737169"/>
+            <a:ext cx="3218047" cy="1002725"/>
+          </a:xfrm>
+          <a:prstGeom prst="rect">
+            <a:avLst/>
+          </a:prstGeom>
+        </p:spPr>
+      </p:pic>
+      <mc:AlternateContent xmlns:mc="http://schemas.openxmlformats.org/markup-compatibility/2006">
+        <mc:Choice xmlns:p14="http://schemas.microsoft.com/office/powerpoint/2010/main" Requires="p14">
+          <p:contentPart p14:bwMode="auto" r:id="rId5">
+            <p14:nvContentPartPr>
+              <p14:cNvPr id="8" name="Ink 7">
+                <a:extLst>
+                  <a:ext uri="{FF2B5EF4-FFF2-40B4-BE49-F238E27FC236}">
+                    <a16:creationId xmlns:a16="http://schemas.microsoft.com/office/drawing/2014/main" id="{2392D389-0EA8-4AB9-30A3-0392640A0656}"/>
+                  </a:ext>
+                </a:extLst>
+              </p14:cNvPr>
+              <p14:cNvContentPartPr/>
+              <p14:nvPr/>
+            </p14:nvContentPartPr>
+            <p14:xfrm>
+              <a:off x="6385200" y="4038840"/>
+              <a:ext cx="373320" cy="533160"/>
+            </p14:xfrm>
+          </p:contentPart>
+        </mc:Choice>
+        <mc:Fallback>
+          <p:pic>
+            <p:nvPicPr>
+              <p:cNvPr id="8" name="Ink 7">
+                <a:extLst>
+                  <a:ext uri="{FF2B5EF4-FFF2-40B4-BE49-F238E27FC236}">
+                    <a16:creationId xmlns:a16="http://schemas.microsoft.com/office/drawing/2014/main" id="{2392D389-0EA8-4AB9-30A3-0392640A0656}"/>
+                  </a:ext>
+                </a:extLst>
+              </p:cNvPr>
+              <p:cNvPicPr/>
+              <p:nvPr/>
+            </p:nvPicPr>
+            <p:blipFill>
+              <a:blip r:embed="rId6"/>
+              <a:stretch>
+                <a:fillRect/>
+              </a:stretch>
+            </p:blipFill>
+            <p:spPr>
+              <a:xfrm>
+                <a:off x="6349560" y="4002840"/>
+                <a:ext cx="444960" cy="604800"/>
+              </a:xfrm>
+              <a:prstGeom prst="rect">
+                <a:avLst/>
+              </a:prstGeom>
+            </p:spPr>
+          </p:pic>
+        </mc:Fallback>
+      </mc:AlternateContent>
     </p:spTree>
   </p:cSld>
   <p:clrMapOvr>
@@ -4313,6 +7990,36 @@
           </a:ln>
         </p:spPr>
       </p:pic>
+      <p:sp>
+        <p:nvSpPr>
+          <p:cNvPr id="3" name="Slide Number Placeholder 2">
+            <a:extLst>
+              <a:ext uri="{FF2B5EF4-FFF2-40B4-BE49-F238E27FC236}">
+                <a16:creationId xmlns:a16="http://schemas.microsoft.com/office/drawing/2014/main" id="{FB5F9389-F304-5600-3583-B1305B5C6A3D}"/>
+              </a:ext>
+            </a:extLst>
+          </p:cNvPr>
+          <p:cNvSpPr>
+            <a:spLocks noGrp="1"/>
+          </p:cNvSpPr>
+          <p:nvPr>
+            <p:ph type="sldNum" sz="quarter" idx="12"/>
+          </p:nvPr>
+        </p:nvSpPr>
+        <p:spPr/>
+        <p:txBody>
+          <a:bodyPr/>
+          <a:lstStyle/>
+          <a:p>
+            <a:fld id="{B6F15528-21DE-4FAA-801E-634DDDAF4B2B}" type="slidenum">
+              <a:rPr lang="en-US" smtClean="0"/>
+              <a:pPr/>
+              <a:t>3</a:t>
+            </a:fld>
+            <a:endParaRPr lang="en-US"/>
+          </a:p>
+        </p:txBody>
+      </p:sp>
     </p:spTree>
   </p:cSld>
   <p:clrMapOvr>
@@ -4564,6 +8271,158 @@
           </a:p>
         </p:txBody>
       </p:sp>
+      <p:sp>
+        <p:nvSpPr>
+          <p:cNvPr id="2" name="TextBox 1">
+            <a:extLst>
+              <a:ext uri="{FF2B5EF4-FFF2-40B4-BE49-F238E27FC236}">
+                <a16:creationId xmlns:a16="http://schemas.microsoft.com/office/drawing/2014/main" id="{BF429D7C-4128-22C9-4375-80641B07B5CB}"/>
+              </a:ext>
+            </a:extLst>
+          </p:cNvPr>
+          <p:cNvSpPr txBox="1"/>
+          <p:nvPr/>
+        </p:nvSpPr>
+        <p:spPr>
+          <a:xfrm>
+            <a:off x="3261360" y="5468481"/>
+            <a:ext cx="5334000" cy="369332"/>
+          </a:xfrm>
+          <a:prstGeom prst="rect">
+            <a:avLst/>
+          </a:prstGeom>
+          <a:noFill/>
+        </p:spPr>
+        <p:txBody>
+          <a:bodyPr wrap="square" rtlCol="0">
+            <a:spAutoFit/>
+          </a:bodyPr>
+          <a:lstStyle/>
+          <a:p>
+            <a:r>
+              <a:rPr lang="en-US" dirty="0">
+                <a:solidFill>
+                  <a:srgbClr val="FF0000"/>
+                </a:solidFill>
+              </a:rPr>
+              <a:t>Can’t print </a:t>
+            </a:r>
+            <a:r>
+              <a:rPr lang="en-US" dirty="0" err="1">
+                <a:solidFill>
+                  <a:srgbClr val="FF0000"/>
+                </a:solidFill>
+              </a:rPr>
+              <a:t>z.real</a:t>
+            </a:r>
+            <a:r>
+              <a:rPr lang="en-US" dirty="0">
+                <a:solidFill>
+                  <a:srgbClr val="FF0000"/>
+                </a:solidFill>
+              </a:rPr>
+              <a:t>  and </a:t>
+            </a:r>
+            <a:r>
+              <a:rPr lang="en-US" dirty="0" err="1">
+                <a:solidFill>
+                  <a:srgbClr val="FF0000"/>
+                </a:solidFill>
+              </a:rPr>
+              <a:t>z.imag</a:t>
+            </a:r>
+            <a:r>
+              <a:rPr lang="en-US" dirty="0">
+                <a:solidFill>
+                  <a:srgbClr val="FF0000"/>
+                </a:solidFill>
+              </a:rPr>
+              <a:t>  because they are private.</a:t>
+            </a:r>
+          </a:p>
+        </p:txBody>
+      </p:sp>
+      <mc:AlternateContent xmlns:mc="http://schemas.openxmlformats.org/markup-compatibility/2006">
+        <mc:Choice xmlns:p14="http://schemas.microsoft.com/office/powerpoint/2010/main" Requires="p14">
+          <p:contentPart p14:bwMode="auto" r:id="rId3">
+            <p14:nvContentPartPr>
+              <p14:cNvPr id="10" name="Ink 9">
+                <a:extLst>
+                  <a:ext uri="{FF2B5EF4-FFF2-40B4-BE49-F238E27FC236}">
+                    <a16:creationId xmlns:a16="http://schemas.microsoft.com/office/drawing/2014/main" id="{80FA794A-79A8-FB77-D427-9B44308C6455}"/>
+                  </a:ext>
+                </a:extLst>
+              </p14:cNvPr>
+              <p14:cNvContentPartPr/>
+              <p14:nvPr/>
+            </p14:nvContentPartPr>
+            <p14:xfrm>
+              <a:off x="10866120" y="3871080"/>
+              <a:ext cx="360" cy="2880"/>
+            </p14:xfrm>
+          </p:contentPart>
+        </mc:Choice>
+        <mc:Fallback>
+          <p:pic>
+            <p:nvPicPr>
+              <p:cNvPr id="10" name="Ink 9">
+                <a:extLst>
+                  <a:ext uri="{FF2B5EF4-FFF2-40B4-BE49-F238E27FC236}">
+                    <a16:creationId xmlns:a16="http://schemas.microsoft.com/office/drawing/2014/main" id="{80FA794A-79A8-FB77-D427-9B44308C6455}"/>
+                  </a:ext>
+                </a:extLst>
+              </p:cNvPr>
+              <p:cNvPicPr/>
+              <p:nvPr/>
+            </p:nvPicPr>
+            <p:blipFill>
+              <a:blip r:embed="rId4"/>
+              <a:stretch>
+                <a:fillRect/>
+              </a:stretch>
+            </p:blipFill>
+            <p:spPr>
+              <a:xfrm>
+                <a:off x="10830120" y="3835440"/>
+                <a:ext cx="72000" cy="74520"/>
+              </a:xfrm>
+              <a:prstGeom prst="rect">
+                <a:avLst/>
+              </a:prstGeom>
+            </p:spPr>
+          </p:pic>
+        </mc:Fallback>
+      </mc:AlternateContent>
+      <p:sp>
+        <p:nvSpPr>
+          <p:cNvPr id="11" name="Slide Number Placeholder 10">
+            <a:extLst>
+              <a:ext uri="{FF2B5EF4-FFF2-40B4-BE49-F238E27FC236}">
+                <a16:creationId xmlns:a16="http://schemas.microsoft.com/office/drawing/2014/main" id="{5F94E1A3-A5DF-C176-7531-994B2F5CCD98}"/>
+              </a:ext>
+            </a:extLst>
+          </p:cNvPr>
+          <p:cNvSpPr>
+            <a:spLocks noGrp="1"/>
+          </p:cNvSpPr>
+          <p:nvPr>
+            <p:ph type="sldNum" sz="quarter" idx="12"/>
+          </p:nvPr>
+        </p:nvSpPr>
+        <p:spPr/>
+        <p:txBody>
+          <a:bodyPr/>
+          <a:lstStyle/>
+          <a:p>
+            <a:fld id="{B6F15528-21DE-4FAA-801E-634DDDAF4B2B}" type="slidenum">
+              <a:rPr lang="en-US" smtClean="0"/>
+              <a:pPr/>
+              <a:t>4</a:t>
+            </a:fld>
+            <a:endParaRPr lang="en-US"/>
+          </a:p>
+        </p:txBody>
+      </p:sp>
     </p:spTree>
   </p:cSld>
   <p:clrMapOvr>
@@ -4591,7 +8450,13 @@
       </p:grpSpPr>
       <p:sp>
         <p:nvSpPr>
-          <p:cNvPr id="2" name="ชื่อเรื่อง 1"/>
+          <p:cNvPr id="2" name="Title 1">
+            <a:extLst>
+              <a:ext uri="{FF2B5EF4-FFF2-40B4-BE49-F238E27FC236}">
+                <a16:creationId xmlns:a16="http://schemas.microsoft.com/office/drawing/2014/main" id="{FD3D61EB-D46D-BB77-48FA-3ED7DC2CA243}"/>
+              </a:ext>
+            </a:extLst>
+          </p:cNvPr>
           <p:cNvSpPr>
             <a:spLocks noGrp="1"/>
           </p:cNvSpPr>
@@ -4601,35 +8466,1130 @@
         </p:nvSpPr>
         <p:spPr/>
         <p:txBody>
-          <a:bodyPr>
-            <a:normAutofit fontScale="90000"/>
-          </a:bodyPr>
+          <a:bodyPr/>
           <a:lstStyle/>
           <a:p>
-            <a:r>
-              <a:rPr lang="th-TH" dirty="0"/>
-              <a:t>สามารถนิยาม </a:t>
-            </a:r>
+            <a:endParaRPr lang="en-US"/>
+          </a:p>
+        </p:txBody>
+      </p:sp>
+      <p:sp>
+        <p:nvSpPr>
+          <p:cNvPr id="3" name="Content Placeholder 2">
+            <a:extLst>
+              <a:ext uri="{FF2B5EF4-FFF2-40B4-BE49-F238E27FC236}">
+                <a16:creationId xmlns:a16="http://schemas.microsoft.com/office/drawing/2014/main" id="{A43F0A5B-5021-201B-0EDD-224885537202}"/>
+              </a:ext>
+            </a:extLst>
+          </p:cNvPr>
+          <p:cNvSpPr>
+            <a:spLocks noGrp="1"/>
+          </p:cNvSpPr>
+          <p:nvPr>
+            <p:ph idx="1"/>
+          </p:nvPr>
+        </p:nvSpPr>
+        <p:spPr/>
+        <p:txBody>
+          <a:bodyPr/>
+          <a:lstStyle/>
+          <a:p>
+            <a:endParaRPr lang="en-US"/>
+          </a:p>
+        </p:txBody>
+      </p:sp>
+      <p:pic>
+        <p:nvPicPr>
+          <p:cNvPr id="5" name="Picture 4">
+            <a:extLst>
+              <a:ext uri="{FF2B5EF4-FFF2-40B4-BE49-F238E27FC236}">
+                <a16:creationId xmlns:a16="http://schemas.microsoft.com/office/drawing/2014/main" id="{EAB6E8CE-C74E-9BA6-D9C5-266A9AD23A16}"/>
+              </a:ext>
+            </a:extLst>
+          </p:cNvPr>
+          <p:cNvPicPr>
+            <a:picLocks noChangeAspect="1"/>
+          </p:cNvPicPr>
+          <p:nvPr/>
+        </p:nvPicPr>
+        <p:blipFill>
+          <a:blip r:embed="rId2"/>
+          <a:stretch>
+            <a:fillRect/>
+          </a:stretch>
+        </p:blipFill>
+        <p:spPr>
+          <a:xfrm>
+            <a:off x="1752600" y="701357"/>
+            <a:ext cx="4800600" cy="6075264"/>
+          </a:xfrm>
+          <a:prstGeom prst="rect">
+            <a:avLst/>
+          </a:prstGeom>
+        </p:spPr>
+      </p:pic>
+      <mc:AlternateContent xmlns:mc="http://schemas.openxmlformats.org/markup-compatibility/2006">
+        <mc:Choice xmlns:p14="http://schemas.microsoft.com/office/powerpoint/2010/main" Requires="p14">
+          <p:contentPart p14:bwMode="auto" r:id="rId3">
+            <p14:nvContentPartPr>
+              <p14:cNvPr id="6" name="Ink 5">
+                <a:extLst>
+                  <a:ext uri="{FF2B5EF4-FFF2-40B4-BE49-F238E27FC236}">
+                    <a16:creationId xmlns:a16="http://schemas.microsoft.com/office/drawing/2014/main" id="{0AB65171-25F2-9403-4C50-64C2B9249B67}"/>
+                  </a:ext>
+                </a:extLst>
+              </p14:cNvPr>
+              <p14:cNvContentPartPr/>
+              <p14:nvPr/>
+            </p14:nvContentPartPr>
+            <p14:xfrm>
+              <a:off x="3584040" y="5639040"/>
+              <a:ext cx="347760" cy="541800"/>
+            </p14:xfrm>
+          </p:contentPart>
+        </mc:Choice>
+        <mc:Fallback>
+          <p:pic>
+            <p:nvPicPr>
+              <p:cNvPr id="6" name="Ink 5">
+                <a:extLst>
+                  <a:ext uri="{FF2B5EF4-FFF2-40B4-BE49-F238E27FC236}">
+                    <a16:creationId xmlns:a16="http://schemas.microsoft.com/office/drawing/2014/main" id="{0AB65171-25F2-9403-4C50-64C2B9249B67}"/>
+                  </a:ext>
+                </a:extLst>
+              </p:cNvPr>
+              <p:cNvPicPr/>
+              <p:nvPr/>
+            </p:nvPicPr>
+            <p:blipFill>
+              <a:blip r:embed="rId4"/>
+              <a:stretch>
+                <a:fillRect/>
+              </a:stretch>
+            </p:blipFill>
+            <p:spPr>
+              <a:xfrm>
+                <a:off x="3548400" y="5603040"/>
+                <a:ext cx="419400" cy="613440"/>
+              </a:xfrm>
+              <a:prstGeom prst="rect">
+                <a:avLst/>
+              </a:prstGeom>
+            </p:spPr>
+          </p:pic>
+        </mc:Fallback>
+      </mc:AlternateContent>
+      <p:grpSp>
+        <p:nvGrpSpPr>
+          <p:cNvPr id="16" name="Group 15">
+            <a:extLst>
+              <a:ext uri="{FF2B5EF4-FFF2-40B4-BE49-F238E27FC236}">
+                <a16:creationId xmlns:a16="http://schemas.microsoft.com/office/drawing/2014/main" id="{39484927-F533-EEFF-818A-452E0E21D0EF}"/>
+              </a:ext>
+            </a:extLst>
+          </p:cNvPr>
+          <p:cNvGrpSpPr/>
+          <p:nvPr/>
+        </p:nvGrpSpPr>
+        <p:grpSpPr>
+          <a:xfrm>
+            <a:off x="4535520" y="4190760"/>
+            <a:ext cx="3070080" cy="1965600"/>
+            <a:chOff x="4535520" y="4190760"/>
+            <a:chExt cx="3070080" cy="1965600"/>
+          </a:xfrm>
+        </p:grpSpPr>
+        <mc:AlternateContent xmlns:mc="http://schemas.openxmlformats.org/markup-compatibility/2006">
+          <mc:Choice xmlns:p14="http://schemas.microsoft.com/office/powerpoint/2010/main" Requires="p14">
+            <p:contentPart p14:bwMode="auto" r:id="rId5">
+              <p14:nvContentPartPr>
+                <p14:cNvPr id="7" name="Ink 6">
+                  <a:extLst>
+                    <a:ext uri="{FF2B5EF4-FFF2-40B4-BE49-F238E27FC236}">
+                      <a16:creationId xmlns:a16="http://schemas.microsoft.com/office/drawing/2014/main" id="{D13048C1-BC66-AB84-4413-E95A3E978EBD}"/>
+                    </a:ext>
+                  </a:extLst>
+                </p14:cNvPr>
+                <p14:cNvContentPartPr/>
+                <p14:nvPr/>
+              </p14:nvContentPartPr>
+              <p14:xfrm>
+                <a:off x="4535520" y="5760720"/>
+                <a:ext cx="712080" cy="395640"/>
+              </p14:xfrm>
+            </p:contentPart>
+          </mc:Choice>
+          <mc:Fallback>
+            <p:pic>
+              <p:nvPicPr>
+                <p:cNvPr id="7" name="Ink 6">
+                  <a:extLst>
+                    <a:ext uri="{FF2B5EF4-FFF2-40B4-BE49-F238E27FC236}">
+                      <a16:creationId xmlns:a16="http://schemas.microsoft.com/office/drawing/2014/main" id="{D13048C1-BC66-AB84-4413-E95A3E978EBD}"/>
+                    </a:ext>
+                  </a:extLst>
+                </p:cNvPr>
+                <p:cNvPicPr/>
+                <p:nvPr/>
+              </p:nvPicPr>
+              <p:blipFill>
+                <a:blip r:embed="rId6"/>
+                <a:stretch>
+                  <a:fillRect/>
+                </a:stretch>
+              </p:blipFill>
+              <p:spPr>
+                <a:xfrm>
+                  <a:off x="4499880" y="5724720"/>
+                  <a:ext cx="783720" cy="467280"/>
+                </a:xfrm>
+                <a:prstGeom prst="rect">
+                  <a:avLst/>
+                </a:prstGeom>
+              </p:spPr>
+            </p:pic>
+          </mc:Fallback>
+        </mc:AlternateContent>
+        <mc:AlternateContent xmlns:mc="http://schemas.openxmlformats.org/markup-compatibility/2006">
+          <mc:Choice xmlns:p14="http://schemas.microsoft.com/office/powerpoint/2010/main" Requires="p14">
+            <p:contentPart p14:bwMode="auto" r:id="rId7">
+              <p14:nvContentPartPr>
+                <p14:cNvPr id="8" name="Ink 7">
+                  <a:extLst>
+                    <a:ext uri="{FF2B5EF4-FFF2-40B4-BE49-F238E27FC236}">
+                      <a16:creationId xmlns:a16="http://schemas.microsoft.com/office/drawing/2014/main" id="{0B9E9F2D-A5B7-135F-612D-DF349F2F4831}"/>
+                    </a:ext>
+                  </a:extLst>
+                </p14:cNvPr>
+                <p14:cNvContentPartPr/>
+                <p14:nvPr/>
+              </p14:nvContentPartPr>
+              <p14:xfrm>
+                <a:off x="5106480" y="5024520"/>
+                <a:ext cx="258840" cy="828360"/>
+              </p14:xfrm>
+            </p:contentPart>
+          </mc:Choice>
+          <mc:Fallback>
+            <p:pic>
+              <p:nvPicPr>
+                <p:cNvPr id="8" name="Ink 7">
+                  <a:extLst>
+                    <a:ext uri="{FF2B5EF4-FFF2-40B4-BE49-F238E27FC236}">
+                      <a16:creationId xmlns:a16="http://schemas.microsoft.com/office/drawing/2014/main" id="{0B9E9F2D-A5B7-135F-612D-DF349F2F4831}"/>
+                    </a:ext>
+                  </a:extLst>
+                </p:cNvPr>
+                <p:cNvPicPr/>
+                <p:nvPr/>
+              </p:nvPicPr>
+              <p:blipFill>
+                <a:blip r:embed="rId8"/>
+                <a:stretch>
+                  <a:fillRect/>
+                </a:stretch>
+              </p:blipFill>
+              <p:spPr>
+                <a:xfrm>
+                  <a:off x="5070840" y="4988880"/>
+                  <a:ext cx="330480" cy="900000"/>
+                </a:xfrm>
+                <a:prstGeom prst="rect">
+                  <a:avLst/>
+                </a:prstGeom>
+              </p:spPr>
+            </p:pic>
+          </mc:Fallback>
+        </mc:AlternateContent>
+        <mc:AlternateContent xmlns:mc="http://schemas.openxmlformats.org/markup-compatibility/2006">
+          <mc:Choice xmlns:p14="http://schemas.microsoft.com/office/powerpoint/2010/main" Requires="p14">
+            <p:contentPart p14:bwMode="auto" r:id="rId9">
+              <p14:nvContentPartPr>
+                <p14:cNvPr id="9" name="Ink 8">
+                  <a:extLst>
+                    <a:ext uri="{FF2B5EF4-FFF2-40B4-BE49-F238E27FC236}">
+                      <a16:creationId xmlns:a16="http://schemas.microsoft.com/office/drawing/2014/main" id="{BF913F3A-C89B-B4ED-6E9D-B9EAE639B300}"/>
+                    </a:ext>
+                  </a:extLst>
+                </p14:cNvPr>
+                <p14:cNvContentPartPr/>
+                <p14:nvPr/>
+              </p14:nvContentPartPr>
+              <p14:xfrm>
+                <a:off x="5352360" y="4979880"/>
+                <a:ext cx="299160" cy="402120"/>
+              </p14:xfrm>
+            </p:contentPart>
+          </mc:Choice>
+          <mc:Fallback>
+            <p:pic>
+              <p:nvPicPr>
+                <p:cNvPr id="9" name="Ink 8">
+                  <a:extLst>
+                    <a:ext uri="{FF2B5EF4-FFF2-40B4-BE49-F238E27FC236}">
+                      <a16:creationId xmlns:a16="http://schemas.microsoft.com/office/drawing/2014/main" id="{BF913F3A-C89B-B4ED-6E9D-B9EAE639B300}"/>
+                    </a:ext>
+                  </a:extLst>
+                </p:cNvPr>
+                <p:cNvPicPr/>
+                <p:nvPr/>
+              </p:nvPicPr>
+              <p:blipFill>
+                <a:blip r:embed="rId10"/>
+                <a:stretch>
+                  <a:fillRect/>
+                </a:stretch>
+              </p:blipFill>
+              <p:spPr>
+                <a:xfrm>
+                  <a:off x="5316720" y="4943880"/>
+                  <a:ext cx="370800" cy="473760"/>
+                </a:xfrm>
+                <a:prstGeom prst="rect">
+                  <a:avLst/>
+                </a:prstGeom>
+              </p:spPr>
+            </p:pic>
+          </mc:Fallback>
+        </mc:AlternateContent>
+        <mc:AlternateContent xmlns:mc="http://schemas.openxmlformats.org/markup-compatibility/2006">
+          <mc:Choice xmlns:p14="http://schemas.microsoft.com/office/powerpoint/2010/main" Requires="p14">
+            <p:contentPart p14:bwMode="auto" r:id="rId11">
+              <p14:nvContentPartPr>
+                <p14:cNvPr id="10" name="Ink 9">
+                  <a:extLst>
+                    <a:ext uri="{FF2B5EF4-FFF2-40B4-BE49-F238E27FC236}">
+                      <a16:creationId xmlns:a16="http://schemas.microsoft.com/office/drawing/2014/main" id="{7A16DB12-A930-EC5A-1EB9-4B03DA5A583F}"/>
+                    </a:ext>
+                  </a:extLst>
+                </p14:cNvPr>
+                <p14:cNvContentPartPr/>
+                <p14:nvPr/>
+              </p14:nvContentPartPr>
+              <p14:xfrm>
+                <a:off x="5714880" y="4328280"/>
+                <a:ext cx="289800" cy="1260000"/>
+              </p14:xfrm>
+            </p:contentPart>
+          </mc:Choice>
+          <mc:Fallback>
+            <p:pic>
+              <p:nvPicPr>
+                <p:cNvPr id="10" name="Ink 9">
+                  <a:extLst>
+                    <a:ext uri="{FF2B5EF4-FFF2-40B4-BE49-F238E27FC236}">
+                      <a16:creationId xmlns:a16="http://schemas.microsoft.com/office/drawing/2014/main" id="{7A16DB12-A930-EC5A-1EB9-4B03DA5A583F}"/>
+                    </a:ext>
+                  </a:extLst>
+                </p:cNvPr>
+                <p:cNvPicPr/>
+                <p:nvPr/>
+              </p:nvPicPr>
+              <p:blipFill>
+                <a:blip r:embed="rId12"/>
+                <a:stretch>
+                  <a:fillRect/>
+                </a:stretch>
+              </p:blipFill>
+              <p:spPr>
+                <a:xfrm>
+                  <a:off x="5678880" y="4292280"/>
+                  <a:ext cx="361440" cy="1331640"/>
+                </a:xfrm>
+                <a:prstGeom prst="rect">
+                  <a:avLst/>
+                </a:prstGeom>
+              </p:spPr>
+            </p:pic>
+          </mc:Fallback>
+        </mc:AlternateContent>
+        <mc:AlternateContent xmlns:mc="http://schemas.openxmlformats.org/markup-compatibility/2006">
+          <mc:Choice xmlns:p14="http://schemas.microsoft.com/office/powerpoint/2010/main" Requires="p14">
+            <p:contentPart p14:bwMode="auto" r:id="rId13">
+              <p14:nvContentPartPr>
+                <p14:cNvPr id="11" name="Ink 10">
+                  <a:extLst>
+                    <a:ext uri="{FF2B5EF4-FFF2-40B4-BE49-F238E27FC236}">
+                      <a16:creationId xmlns:a16="http://schemas.microsoft.com/office/drawing/2014/main" id="{1A8A768A-7DBC-FBBA-4113-25B65F56E9D1}"/>
+                    </a:ext>
+                  </a:extLst>
+                </p14:cNvPr>
+                <p14:cNvContentPartPr/>
+                <p14:nvPr/>
+              </p14:nvContentPartPr>
+              <p14:xfrm>
+                <a:off x="5531640" y="4652280"/>
+                <a:ext cx="408960" cy="194040"/>
+              </p14:xfrm>
+            </p:contentPart>
+          </mc:Choice>
+          <mc:Fallback>
+            <p:pic>
+              <p:nvPicPr>
+                <p:cNvPr id="11" name="Ink 10">
+                  <a:extLst>
+                    <a:ext uri="{FF2B5EF4-FFF2-40B4-BE49-F238E27FC236}">
+                      <a16:creationId xmlns:a16="http://schemas.microsoft.com/office/drawing/2014/main" id="{1A8A768A-7DBC-FBBA-4113-25B65F56E9D1}"/>
+                    </a:ext>
+                  </a:extLst>
+                </p:cNvPr>
+                <p:cNvPicPr/>
+                <p:nvPr/>
+              </p:nvPicPr>
+              <p:blipFill>
+                <a:blip r:embed="rId14"/>
+                <a:stretch>
+                  <a:fillRect/>
+                </a:stretch>
+              </p:blipFill>
+              <p:spPr>
+                <a:xfrm>
+                  <a:off x="5495640" y="4616280"/>
+                  <a:ext cx="480600" cy="265680"/>
+                </a:xfrm>
+                <a:prstGeom prst="rect">
+                  <a:avLst/>
+                </a:prstGeom>
+              </p:spPr>
+            </p:pic>
+          </mc:Fallback>
+        </mc:AlternateContent>
+        <mc:AlternateContent xmlns:mc="http://schemas.openxmlformats.org/markup-compatibility/2006">
+          <mc:Choice xmlns:p14="http://schemas.microsoft.com/office/powerpoint/2010/main" Requires="p14">
+            <p:contentPart p14:bwMode="auto" r:id="rId15">
+              <p14:nvContentPartPr>
+                <p14:cNvPr id="12" name="Ink 11">
+                  <a:extLst>
+                    <a:ext uri="{FF2B5EF4-FFF2-40B4-BE49-F238E27FC236}">
+                      <a16:creationId xmlns:a16="http://schemas.microsoft.com/office/drawing/2014/main" id="{27BE20B8-F9CF-CAEB-05A8-87044082F8A2}"/>
+                    </a:ext>
+                  </a:extLst>
+                </p14:cNvPr>
+                <p14:cNvContentPartPr/>
+                <p14:nvPr/>
+              </p14:nvContentPartPr>
+              <p14:xfrm>
+                <a:off x="6004320" y="4190760"/>
+                <a:ext cx="251280" cy="1044720"/>
+              </p14:xfrm>
+            </p:contentPart>
+          </mc:Choice>
+          <mc:Fallback>
+            <p:pic>
+              <p:nvPicPr>
+                <p:cNvPr id="12" name="Ink 11">
+                  <a:extLst>
+                    <a:ext uri="{FF2B5EF4-FFF2-40B4-BE49-F238E27FC236}">
+                      <a16:creationId xmlns:a16="http://schemas.microsoft.com/office/drawing/2014/main" id="{27BE20B8-F9CF-CAEB-05A8-87044082F8A2}"/>
+                    </a:ext>
+                  </a:extLst>
+                </p:cNvPr>
+                <p:cNvPicPr/>
+                <p:nvPr/>
+              </p:nvPicPr>
+              <p:blipFill>
+                <a:blip r:embed="rId16"/>
+                <a:stretch>
+                  <a:fillRect/>
+                </a:stretch>
+              </p:blipFill>
+              <p:spPr>
+                <a:xfrm>
+                  <a:off x="5968320" y="4155120"/>
+                  <a:ext cx="322920" cy="1116360"/>
+                </a:xfrm>
+                <a:prstGeom prst="rect">
+                  <a:avLst/>
+                </a:prstGeom>
+              </p:spPr>
+            </p:pic>
+          </mc:Fallback>
+        </mc:AlternateContent>
+        <mc:AlternateContent xmlns:mc="http://schemas.openxmlformats.org/markup-compatibility/2006">
+          <mc:Choice xmlns:p14="http://schemas.microsoft.com/office/powerpoint/2010/main" Requires="p14">
+            <p:contentPart p14:bwMode="auto" r:id="rId17">
+              <p14:nvContentPartPr>
+                <p14:cNvPr id="13" name="Ink 12">
+                  <a:extLst>
+                    <a:ext uri="{FF2B5EF4-FFF2-40B4-BE49-F238E27FC236}">
+                      <a16:creationId xmlns:a16="http://schemas.microsoft.com/office/drawing/2014/main" id="{5CA77285-E57D-605C-C019-51742517648C}"/>
+                    </a:ext>
+                  </a:extLst>
+                </p14:cNvPr>
+                <p14:cNvContentPartPr/>
+                <p14:nvPr/>
+              </p14:nvContentPartPr>
+              <p14:xfrm>
+                <a:off x="5974080" y="4301280"/>
+                <a:ext cx="723600" cy="347040"/>
+              </p14:xfrm>
+            </p:contentPart>
+          </mc:Choice>
+          <mc:Fallback>
+            <p:pic>
+              <p:nvPicPr>
+                <p:cNvPr id="13" name="Ink 12">
+                  <a:extLst>
+                    <a:ext uri="{FF2B5EF4-FFF2-40B4-BE49-F238E27FC236}">
+                      <a16:creationId xmlns:a16="http://schemas.microsoft.com/office/drawing/2014/main" id="{5CA77285-E57D-605C-C019-51742517648C}"/>
+                    </a:ext>
+                  </a:extLst>
+                </p:cNvPr>
+                <p:cNvPicPr/>
+                <p:nvPr/>
+              </p:nvPicPr>
+              <p:blipFill>
+                <a:blip r:embed="rId18"/>
+                <a:stretch>
+                  <a:fillRect/>
+                </a:stretch>
+              </p:blipFill>
+              <p:spPr>
+                <a:xfrm>
+                  <a:off x="5938080" y="4265280"/>
+                  <a:ext cx="795240" cy="418680"/>
+                </a:xfrm>
+                <a:prstGeom prst="rect">
+                  <a:avLst/>
+                </a:prstGeom>
+              </p:spPr>
+            </p:pic>
+          </mc:Fallback>
+        </mc:AlternateContent>
+        <mc:AlternateContent xmlns:mc="http://schemas.openxmlformats.org/markup-compatibility/2006">
+          <mc:Choice xmlns:p14="http://schemas.microsoft.com/office/powerpoint/2010/main" Requires="p14">
+            <p:contentPart p14:bwMode="auto" r:id="rId19">
+              <p14:nvContentPartPr>
+                <p14:cNvPr id="14" name="Ink 13">
+                  <a:extLst>
+                    <a:ext uri="{FF2B5EF4-FFF2-40B4-BE49-F238E27FC236}">
+                      <a16:creationId xmlns:a16="http://schemas.microsoft.com/office/drawing/2014/main" id="{9A296EE9-6C2B-497A-4D17-AFEDB8174710}"/>
+                    </a:ext>
+                  </a:extLst>
+                </p14:cNvPr>
+                <p14:cNvContentPartPr/>
+                <p14:nvPr/>
+              </p14:nvContentPartPr>
+              <p14:xfrm>
+                <a:off x="6535320" y="4543200"/>
+                <a:ext cx="805320" cy="567360"/>
+              </p14:xfrm>
+            </p:contentPart>
+          </mc:Choice>
+          <mc:Fallback>
+            <p:pic>
+              <p:nvPicPr>
+                <p:cNvPr id="14" name="Ink 13">
+                  <a:extLst>
+                    <a:ext uri="{FF2B5EF4-FFF2-40B4-BE49-F238E27FC236}">
+                      <a16:creationId xmlns:a16="http://schemas.microsoft.com/office/drawing/2014/main" id="{9A296EE9-6C2B-497A-4D17-AFEDB8174710}"/>
+                    </a:ext>
+                  </a:extLst>
+                </p:cNvPr>
+                <p:cNvPicPr/>
+                <p:nvPr/>
+              </p:nvPicPr>
+              <p:blipFill>
+                <a:blip r:embed="rId20"/>
+                <a:stretch>
+                  <a:fillRect/>
+                </a:stretch>
+              </p:blipFill>
+              <p:spPr>
+                <a:xfrm>
+                  <a:off x="6499680" y="4507200"/>
+                  <a:ext cx="876960" cy="639000"/>
+                </a:xfrm>
+                <a:prstGeom prst="rect">
+                  <a:avLst/>
+                </a:prstGeom>
+              </p:spPr>
+            </p:pic>
+          </mc:Fallback>
+        </mc:AlternateContent>
+        <mc:AlternateContent xmlns:mc="http://schemas.openxmlformats.org/markup-compatibility/2006">
+          <mc:Choice xmlns:p14="http://schemas.microsoft.com/office/powerpoint/2010/main" Requires="p14">
+            <p:contentPart p14:bwMode="auto" r:id="rId21">
+              <p14:nvContentPartPr>
+                <p14:cNvPr id="15" name="Ink 14">
+                  <a:extLst>
+                    <a:ext uri="{FF2B5EF4-FFF2-40B4-BE49-F238E27FC236}">
+                      <a16:creationId xmlns:a16="http://schemas.microsoft.com/office/drawing/2014/main" id="{B054B7C6-E137-4571-6973-E193E3AA72FC}"/>
+                    </a:ext>
+                  </a:extLst>
+                </p14:cNvPr>
+                <p14:cNvContentPartPr/>
+                <p14:nvPr/>
+              </p14:nvContentPartPr>
+              <p14:xfrm>
+                <a:off x="7269000" y="4353840"/>
+                <a:ext cx="336600" cy="641160"/>
+              </p14:xfrm>
+            </p:contentPart>
+          </mc:Choice>
+          <mc:Fallback>
+            <p:pic>
+              <p:nvPicPr>
+                <p:cNvPr id="15" name="Ink 14">
+                  <a:extLst>
+                    <a:ext uri="{FF2B5EF4-FFF2-40B4-BE49-F238E27FC236}">
+                      <a16:creationId xmlns:a16="http://schemas.microsoft.com/office/drawing/2014/main" id="{B054B7C6-E137-4571-6973-E193E3AA72FC}"/>
+                    </a:ext>
+                  </a:extLst>
+                </p:cNvPr>
+                <p:cNvPicPr/>
+                <p:nvPr/>
+              </p:nvPicPr>
+              <p:blipFill>
+                <a:blip r:embed="rId22"/>
+                <a:stretch>
+                  <a:fillRect/>
+                </a:stretch>
+              </p:blipFill>
+              <p:spPr>
+                <a:xfrm>
+                  <a:off x="7233360" y="4318200"/>
+                  <a:ext cx="408240" cy="712800"/>
+                </a:xfrm>
+                <a:prstGeom prst="rect">
+                  <a:avLst/>
+                </a:prstGeom>
+              </p:spPr>
+            </p:pic>
+          </mc:Fallback>
+        </mc:AlternateContent>
+      </p:grpSp>
+      <p:grpSp>
+        <p:nvGrpSpPr>
+          <p:cNvPr id="19" name="Group 18">
+            <a:extLst>
+              <a:ext uri="{FF2B5EF4-FFF2-40B4-BE49-F238E27FC236}">
+                <a16:creationId xmlns:a16="http://schemas.microsoft.com/office/drawing/2014/main" id="{9081C5C9-9146-B88D-1E3F-FB1B6ADB07D7}"/>
+              </a:ext>
+            </a:extLst>
+          </p:cNvPr>
+          <p:cNvGrpSpPr/>
+          <p:nvPr/>
+        </p:nvGrpSpPr>
+        <p:grpSpPr>
+          <a:xfrm>
+            <a:off x="4157520" y="2230920"/>
+            <a:ext cx="1399320" cy="1323360"/>
+            <a:chOff x="4157520" y="2230920"/>
+            <a:chExt cx="1399320" cy="1323360"/>
+          </a:xfrm>
+        </p:grpSpPr>
+        <mc:AlternateContent xmlns:mc="http://schemas.openxmlformats.org/markup-compatibility/2006">
+          <mc:Choice xmlns:p14="http://schemas.microsoft.com/office/powerpoint/2010/main" Requires="p14">
+            <p:contentPart p14:bwMode="auto" r:id="rId23">
+              <p14:nvContentPartPr>
+                <p14:cNvPr id="17" name="Ink 16">
+                  <a:extLst>
+                    <a:ext uri="{FF2B5EF4-FFF2-40B4-BE49-F238E27FC236}">
+                      <a16:creationId xmlns:a16="http://schemas.microsoft.com/office/drawing/2014/main" id="{974E64AD-E21C-F342-127C-449C9B58C423}"/>
+                    </a:ext>
+                  </a:extLst>
+                </p14:cNvPr>
+                <p14:cNvContentPartPr/>
+                <p14:nvPr/>
+              </p14:nvContentPartPr>
+              <p14:xfrm>
+                <a:off x="4157520" y="2230920"/>
+                <a:ext cx="324720" cy="392040"/>
+              </p14:xfrm>
+            </p:contentPart>
+          </mc:Choice>
+          <mc:Fallback>
+            <p:pic>
+              <p:nvPicPr>
+                <p:cNvPr id="17" name="Ink 16">
+                  <a:extLst>
+                    <a:ext uri="{FF2B5EF4-FFF2-40B4-BE49-F238E27FC236}">
+                      <a16:creationId xmlns:a16="http://schemas.microsoft.com/office/drawing/2014/main" id="{974E64AD-E21C-F342-127C-449C9B58C423}"/>
+                    </a:ext>
+                  </a:extLst>
+                </p:cNvPr>
+                <p:cNvPicPr/>
+                <p:nvPr/>
+              </p:nvPicPr>
+              <p:blipFill>
+                <a:blip r:embed="rId24"/>
+                <a:stretch>
+                  <a:fillRect/>
+                </a:stretch>
+              </p:blipFill>
+              <p:spPr>
+                <a:xfrm>
+                  <a:off x="4121520" y="2194920"/>
+                  <a:ext cx="396360" cy="463680"/>
+                </a:xfrm>
+                <a:prstGeom prst="rect">
+                  <a:avLst/>
+                </a:prstGeom>
+              </p:spPr>
+            </p:pic>
+          </mc:Fallback>
+        </mc:AlternateContent>
+        <mc:AlternateContent xmlns:mc="http://schemas.openxmlformats.org/markup-compatibility/2006">
+          <mc:Choice xmlns:p14="http://schemas.microsoft.com/office/powerpoint/2010/main" Requires="p14">
+            <p:contentPart p14:bwMode="auto" r:id="rId25">
+              <p14:nvContentPartPr>
+                <p14:cNvPr id="18" name="Ink 17">
+                  <a:extLst>
+                    <a:ext uri="{FF2B5EF4-FFF2-40B4-BE49-F238E27FC236}">
+                      <a16:creationId xmlns:a16="http://schemas.microsoft.com/office/drawing/2014/main" id="{9FC9C1EF-CEA7-E12D-E47C-D8771F07F45A}"/>
+                    </a:ext>
+                  </a:extLst>
+                </p14:cNvPr>
+                <p14:cNvContentPartPr/>
+                <p14:nvPr/>
+              </p14:nvContentPartPr>
+              <p14:xfrm>
+                <a:off x="4647840" y="2606040"/>
+                <a:ext cx="909000" cy="948240"/>
+              </p14:xfrm>
+            </p:contentPart>
+          </mc:Choice>
+          <mc:Fallback>
+            <p:pic>
+              <p:nvPicPr>
+                <p:cNvPr id="18" name="Ink 17">
+                  <a:extLst>
+                    <a:ext uri="{FF2B5EF4-FFF2-40B4-BE49-F238E27FC236}">
+                      <a16:creationId xmlns:a16="http://schemas.microsoft.com/office/drawing/2014/main" id="{9FC9C1EF-CEA7-E12D-E47C-D8771F07F45A}"/>
+                    </a:ext>
+                  </a:extLst>
+                </p:cNvPr>
+                <p:cNvPicPr/>
+                <p:nvPr/>
+              </p:nvPicPr>
+              <p:blipFill>
+                <a:blip r:embed="rId26"/>
+                <a:stretch>
+                  <a:fillRect/>
+                </a:stretch>
+              </p:blipFill>
+              <p:spPr>
+                <a:xfrm>
+                  <a:off x="4611840" y="2570400"/>
+                  <a:ext cx="980640" cy="1019880"/>
+                </a:xfrm>
+                <a:prstGeom prst="rect">
+                  <a:avLst/>
+                </a:prstGeom>
+              </p:spPr>
+            </p:pic>
+          </mc:Fallback>
+        </mc:AlternateContent>
+      </p:grpSp>
+      <p:grpSp>
+        <p:nvGrpSpPr>
+          <p:cNvPr id="24" name="Group 23">
+            <a:extLst>
+              <a:ext uri="{FF2B5EF4-FFF2-40B4-BE49-F238E27FC236}">
+                <a16:creationId xmlns:a16="http://schemas.microsoft.com/office/drawing/2014/main" id="{717D3E7E-691D-CA5B-30BA-0BD4DBA00299}"/>
+              </a:ext>
+            </a:extLst>
+          </p:cNvPr>
+          <p:cNvGrpSpPr/>
+          <p:nvPr/>
+        </p:nvGrpSpPr>
+        <p:grpSpPr>
+          <a:xfrm>
+            <a:off x="6187200" y="2981520"/>
+            <a:ext cx="1859760" cy="897480"/>
+            <a:chOff x="6187200" y="2981520"/>
+            <a:chExt cx="1859760" cy="897480"/>
+          </a:xfrm>
+        </p:grpSpPr>
+        <mc:AlternateContent xmlns:mc="http://schemas.openxmlformats.org/markup-compatibility/2006">
+          <mc:Choice xmlns:p14="http://schemas.microsoft.com/office/powerpoint/2010/main" Requires="p14">
+            <p:contentPart p14:bwMode="auto" r:id="rId27">
+              <p14:nvContentPartPr>
+                <p14:cNvPr id="20" name="Ink 19">
+                  <a:extLst>
+                    <a:ext uri="{FF2B5EF4-FFF2-40B4-BE49-F238E27FC236}">
+                      <a16:creationId xmlns:a16="http://schemas.microsoft.com/office/drawing/2014/main" id="{C2C29222-4E4E-39BC-1761-9EE05419623B}"/>
+                    </a:ext>
+                  </a:extLst>
+                </p14:cNvPr>
+                <p14:cNvContentPartPr/>
+                <p14:nvPr/>
+              </p14:nvContentPartPr>
+              <p14:xfrm>
+                <a:off x="6187200" y="3344760"/>
+                <a:ext cx="551880" cy="534240"/>
+              </p14:xfrm>
+            </p:contentPart>
+          </mc:Choice>
+          <mc:Fallback>
+            <p:pic>
+              <p:nvPicPr>
+                <p:cNvPr id="20" name="Ink 19">
+                  <a:extLst>
+                    <a:ext uri="{FF2B5EF4-FFF2-40B4-BE49-F238E27FC236}">
+                      <a16:creationId xmlns:a16="http://schemas.microsoft.com/office/drawing/2014/main" id="{C2C29222-4E4E-39BC-1761-9EE05419623B}"/>
+                    </a:ext>
+                  </a:extLst>
+                </p:cNvPr>
+                <p:cNvPicPr/>
+                <p:nvPr/>
+              </p:nvPicPr>
+              <p:blipFill>
+                <a:blip r:embed="rId28"/>
+                <a:stretch>
+                  <a:fillRect/>
+                </a:stretch>
+              </p:blipFill>
+              <p:spPr>
+                <a:xfrm>
+                  <a:off x="6151560" y="3309120"/>
+                  <a:ext cx="623520" cy="605880"/>
+                </a:xfrm>
+                <a:prstGeom prst="rect">
+                  <a:avLst/>
+                </a:prstGeom>
+              </p:spPr>
+            </p:pic>
+          </mc:Fallback>
+        </mc:AlternateContent>
+        <mc:AlternateContent xmlns:mc="http://schemas.openxmlformats.org/markup-compatibility/2006">
+          <mc:Choice xmlns:p14="http://schemas.microsoft.com/office/powerpoint/2010/main" Requires="p14">
+            <p:contentPart p14:bwMode="auto" r:id="rId29">
+              <p14:nvContentPartPr>
+                <p14:cNvPr id="21" name="Ink 20">
+                  <a:extLst>
+                    <a:ext uri="{FF2B5EF4-FFF2-40B4-BE49-F238E27FC236}">
+                      <a16:creationId xmlns:a16="http://schemas.microsoft.com/office/drawing/2014/main" id="{7FF3B144-0CC5-86B7-ED9F-1539FED4E14B}"/>
+                    </a:ext>
+                  </a:extLst>
+                </p14:cNvPr>
+                <p14:cNvContentPartPr/>
+                <p14:nvPr/>
+              </p14:nvContentPartPr>
+              <p14:xfrm>
+                <a:off x="6857880" y="3606120"/>
+                <a:ext cx="384120" cy="201600"/>
+              </p14:xfrm>
+            </p:contentPart>
+          </mc:Choice>
+          <mc:Fallback>
+            <p:pic>
+              <p:nvPicPr>
+                <p:cNvPr id="21" name="Ink 20">
+                  <a:extLst>
+                    <a:ext uri="{FF2B5EF4-FFF2-40B4-BE49-F238E27FC236}">
+                      <a16:creationId xmlns:a16="http://schemas.microsoft.com/office/drawing/2014/main" id="{7FF3B144-0CC5-86B7-ED9F-1539FED4E14B}"/>
+                    </a:ext>
+                  </a:extLst>
+                </p:cNvPr>
+                <p:cNvPicPr/>
+                <p:nvPr/>
+              </p:nvPicPr>
+              <p:blipFill>
+                <a:blip r:embed="rId30"/>
+                <a:stretch>
+                  <a:fillRect/>
+                </a:stretch>
+              </p:blipFill>
+              <p:spPr>
+                <a:xfrm>
+                  <a:off x="6821880" y="3570480"/>
+                  <a:ext cx="455760" cy="273240"/>
+                </a:xfrm>
+                <a:prstGeom prst="rect">
+                  <a:avLst/>
+                </a:prstGeom>
+              </p:spPr>
+            </p:pic>
+          </mc:Fallback>
+        </mc:AlternateContent>
+        <mc:AlternateContent xmlns:mc="http://schemas.openxmlformats.org/markup-compatibility/2006">
+          <mc:Choice xmlns:p14="http://schemas.microsoft.com/office/powerpoint/2010/main" Requires="p14">
+            <p:contentPart p14:bwMode="auto" r:id="rId31">
+              <p14:nvContentPartPr>
+                <p14:cNvPr id="22" name="Ink 21">
+                  <a:extLst>
+                    <a:ext uri="{FF2B5EF4-FFF2-40B4-BE49-F238E27FC236}">
+                      <a16:creationId xmlns:a16="http://schemas.microsoft.com/office/drawing/2014/main" id="{70D31930-DFBD-E3C1-AFA1-28BCAC29D32B}"/>
+                    </a:ext>
+                  </a:extLst>
+                </p14:cNvPr>
+                <p14:cNvContentPartPr/>
+                <p14:nvPr/>
+              </p14:nvContentPartPr>
+              <p14:xfrm>
+                <a:off x="7284480" y="3511800"/>
+                <a:ext cx="167760" cy="195840"/>
+              </p14:xfrm>
+            </p:contentPart>
+          </mc:Choice>
+          <mc:Fallback>
+            <p:pic>
+              <p:nvPicPr>
+                <p:cNvPr id="22" name="Ink 21">
+                  <a:extLst>
+                    <a:ext uri="{FF2B5EF4-FFF2-40B4-BE49-F238E27FC236}">
+                      <a16:creationId xmlns:a16="http://schemas.microsoft.com/office/drawing/2014/main" id="{70D31930-DFBD-E3C1-AFA1-28BCAC29D32B}"/>
+                    </a:ext>
+                  </a:extLst>
+                </p:cNvPr>
+                <p:cNvPicPr/>
+                <p:nvPr/>
+              </p:nvPicPr>
+              <p:blipFill>
+                <a:blip r:embed="rId32"/>
+                <a:stretch>
+                  <a:fillRect/>
+                </a:stretch>
+              </p:blipFill>
+              <p:spPr>
+                <a:xfrm>
+                  <a:off x="7248840" y="3475800"/>
+                  <a:ext cx="239400" cy="267480"/>
+                </a:xfrm>
+                <a:prstGeom prst="rect">
+                  <a:avLst/>
+                </a:prstGeom>
+              </p:spPr>
+            </p:pic>
+          </mc:Fallback>
+        </mc:AlternateContent>
+        <mc:AlternateContent xmlns:mc="http://schemas.openxmlformats.org/markup-compatibility/2006">
+          <mc:Choice xmlns:p14="http://schemas.microsoft.com/office/powerpoint/2010/main" Requires="p14">
+            <p:contentPart p14:bwMode="auto" r:id="rId33">
+              <p14:nvContentPartPr>
+                <p14:cNvPr id="23" name="Ink 22">
+                  <a:extLst>
+                    <a:ext uri="{FF2B5EF4-FFF2-40B4-BE49-F238E27FC236}">
+                      <a16:creationId xmlns:a16="http://schemas.microsoft.com/office/drawing/2014/main" id="{D60C9C48-B185-0D19-C39F-A77BFC895536}"/>
+                    </a:ext>
+                  </a:extLst>
+                </p14:cNvPr>
+                <p14:cNvContentPartPr/>
+                <p14:nvPr/>
+              </p14:nvContentPartPr>
+              <p14:xfrm>
+                <a:off x="7554840" y="2981520"/>
+                <a:ext cx="492120" cy="690120"/>
+              </p14:xfrm>
+            </p:contentPart>
+          </mc:Choice>
+          <mc:Fallback>
+            <p:pic>
+              <p:nvPicPr>
+                <p:cNvPr id="23" name="Ink 22">
+                  <a:extLst>
+                    <a:ext uri="{FF2B5EF4-FFF2-40B4-BE49-F238E27FC236}">
+                      <a16:creationId xmlns:a16="http://schemas.microsoft.com/office/drawing/2014/main" id="{D60C9C48-B185-0D19-C39F-A77BFC895536}"/>
+                    </a:ext>
+                  </a:extLst>
+                </p:cNvPr>
+                <p:cNvPicPr/>
+                <p:nvPr/>
+              </p:nvPicPr>
+              <p:blipFill>
+                <a:blip r:embed="rId34"/>
+                <a:stretch>
+                  <a:fillRect/>
+                </a:stretch>
+              </p:blipFill>
+              <p:spPr>
+                <a:xfrm>
+                  <a:off x="7519200" y="2945520"/>
+                  <a:ext cx="563760" cy="761760"/>
+                </a:xfrm>
+                <a:prstGeom prst="rect">
+                  <a:avLst/>
+                </a:prstGeom>
+              </p:spPr>
+            </p:pic>
+          </mc:Fallback>
+        </mc:AlternateContent>
+      </p:grpSp>
+      <p:sp>
+        <p:nvSpPr>
+          <p:cNvPr id="25" name="Slide Number Placeholder 24">
+            <a:extLst>
+              <a:ext uri="{FF2B5EF4-FFF2-40B4-BE49-F238E27FC236}">
+                <a16:creationId xmlns:a16="http://schemas.microsoft.com/office/drawing/2014/main" id="{C5C6500B-23F7-C1DA-B2C4-2A72FCA586B0}"/>
+              </a:ext>
+            </a:extLst>
+          </p:cNvPr>
+          <p:cNvSpPr>
+            <a:spLocks noGrp="1"/>
+          </p:cNvSpPr>
+          <p:nvPr>
+            <p:ph type="sldNum" sz="quarter" idx="12"/>
+          </p:nvPr>
+        </p:nvSpPr>
+        <p:spPr/>
+        <p:txBody>
+          <a:bodyPr/>
+          <a:lstStyle/>
+          <a:p>
+            <a:fld id="{B6F15528-21DE-4FAA-801E-634DDDAF4B2B}" type="slidenum">
+              <a:rPr lang="en-US" smtClean="0"/>
+              <a:pPr/>
+              <a:t>5</a:t>
+            </a:fld>
+            <a:endParaRPr lang="en-US"/>
+          </a:p>
+        </p:txBody>
+      </p:sp>
+    </p:spTree>
+    <p:extLst>
+      <p:ext uri="{BB962C8B-B14F-4D97-AF65-F5344CB8AC3E}">
+        <p14:creationId xmlns:p14="http://schemas.microsoft.com/office/powerpoint/2010/main" val="623969927"/>
+      </p:ext>
+    </p:extLst>
+  </p:cSld>
+  <p:clrMapOvr>
+    <a:masterClrMapping/>
+  </p:clrMapOvr>
+</p:sld>
+</file>
+
+<file path=ppt/slides/slide6.xml><?xml version="1.0" encoding="utf-8"?>
+<p:sld xmlns:a="http://schemas.openxmlformats.org/drawingml/2006/main" xmlns:r="http://schemas.openxmlformats.org/officeDocument/2006/relationships" xmlns:p="http://schemas.openxmlformats.org/presentationml/2006/main">
+  <p:cSld>
+    <p:spTree>
+      <p:nvGrpSpPr>
+        <p:cNvPr id="1" name=""/>
+        <p:cNvGrpSpPr/>
+        <p:nvPr/>
+      </p:nvGrpSpPr>
+      <p:grpSpPr>
+        <a:xfrm>
+          <a:off x="0" y="0"/>
+          <a:ext cx="0" cy="0"/>
+          <a:chOff x="0" y="0"/>
+          <a:chExt cx="0" cy="0"/>
+        </a:xfrm>
+      </p:grpSpPr>
+      <p:sp>
+        <p:nvSpPr>
+          <p:cNvPr id="2" name="Title 1">
+            <a:extLst>
+              <a:ext uri="{FF2B5EF4-FFF2-40B4-BE49-F238E27FC236}">
+                <a16:creationId xmlns:a16="http://schemas.microsoft.com/office/drawing/2014/main" id="{4D610C87-CCB7-9C0B-8856-5CFE416B871B}"/>
+              </a:ext>
+            </a:extLst>
+          </p:cNvPr>
+          <p:cNvSpPr>
+            <a:spLocks noGrp="1"/>
+          </p:cNvSpPr>
+          <p:nvPr>
+            <p:ph type="title"/>
+          </p:nvPr>
+        </p:nvSpPr>
+        <p:spPr>
+          <a:xfrm>
+            <a:off x="457200" y="-138165"/>
+            <a:ext cx="8229600" cy="1143000"/>
+          </a:xfrm>
+        </p:spPr>
+        <p:txBody>
+          <a:bodyPr/>
+          <a:lstStyle/>
+          <a:p>
             <a:r>
               <a:rPr lang="en-US" dirty="0"/>
-              <a:t>operator + </a:t>
-            </a:r>
-            <a:r>
-              <a:rPr lang="th-TH" dirty="0"/>
-              <a:t>เป็น </a:t>
-            </a:r>
-            <a:r>
-              <a:rPr lang="en-US" dirty="0"/>
-              <a:t>global </a:t>
-            </a:r>
-            <a:r>
-              <a:rPr lang="th-TH" dirty="0"/>
-              <a:t>ก็ได้ แต่ต้องเปลี่ยนการเขียน</a:t>
-            </a:r>
-            <a:endParaRPr lang="en-US" dirty="0"/>
-          </a:p>
-        </p:txBody>
-      </p:sp>
+              <a:t>Alternative - friend function</a:t>
+            </a:r>
+          </a:p>
+        </p:txBody>
+      </p:sp>
+      <p:pic>
+        <p:nvPicPr>
+          <p:cNvPr id="7" name="Picture 6">
+            <a:extLst>
+              <a:ext uri="{FF2B5EF4-FFF2-40B4-BE49-F238E27FC236}">
+                <a16:creationId xmlns:a16="http://schemas.microsoft.com/office/drawing/2014/main" id="{7B1C9551-4BA0-37D2-AEC3-BD062B4C3A7B}"/>
+              </a:ext>
+            </a:extLst>
+          </p:cNvPr>
+          <p:cNvPicPr>
+            <a:picLocks noChangeAspect="1"/>
+          </p:cNvPicPr>
+          <p:nvPr/>
+        </p:nvPicPr>
+        <p:blipFill>
+          <a:blip r:embed="rId2"/>
+          <a:stretch>
+            <a:fillRect/>
+          </a:stretch>
+        </p:blipFill>
+        <p:spPr>
+          <a:xfrm>
+            <a:off x="1836420" y="1004835"/>
+            <a:ext cx="5471160" cy="5822685"/>
+          </a:xfrm>
+          <a:prstGeom prst="rect">
+            <a:avLst/>
+          </a:prstGeom>
+        </p:spPr>
+      </p:pic>
+      <p:sp>
+        <p:nvSpPr>
+          <p:cNvPr id="8" name="Slide Number Placeholder 7">
+            <a:extLst>
+              <a:ext uri="{FF2B5EF4-FFF2-40B4-BE49-F238E27FC236}">
+                <a16:creationId xmlns:a16="http://schemas.microsoft.com/office/drawing/2014/main" id="{D7613B7E-E630-B524-A4A0-A15A838E3EFC}"/>
+              </a:ext>
+            </a:extLst>
+          </p:cNvPr>
+          <p:cNvSpPr>
+            <a:spLocks noGrp="1"/>
+          </p:cNvSpPr>
+          <p:nvPr>
+            <p:ph type="sldNum" sz="quarter" idx="12"/>
+          </p:nvPr>
+        </p:nvSpPr>
+        <p:spPr/>
+        <p:txBody>
+          <a:bodyPr/>
+          <a:lstStyle/>
+          <a:p>
+            <a:fld id="{B6F15528-21DE-4FAA-801E-634DDDAF4B2B}" type="slidenum">
+              <a:rPr lang="en-US" smtClean="0"/>
+              <a:pPr/>
+              <a:t>6</a:t>
+            </a:fld>
+            <a:endParaRPr lang="en-US"/>
+          </a:p>
+        </p:txBody>
+      </p:sp>
+    </p:spTree>
+    <p:extLst>
+      <p:ext uri="{BB962C8B-B14F-4D97-AF65-F5344CB8AC3E}">
+        <p14:creationId xmlns:p14="http://schemas.microsoft.com/office/powerpoint/2010/main" val="2517352205"/>
+      </p:ext>
+    </p:extLst>
+  </p:cSld>
+  <p:clrMapOvr>
+    <a:masterClrMapping/>
+  </p:clrMapOvr>
+</p:sld>
+</file>
+
+<file path=ppt/slides/slide7.xml><?xml version="1.0" encoding="utf-8"?>
+<p:sld xmlns:a="http://schemas.openxmlformats.org/drawingml/2006/main" xmlns:r="http://schemas.openxmlformats.org/officeDocument/2006/relationships" xmlns:p="http://schemas.openxmlformats.org/presentationml/2006/main">
+  <p:cSld>
+    <p:spTree>
+      <p:nvGrpSpPr>
+        <p:cNvPr id="1" name=""/>
+        <p:cNvGrpSpPr/>
+        <p:nvPr/>
+      </p:nvGrpSpPr>
+      <p:grpSpPr>
+        <a:xfrm>
+          <a:off x="0" y="0"/>
+          <a:ext cx="0" cy="0"/>
+          <a:chOff x="0" y="0"/>
+          <a:chExt cx="0" cy="0"/>
+        </a:xfrm>
+      </p:grpSpPr>
       <p:pic>
         <p:nvPicPr>
           <p:cNvPr id="4" name="ตัวแทนเนื้อหา 3"/>
@@ -4797,6 +9757,61 @@
           </a:p>
         </p:txBody>
       </p:sp>
+      <p:sp>
+        <p:nvSpPr>
+          <p:cNvPr id="8" name="Title 7">
+            <a:extLst>
+              <a:ext uri="{FF2B5EF4-FFF2-40B4-BE49-F238E27FC236}">
+                <a16:creationId xmlns:a16="http://schemas.microsoft.com/office/drawing/2014/main" id="{94D6086C-C20A-C72E-1CC3-875B573B60B3}"/>
+              </a:ext>
+            </a:extLst>
+          </p:cNvPr>
+          <p:cNvSpPr>
+            <a:spLocks noGrp="1"/>
+          </p:cNvSpPr>
+          <p:nvPr>
+            <p:ph type="title"/>
+          </p:nvPr>
+        </p:nvSpPr>
+        <p:spPr/>
+        <p:txBody>
+          <a:bodyPr/>
+          <a:lstStyle/>
+          <a:p>
+            <a:endParaRPr lang="en-US"/>
+          </a:p>
+        </p:txBody>
+      </p:sp>
+      <p:sp>
+        <p:nvSpPr>
+          <p:cNvPr id="9" name="Slide Number Placeholder 8">
+            <a:extLst>
+              <a:ext uri="{FF2B5EF4-FFF2-40B4-BE49-F238E27FC236}">
+                <a16:creationId xmlns:a16="http://schemas.microsoft.com/office/drawing/2014/main" id="{10939518-36CB-0FEF-C81F-FFDF03FA1B08}"/>
+              </a:ext>
+            </a:extLst>
+          </p:cNvPr>
+          <p:cNvSpPr>
+            <a:spLocks noGrp="1"/>
+          </p:cNvSpPr>
+          <p:nvPr>
+            <p:ph type="sldNum" sz="quarter" idx="12"/>
+          </p:nvPr>
+        </p:nvSpPr>
+        <p:spPr/>
+        <p:txBody>
+          <a:bodyPr/>
+          <a:lstStyle/>
+          <a:p>
+            <a:fld id="{B6F15528-21DE-4FAA-801E-634DDDAF4B2B}" type="slidenum">
+              <a:rPr lang="en-US" smtClean="0"/>
+              <a:pPr/>
+              <a:t>7</a:t>
+            </a:fld>
+            <a:endParaRPr lang="en-US"/>
+          </a:p>
+        </p:txBody>
+      </p:sp>
     </p:spTree>
     <p:extLst>
       <p:ext uri="{BB962C8B-B14F-4D97-AF65-F5344CB8AC3E}">
@@ -4810,7 +9825,7 @@
 </p:sld>
 </file>
 
-<file path=ppt/slides/slide6.xml><?xml version="1.0" encoding="utf-8"?>
+<file path=ppt/slides/slide8.xml><?xml version="1.0" encoding="utf-8"?>
 <p:sld xmlns:a="http://schemas.openxmlformats.org/drawingml/2006/main" xmlns:r="http://schemas.openxmlformats.org/officeDocument/2006/relationships" xmlns:p="http://schemas.openxmlformats.org/presentationml/2006/main">
   <p:cSld>
     <p:spTree>
@@ -5154,6 +10169,36 @@
           </a:p>
         </p:txBody>
       </p:sp>
+      <p:sp>
+        <p:nvSpPr>
+          <p:cNvPr id="3" name="Slide Number Placeholder 2">
+            <a:extLst>
+              <a:ext uri="{FF2B5EF4-FFF2-40B4-BE49-F238E27FC236}">
+                <a16:creationId xmlns:a16="http://schemas.microsoft.com/office/drawing/2014/main" id="{7AD313A0-5749-2F88-8146-FD1D8EC5FC8B}"/>
+              </a:ext>
+            </a:extLst>
+          </p:cNvPr>
+          <p:cNvSpPr>
+            <a:spLocks noGrp="1"/>
+          </p:cNvSpPr>
+          <p:nvPr>
+            <p:ph type="sldNum" sz="quarter" idx="12"/>
+          </p:nvPr>
+        </p:nvSpPr>
+        <p:spPr/>
+        <p:txBody>
+          <a:bodyPr/>
+          <a:lstStyle/>
+          <a:p>
+            <a:fld id="{B6F15528-21DE-4FAA-801E-634DDDAF4B2B}" type="slidenum">
+              <a:rPr lang="en-US" smtClean="0"/>
+              <a:pPr/>
+              <a:t>8</a:t>
+            </a:fld>
+            <a:endParaRPr lang="en-US"/>
+          </a:p>
+        </p:txBody>
+      </p:sp>
     </p:spTree>
   </p:cSld>
   <p:clrMapOvr>
@@ -5162,7 +10207,7 @@
 </p:sld>
 </file>
 
-<file path=ppt/slides/slide7.xml><?xml version="1.0" encoding="utf-8"?>
+<file path=ppt/slides/slide9.xml><?xml version="1.0" encoding="utf-8"?>
 <p:sld xmlns:a="http://schemas.openxmlformats.org/drawingml/2006/main" xmlns:r="http://schemas.openxmlformats.org/officeDocument/2006/relationships" xmlns:p="http://schemas.openxmlformats.org/presentationml/2006/main">
   <p:cSld>
     <p:spTree>
@@ -5238,387 +10283,42 @@
           </a:prstGeom>
         </p:spPr>
       </p:pic>
+      <p:sp>
+        <p:nvSpPr>
+          <p:cNvPr id="3" name="Slide Number Placeholder 2">
+            <a:extLst>
+              <a:ext uri="{FF2B5EF4-FFF2-40B4-BE49-F238E27FC236}">
+                <a16:creationId xmlns:a16="http://schemas.microsoft.com/office/drawing/2014/main" id="{3D0C6861-84AA-6C21-7946-080770D02447}"/>
+              </a:ext>
+            </a:extLst>
+          </p:cNvPr>
+          <p:cNvSpPr>
+            <a:spLocks noGrp="1"/>
+          </p:cNvSpPr>
+          <p:nvPr>
+            <p:ph type="sldNum" sz="quarter" idx="12"/>
+          </p:nvPr>
+        </p:nvSpPr>
+        <p:spPr/>
+        <p:txBody>
+          <a:bodyPr/>
+          <a:lstStyle/>
+          <a:p>
+            <a:fld id="{B6F15528-21DE-4FAA-801E-634DDDAF4B2B}" type="slidenum">
+              <a:rPr lang="en-US" smtClean="0"/>
+              <a:pPr/>
+              <a:t>9</a:t>
+            </a:fld>
+            <a:endParaRPr lang="en-US"/>
+          </a:p>
+        </p:txBody>
+      </p:sp>
     </p:spTree>
     <p:extLst>
       <p:ext uri="{BB962C8B-B14F-4D97-AF65-F5344CB8AC3E}">
         <p14:creationId xmlns:p14="http://schemas.microsoft.com/office/powerpoint/2010/main" val="4126700285"/>
       </p:ext>
     </p:extLst>
-  </p:cSld>
-  <p:clrMapOvr>
-    <a:masterClrMapping/>
-  </p:clrMapOvr>
-</p:sld>
-</file>
-
-<file path=ppt/slides/slide8.xml><?xml version="1.0" encoding="utf-8"?>
-<p:sld xmlns:a="http://schemas.openxmlformats.org/drawingml/2006/main" xmlns:r="http://schemas.openxmlformats.org/officeDocument/2006/relationships" xmlns:p="http://schemas.openxmlformats.org/presentationml/2006/main">
-  <p:cSld>
-    <p:spTree>
-      <p:nvGrpSpPr>
-        <p:cNvPr id="1" name=""/>
-        <p:cNvGrpSpPr/>
-        <p:nvPr/>
-      </p:nvGrpSpPr>
-      <p:grpSpPr>
-        <a:xfrm>
-          <a:off x="0" y="0"/>
-          <a:ext cx="0" cy="0"/>
-          <a:chOff x="0" y="0"/>
-          <a:chExt cx="0" cy="0"/>
-        </a:xfrm>
-      </p:grpSpPr>
-      <p:sp>
-        <p:nvSpPr>
-          <p:cNvPr id="2" name="Title 1"/>
-          <p:cNvSpPr>
-            <a:spLocks noGrp="1"/>
-          </p:cNvSpPr>
-          <p:nvPr>
-            <p:ph type="title"/>
-          </p:nvPr>
-        </p:nvSpPr>
-        <p:spPr/>
-        <p:txBody>
-          <a:bodyPr/>
-          <a:lstStyle/>
-          <a:p>
-            <a:r>
-              <a:rPr lang="en-US" dirty="0" err="1"/>
-              <a:t>cin</a:t>
-            </a:r>
-            <a:r>
-              <a:rPr lang="en-US" dirty="0"/>
-              <a:t> , </a:t>
-            </a:r>
-            <a:r>
-              <a:rPr lang="en-US" dirty="0" err="1"/>
-              <a:t>cout</a:t>
-            </a:r>
-            <a:r>
-              <a:rPr lang="en-US" dirty="0"/>
-              <a:t> </a:t>
-            </a:r>
-            <a:r>
-              <a:rPr lang="th-TH" dirty="0"/>
-              <a:t>จะได้ </a:t>
-            </a:r>
-            <a:r>
-              <a:rPr lang="en-US" dirty="0"/>
-              <a:t>print object </a:t>
-            </a:r>
-            <a:r>
-              <a:rPr lang="th-TH" dirty="0"/>
-              <a:t>ได้</a:t>
-            </a:r>
-            <a:endParaRPr lang="en-US" dirty="0"/>
-          </a:p>
-        </p:txBody>
-      </p:sp>
-      <p:sp>
-        <p:nvSpPr>
-          <p:cNvPr id="3" name="Content Placeholder 2"/>
-          <p:cNvSpPr>
-            <a:spLocks noGrp="1"/>
-          </p:cNvSpPr>
-          <p:nvPr>
-            <p:ph idx="1"/>
-          </p:nvPr>
-        </p:nvSpPr>
-        <p:spPr/>
-        <p:txBody>
-          <a:bodyPr/>
-          <a:lstStyle/>
-          <a:p>
-            <a:endParaRPr lang="en-US" dirty="0"/>
-          </a:p>
-        </p:txBody>
-      </p:sp>
-      <p:pic>
-        <p:nvPicPr>
-          <p:cNvPr id="4098" name="Picture 2" descr="C:\Users\ajarntoe\Desktop\ScreenHunter_74 Nov. 27 02.11.jpg"/>
-          <p:cNvPicPr>
-            <a:picLocks noChangeAspect="1" noChangeArrowheads="1"/>
-          </p:cNvPicPr>
-          <p:nvPr/>
-        </p:nvPicPr>
-        <p:blipFill>
-          <a:blip r:embed="rId2" cstate="print"/>
-          <a:srcRect/>
-          <a:stretch>
-            <a:fillRect/>
-          </a:stretch>
-        </p:blipFill>
-        <p:spPr bwMode="auto">
-          <a:xfrm>
-            <a:off x="304800" y="1219200"/>
-            <a:ext cx="5641383" cy="5486400"/>
-          </a:xfrm>
-          <a:prstGeom prst="rect">
-            <a:avLst/>
-          </a:prstGeom>
-          <a:noFill/>
-        </p:spPr>
-      </p:pic>
-      <p:pic>
-        <p:nvPicPr>
-          <p:cNvPr id="4099" name="Picture 3" descr="C:\Users\ajarntoe\Desktop\ScreenHunter_75 Nov. 27 02.13.jpg"/>
-          <p:cNvPicPr>
-            <a:picLocks noChangeAspect="1" noChangeArrowheads="1"/>
-          </p:cNvPicPr>
-          <p:nvPr/>
-        </p:nvPicPr>
-        <p:blipFill>
-          <a:blip r:embed="rId3" cstate="print"/>
-          <a:srcRect/>
-          <a:stretch>
-            <a:fillRect/>
-          </a:stretch>
-        </p:blipFill>
-        <p:spPr bwMode="auto">
-          <a:xfrm>
-            <a:off x="4191000" y="1524000"/>
-            <a:ext cx="4800600" cy="2667000"/>
-          </a:xfrm>
-          <a:prstGeom prst="rect">
-            <a:avLst/>
-          </a:prstGeom>
-          <a:noFill/>
-          <a:ln>
-            <a:solidFill>
-              <a:schemeClr val="accent1">
-                <a:shade val="50000"/>
-              </a:schemeClr>
-            </a:solidFill>
-          </a:ln>
-        </p:spPr>
-      </p:pic>
-      <p:sp>
-        <p:nvSpPr>
-          <p:cNvPr id="6" name="Right Arrow 5"/>
-          <p:cNvSpPr/>
-          <p:nvPr/>
-        </p:nvSpPr>
-        <p:spPr>
-          <a:xfrm>
-            <a:off x="152400" y="4191000"/>
-            <a:ext cx="685800" cy="609600"/>
-          </a:xfrm>
-          <a:prstGeom prst="rightArrow">
-            <a:avLst/>
-          </a:prstGeom>
-        </p:spPr>
-        <p:style>
-          <a:lnRef idx="2">
-            <a:schemeClr val="accent1">
-              <a:shade val="50000"/>
-            </a:schemeClr>
-          </a:lnRef>
-          <a:fillRef idx="1">
-            <a:schemeClr val="accent1"/>
-          </a:fillRef>
-          <a:effectRef idx="0">
-            <a:schemeClr val="accent1"/>
-          </a:effectRef>
-          <a:fontRef idx="minor">
-            <a:schemeClr val="lt1"/>
-          </a:fontRef>
-        </p:style>
-        <p:txBody>
-          <a:bodyPr rtlCol="0" anchor="ctr"/>
-          <a:lstStyle/>
-          <a:p>
-            <a:pPr algn="ctr"/>
-            <a:endParaRPr lang="en-US"/>
-          </a:p>
-        </p:txBody>
-      </p:sp>
-      <p:sp>
-        <p:nvSpPr>
-          <p:cNvPr id="7" name="Right Arrow 6"/>
-          <p:cNvSpPr/>
-          <p:nvPr/>
-        </p:nvSpPr>
-        <p:spPr>
-          <a:xfrm>
-            <a:off x="152400" y="5410200"/>
-            <a:ext cx="685800" cy="609600"/>
-          </a:xfrm>
-          <a:prstGeom prst="rightArrow">
-            <a:avLst/>
-          </a:prstGeom>
-        </p:spPr>
-        <p:style>
-          <a:lnRef idx="2">
-            <a:schemeClr val="accent1">
-              <a:shade val="50000"/>
-            </a:schemeClr>
-          </a:lnRef>
-          <a:fillRef idx="1">
-            <a:schemeClr val="accent1"/>
-          </a:fillRef>
-          <a:effectRef idx="0">
-            <a:schemeClr val="accent1"/>
-          </a:effectRef>
-          <a:fontRef idx="minor">
-            <a:schemeClr val="lt1"/>
-          </a:fontRef>
-        </p:style>
-        <p:txBody>
-          <a:bodyPr rtlCol="0" anchor="ctr"/>
-          <a:lstStyle/>
-          <a:p>
-            <a:pPr algn="ctr"/>
-            <a:endParaRPr lang="en-US"/>
-          </a:p>
-        </p:txBody>
-      </p:sp>
-    </p:spTree>
-  </p:cSld>
-  <p:clrMapOvr>
-    <a:masterClrMapping/>
-  </p:clrMapOvr>
-</p:sld>
-</file>
-
-<file path=ppt/slides/slide9.xml><?xml version="1.0" encoding="utf-8"?>
-<p:sld xmlns:a="http://schemas.openxmlformats.org/drawingml/2006/main" xmlns:r="http://schemas.openxmlformats.org/officeDocument/2006/relationships" xmlns:p="http://schemas.openxmlformats.org/presentationml/2006/main">
-  <p:cSld>
-    <p:spTree>
-      <p:nvGrpSpPr>
-        <p:cNvPr id="1" name=""/>
-        <p:cNvGrpSpPr/>
-        <p:nvPr/>
-      </p:nvGrpSpPr>
-      <p:grpSpPr>
-        <a:xfrm>
-          <a:off x="0" y="0"/>
-          <a:ext cx="0" cy="0"/>
-          <a:chOff x="0" y="0"/>
-          <a:chExt cx="0" cy="0"/>
-        </a:xfrm>
-      </p:grpSpPr>
-      <p:sp>
-        <p:nvSpPr>
-          <p:cNvPr id="2" name="Title 1"/>
-          <p:cNvSpPr>
-            <a:spLocks noGrp="1"/>
-          </p:cNvSpPr>
-          <p:nvPr>
-            <p:ph type="title"/>
-          </p:nvPr>
-        </p:nvSpPr>
-        <p:spPr>
-          <a:xfrm>
-            <a:off x="228600" y="304800"/>
-            <a:ext cx="8458200" cy="1112838"/>
-          </a:xfrm>
-        </p:spPr>
-        <p:txBody>
-          <a:bodyPr>
-            <a:normAutofit fontScale="90000"/>
-          </a:bodyPr>
-          <a:lstStyle/>
-          <a:p>
-            <a:r>
-              <a:rPr lang="th-TH" dirty="0"/>
-              <a:t>การใช้ </a:t>
-            </a:r>
-            <a:r>
-              <a:rPr lang="en-US" dirty="0"/>
-              <a:t>friend </a:t>
-            </a:r>
-            <a:r>
-              <a:rPr lang="th-TH" dirty="0"/>
-              <a:t>ทำให้เห็น </a:t>
-            </a:r>
-            <a:r>
-              <a:rPr lang="en-US" dirty="0"/>
-              <a:t>field </a:t>
-            </a:r>
-            <a:r>
-              <a:rPr lang="th-TH" dirty="0"/>
-              <a:t>ทั้งหมด </a:t>
-            </a:r>
-            <a:r>
-              <a:rPr lang="en-US" dirty="0"/>
-              <a:t>private </a:t>
-            </a:r>
-            <a:r>
-              <a:rPr lang="th-TH" dirty="0"/>
-              <a:t>ก็เห็น</a:t>
-            </a:r>
-            <a:endParaRPr lang="en-US" dirty="0"/>
-          </a:p>
-        </p:txBody>
-      </p:sp>
-      <p:pic>
-        <p:nvPicPr>
-          <p:cNvPr id="5122" name="Picture 2" descr="C:\Users\ajarntoe\Desktop\ScreenHunter_76 Nov. 27 02.14.jpg"/>
-          <p:cNvPicPr>
-            <a:picLocks noChangeAspect="1" noChangeArrowheads="1"/>
-          </p:cNvPicPr>
-          <p:nvPr/>
-        </p:nvPicPr>
-        <p:blipFill>
-          <a:blip r:embed="rId2" cstate="print"/>
-          <a:srcRect/>
-          <a:stretch>
-            <a:fillRect/>
-          </a:stretch>
-        </p:blipFill>
-        <p:spPr bwMode="auto">
-          <a:xfrm>
-            <a:off x="228600" y="1219200"/>
-            <a:ext cx="8702794" cy="2209800"/>
-          </a:xfrm>
-          <a:prstGeom prst="rect">
-            <a:avLst/>
-          </a:prstGeom>
-          <a:noFill/>
-          <a:ln>
-            <a:solidFill>
-              <a:schemeClr val="accent1">
-                <a:shade val="50000"/>
-              </a:schemeClr>
-            </a:solidFill>
-          </a:ln>
-        </p:spPr>
-      </p:pic>
-      <p:pic>
-        <p:nvPicPr>
-          <p:cNvPr id="5123" name="Picture 3" descr="C:\Users\ajarntoe\Desktop\ScreenHunter_77 Nov. 27 02.16.jpg"/>
-          <p:cNvPicPr>
-            <a:picLocks noChangeAspect="1" noChangeArrowheads="1"/>
-          </p:cNvPicPr>
-          <p:nvPr/>
-        </p:nvPicPr>
-        <p:blipFill>
-          <a:blip r:embed="rId3" cstate="print"/>
-          <a:srcRect/>
-          <a:stretch>
-            <a:fillRect/>
-          </a:stretch>
-        </p:blipFill>
-        <p:spPr bwMode="auto">
-          <a:xfrm>
-            <a:off x="228600" y="3581400"/>
-            <a:ext cx="8560742" cy="2133600"/>
-          </a:xfrm>
-          <a:prstGeom prst="rect">
-            <a:avLst/>
-          </a:prstGeom>
-          <a:noFill/>
-          <a:ln>
-            <a:solidFill>
-              <a:schemeClr val="accent1">
-                <a:shade val="50000"/>
-              </a:schemeClr>
-            </a:solidFill>
-          </a:ln>
-        </p:spPr>
-      </p:pic>
-    </p:spTree>
   </p:cSld>
   <p:clrMapOvr>
     <a:masterClrMapping/>
@@ -5907,4 +10607,319 @@
   <a:objectDefaults/>
   <a:extraClrSchemeLst/>
 </a:theme>
+</file>
+
+<file path=ppt/theme/theme2.xml><?xml version="1.0" encoding="utf-8"?>
+<a:theme xmlns:a="http://schemas.openxmlformats.org/drawingml/2006/main" name="Office Theme">
+  <a:themeElements>
+    <a:clrScheme name="Office">
+      <a:dk1>
+        <a:sysClr val="windowText" lastClr="000000"/>
+      </a:dk1>
+      <a:lt1>
+        <a:sysClr val="window" lastClr="FFFFFF"/>
+      </a:lt1>
+      <a:dk2>
+        <a:srgbClr val="0E2841"/>
+      </a:dk2>
+      <a:lt2>
+        <a:srgbClr val="E8E8E8"/>
+      </a:lt2>
+      <a:accent1>
+        <a:srgbClr val="156082"/>
+      </a:accent1>
+      <a:accent2>
+        <a:srgbClr val="E97132"/>
+      </a:accent2>
+      <a:accent3>
+        <a:srgbClr val="196B24"/>
+      </a:accent3>
+      <a:accent4>
+        <a:srgbClr val="0F9ED5"/>
+      </a:accent4>
+      <a:accent5>
+        <a:srgbClr val="A02B93"/>
+      </a:accent5>
+      <a:accent6>
+        <a:srgbClr val="4EA72E"/>
+      </a:accent6>
+      <a:hlink>
+        <a:srgbClr val="467886"/>
+      </a:hlink>
+      <a:folHlink>
+        <a:srgbClr val="96607D"/>
+      </a:folHlink>
+    </a:clrScheme>
+    <a:fontScheme name="Office">
+      <a:majorFont>
+        <a:latin typeface="Aptos Display" panose="02110004020202020204"/>
+        <a:ea typeface=""/>
+        <a:cs typeface=""/>
+        <a:font script="Jpan" typeface="游ゴシック Light"/>
+        <a:font script="Hang" typeface="맑은 고딕"/>
+        <a:font script="Hans" typeface="等线 Light"/>
+        <a:font script="Hant" typeface="新細明體"/>
+        <a:font script="Arab" typeface="Times New Roman"/>
+        <a:font script="Hebr" typeface="Times New Roman"/>
+        <a:font script="Thai" typeface="Angsana New"/>
+        <a:font script="Ethi" typeface="Nyala"/>
+        <a:font script="Beng" typeface="Vrinda"/>
+        <a:font script="Gujr" typeface="Shruti"/>
+        <a:font script="Khmr" typeface="MoolBoran"/>
+        <a:font script="Knda" typeface="Tunga"/>
+        <a:font script="Guru" typeface="Raavi"/>
+        <a:font script="Cans" typeface="Euphemia"/>
+        <a:font script="Cher" typeface="Plantagenet Cherokee"/>
+        <a:font script="Yiii" typeface="Microsoft Yi Baiti"/>
+        <a:font script="Tibt" typeface="Microsoft Himalaya"/>
+        <a:font script="Thaa" typeface="MV Boli"/>
+        <a:font script="Deva" typeface="Mangal"/>
+        <a:font script="Telu" typeface="Gautami"/>
+        <a:font script="Taml" typeface="Latha"/>
+        <a:font script="Syrc" typeface="Estrangelo Edessa"/>
+        <a:font script="Orya" typeface="Kalinga"/>
+        <a:font script="Mlym" typeface="Kartika"/>
+        <a:font script="Laoo" typeface="DokChampa"/>
+        <a:font script="Sinh" typeface="Iskoola Pota"/>
+        <a:font script="Mong" typeface="Mongolian Baiti"/>
+        <a:font script="Viet" typeface="Times New Roman"/>
+        <a:font script="Uigh" typeface="Microsoft Uighur"/>
+        <a:font script="Geor" typeface="Sylfaen"/>
+        <a:font script="Armn" typeface="Arial"/>
+        <a:font script="Bugi" typeface="Leelawadee UI"/>
+        <a:font script="Bopo" typeface="Microsoft JhengHei"/>
+        <a:font script="Java" typeface="Javanese Text"/>
+        <a:font script="Lisu" typeface="Segoe UI"/>
+        <a:font script="Mymr" typeface="Myanmar Text"/>
+        <a:font script="Nkoo" typeface="Ebrima"/>
+        <a:font script="Olck" typeface="Nirmala UI"/>
+        <a:font script="Osma" typeface="Ebrima"/>
+        <a:font script="Phag" typeface="Phagspa"/>
+        <a:font script="Syrn" typeface="Estrangelo Edessa"/>
+        <a:font script="Syrj" typeface="Estrangelo Edessa"/>
+        <a:font script="Syre" typeface="Estrangelo Edessa"/>
+        <a:font script="Sora" typeface="Nirmala UI"/>
+        <a:font script="Tale" typeface="Microsoft Tai Le"/>
+        <a:font script="Talu" typeface="Microsoft New Tai Lue"/>
+        <a:font script="Tfng" typeface="Ebrima"/>
+      </a:majorFont>
+      <a:minorFont>
+        <a:latin typeface="Aptos" panose="02110004020202020204"/>
+        <a:ea typeface=""/>
+        <a:cs typeface=""/>
+        <a:font script="Jpan" typeface="游ゴシック"/>
+        <a:font script="Hang" typeface="맑은 고딕"/>
+        <a:font script="Hans" typeface="等线"/>
+        <a:font script="Hant" typeface="新細明體"/>
+        <a:font script="Arab" typeface="Arial"/>
+        <a:font script="Hebr" typeface="Arial"/>
+        <a:font script="Thai" typeface="Cordia New"/>
+        <a:font script="Ethi" typeface="Nyala"/>
+        <a:font script="Beng" typeface="Vrinda"/>
+        <a:font script="Gujr" typeface="Shruti"/>
+        <a:font script="Khmr" typeface="DaunPenh"/>
+        <a:font script="Knda" typeface="Tunga"/>
+        <a:font script="Guru" typeface="Raavi"/>
+        <a:font script="Cans" typeface="Euphemia"/>
+        <a:font script="Cher" typeface="Plantagenet Cherokee"/>
+        <a:font script="Yiii" typeface="Microsoft Yi Baiti"/>
+        <a:font script="Tibt" typeface="Microsoft Himalaya"/>
+        <a:font script="Thaa" typeface="MV Boli"/>
+        <a:font script="Deva" typeface="Mangal"/>
+        <a:font script="Telu" typeface="Gautami"/>
+        <a:font script="Taml" typeface="Latha"/>
+        <a:font script="Syrc" typeface="Estrangelo Edessa"/>
+        <a:font script="Orya" typeface="Kalinga"/>
+        <a:font script="Mlym" typeface="Kartika"/>
+        <a:font script="Laoo" typeface="DokChampa"/>
+        <a:font script="Sinh" typeface="Iskoola Pota"/>
+        <a:font script="Mong" typeface="Mongolian Baiti"/>
+        <a:font script="Viet" typeface="Arial"/>
+        <a:font script="Uigh" typeface="Microsoft Uighur"/>
+        <a:font script="Geor" typeface="Sylfaen"/>
+        <a:font script="Armn" typeface="Arial"/>
+        <a:font script="Bugi" typeface="Leelawadee UI"/>
+        <a:font script="Bopo" typeface="Microsoft JhengHei"/>
+        <a:font script="Java" typeface="Javanese Text"/>
+        <a:font script="Lisu" typeface="Segoe UI"/>
+        <a:font script="Mymr" typeface="Myanmar Text"/>
+        <a:font script="Nkoo" typeface="Ebrima"/>
+        <a:font script="Olck" typeface="Nirmala UI"/>
+        <a:font script="Osma" typeface="Ebrima"/>
+        <a:font script="Phag" typeface="Phagspa"/>
+        <a:font script="Syrn" typeface="Estrangelo Edessa"/>
+        <a:font script="Syrj" typeface="Estrangelo Edessa"/>
+        <a:font script="Syre" typeface="Estrangelo Edessa"/>
+        <a:font script="Sora" typeface="Nirmala UI"/>
+        <a:font script="Tale" typeface="Microsoft Tai Le"/>
+        <a:font script="Talu" typeface="Microsoft New Tai Lue"/>
+        <a:font script="Tfng" typeface="Ebrima"/>
+      </a:minorFont>
+    </a:fontScheme>
+    <a:fmtScheme name="Office">
+      <a:fillStyleLst>
+        <a:solidFill>
+          <a:schemeClr val="phClr"/>
+        </a:solidFill>
+        <a:gradFill rotWithShape="1">
+          <a:gsLst>
+            <a:gs pos="0">
+              <a:schemeClr val="phClr">
+                <a:lumMod val="110000"/>
+                <a:satMod val="105000"/>
+                <a:tint val="67000"/>
+              </a:schemeClr>
+            </a:gs>
+            <a:gs pos="50000">
+              <a:schemeClr val="phClr">
+                <a:lumMod val="105000"/>
+                <a:satMod val="103000"/>
+                <a:tint val="73000"/>
+              </a:schemeClr>
+            </a:gs>
+            <a:gs pos="100000">
+              <a:schemeClr val="phClr">
+                <a:lumMod val="105000"/>
+                <a:satMod val="109000"/>
+                <a:tint val="81000"/>
+              </a:schemeClr>
+            </a:gs>
+          </a:gsLst>
+          <a:lin ang="5400000" scaled="0"/>
+        </a:gradFill>
+        <a:gradFill rotWithShape="1">
+          <a:gsLst>
+            <a:gs pos="0">
+              <a:schemeClr val="phClr">
+                <a:satMod val="103000"/>
+                <a:lumMod val="102000"/>
+                <a:tint val="94000"/>
+              </a:schemeClr>
+            </a:gs>
+            <a:gs pos="50000">
+              <a:schemeClr val="phClr">
+                <a:satMod val="110000"/>
+                <a:lumMod val="100000"/>
+                <a:shade val="100000"/>
+              </a:schemeClr>
+            </a:gs>
+            <a:gs pos="100000">
+              <a:schemeClr val="phClr">
+                <a:lumMod val="99000"/>
+                <a:satMod val="120000"/>
+                <a:shade val="78000"/>
+              </a:schemeClr>
+            </a:gs>
+          </a:gsLst>
+          <a:lin ang="5400000" scaled="0"/>
+        </a:gradFill>
+      </a:fillStyleLst>
+      <a:lnStyleLst>
+        <a:ln w="12700" cap="flat" cmpd="sng" algn="ctr">
+          <a:solidFill>
+            <a:schemeClr val="phClr"/>
+          </a:solidFill>
+          <a:prstDash val="solid"/>
+          <a:miter lim="800000"/>
+        </a:ln>
+        <a:ln w="19050" cap="flat" cmpd="sng" algn="ctr">
+          <a:solidFill>
+            <a:schemeClr val="phClr"/>
+          </a:solidFill>
+          <a:prstDash val="solid"/>
+          <a:miter lim="800000"/>
+        </a:ln>
+        <a:ln w="25400" cap="flat" cmpd="sng" algn="ctr">
+          <a:solidFill>
+            <a:schemeClr val="phClr"/>
+          </a:solidFill>
+          <a:prstDash val="solid"/>
+          <a:miter lim="800000"/>
+        </a:ln>
+      </a:lnStyleLst>
+      <a:effectStyleLst>
+        <a:effectStyle>
+          <a:effectLst/>
+        </a:effectStyle>
+        <a:effectStyle>
+          <a:effectLst/>
+        </a:effectStyle>
+        <a:effectStyle>
+          <a:effectLst>
+            <a:outerShdw blurRad="57150" dist="19050" dir="5400000" algn="ctr" rotWithShape="0">
+              <a:srgbClr val="000000">
+                <a:alpha val="63000"/>
+              </a:srgbClr>
+            </a:outerShdw>
+          </a:effectLst>
+        </a:effectStyle>
+      </a:effectStyleLst>
+      <a:bgFillStyleLst>
+        <a:solidFill>
+          <a:schemeClr val="phClr"/>
+        </a:solidFill>
+        <a:solidFill>
+          <a:schemeClr val="phClr">
+            <a:tint val="95000"/>
+            <a:satMod val="170000"/>
+          </a:schemeClr>
+        </a:solidFill>
+        <a:gradFill rotWithShape="1">
+          <a:gsLst>
+            <a:gs pos="0">
+              <a:schemeClr val="phClr">
+                <a:tint val="93000"/>
+                <a:satMod val="150000"/>
+                <a:shade val="98000"/>
+                <a:lumMod val="102000"/>
+              </a:schemeClr>
+            </a:gs>
+            <a:gs pos="50000">
+              <a:schemeClr val="phClr">
+                <a:tint val="98000"/>
+                <a:satMod val="130000"/>
+                <a:shade val="90000"/>
+                <a:lumMod val="103000"/>
+              </a:schemeClr>
+            </a:gs>
+            <a:gs pos="100000">
+              <a:schemeClr val="phClr">
+                <a:shade val="63000"/>
+                <a:satMod val="120000"/>
+              </a:schemeClr>
+            </a:gs>
+          </a:gsLst>
+          <a:lin ang="5400000" scaled="0"/>
+        </a:gradFill>
+      </a:bgFillStyleLst>
+    </a:fmtScheme>
+  </a:themeElements>
+  <a:objectDefaults>
+    <a:lnDef>
+      <a:spPr/>
+      <a:bodyPr/>
+      <a:lstStyle/>
+      <a:style>
+        <a:lnRef idx="2">
+          <a:schemeClr val="accent1"/>
+        </a:lnRef>
+        <a:fillRef idx="0">
+          <a:schemeClr val="accent1"/>
+        </a:fillRef>
+        <a:effectRef idx="1">
+          <a:schemeClr val="accent1"/>
+        </a:effectRef>
+        <a:fontRef idx="minor">
+          <a:schemeClr val="tx1"/>
+        </a:fontRef>
+      </a:style>
+    </a:lnDef>
+  </a:objectDefaults>
+  <a:extraClrSchemeLst/>
+  <a:extLst>
+    <a:ext uri="{05A4C25C-085E-4340-85A3-A5531E510DB2}">
+      <thm15:themeFamily xmlns:thm15="http://schemas.microsoft.com/office/thememl/2012/main" name="Office Theme" id="{2E142A2C-CD16-42D6-873A-C26D2A0506FA}" vid="{1BDDFF52-6CD6-40A5-AB3C-68EB2F1E4D0A}"/>
+    </a:ext>
+  </a:extLst>
+</a:theme>
 </file>